--- a/docs/tentacle_arm_problem.pptx
+++ b/docs/tentacle_arm_problem.pptx
@@ -8,7 +8,8 @@
     <p:sldId id="257" r:id="rId2"/>
     <p:sldId id="256" r:id="rId3"/>
     <p:sldId id="258" r:id="rId4"/>
-    <p:sldId id="259" r:id="rId5"/>
+    <p:sldId id="260" r:id="rId5"/>
+    <p:sldId id="259" r:id="rId6"/>
   </p:sldIdLst>
   <p:sldSz cx="12192000" cy="6858000"/>
   <p:notesSz cx="6858000" cy="9144000"/>
@@ -107,19 +108,688 @@
       </a:defRPr>
     </a:lvl9pPr>
   </p:defaultTextStyle>
+  <p:extLst>
+    <p:ext uri="{EFAFB233-063F-42B5-8137-9DF3F51BA10A}">
+      <p15:sldGuideLst xmlns:p15="http://schemas.microsoft.com/office/powerpoint/2012/main"/>
+    </p:ext>
+  </p:extLst>
 </p:presentation>
 </file>
 
 <file path=ppt/revisionInfo.xml><?xml version="1.0" encoding="utf-8"?>
 <p1510:revInfo xmlns:a="http://schemas.openxmlformats.org/drawingml/2006/main" xmlns:r="http://schemas.openxmlformats.org/officeDocument/2006/relationships" xmlns:p1510="http://schemas.microsoft.com/office/powerpoint/2015/10/main">
   <p1510:revLst>
-    <p1510:client id="{7125DE27-5DC8-4232-8B1C-2E5C79DD6852}" v="782" dt="2019-10-16T17:20:49.784"/>
+    <p1510:client id="{281ED52B-8A3C-4B34-988A-58BAE969D86D}" v="171" dt="2019-11-21T22:34:45.466"/>
   </p1510:revLst>
 </p1510:revInfo>
 </file>
 
 <file path=ppt/changesInfos/changesInfo1.xml><?xml version="1.0" encoding="utf-8"?>
 <pc:chgInfo xmlns:a="http://schemas.openxmlformats.org/drawingml/2006/main" xmlns:r="http://schemas.openxmlformats.org/officeDocument/2006/relationships" xmlns:ac="http://schemas.microsoft.com/office/drawing/2013/main/command" xmlns:pc="http://schemas.microsoft.com/office/powerpoint/2013/main/command">
+  <pc:docChgLst>
+    <pc:chgData name="Richard Abrams" userId="6a886bf13071728b" providerId="LiveId" clId="{281ED52B-8A3C-4B34-988A-58BAE969D86D}"/>
+    <pc:docChg chg="undo custSel addSld modSld">
+      <pc:chgData name="Richard Abrams" userId="6a886bf13071728b" providerId="LiveId" clId="{281ED52B-8A3C-4B34-988A-58BAE969D86D}" dt="2019-11-21T22:34:54.841" v="337" actId="1076"/>
+      <pc:docMkLst>
+        <pc:docMk/>
+      </pc:docMkLst>
+      <pc:sldChg chg="addSp delSp modSp add">
+        <pc:chgData name="Richard Abrams" userId="6a886bf13071728b" providerId="LiveId" clId="{281ED52B-8A3C-4B34-988A-58BAE969D86D}" dt="2019-11-21T22:34:54.841" v="337" actId="1076"/>
+        <pc:sldMkLst>
+          <pc:docMk/>
+          <pc:sldMk cId="2823563193" sldId="260"/>
+        </pc:sldMkLst>
+        <pc:spChg chg="mod topLvl">
+          <ac:chgData name="Richard Abrams" userId="6a886bf13071728b" providerId="LiveId" clId="{281ED52B-8A3C-4B34-988A-58BAE969D86D}" dt="2019-11-21T22:21:45.843" v="82" actId="164"/>
+          <ac:spMkLst>
+            <pc:docMk/>
+            <pc:sldMk cId="2823563193" sldId="260"/>
+            <ac:spMk id="4" creationId="{15E54FF1-2E96-4BEF-9107-E0E1B946F4E6}"/>
+          </ac:spMkLst>
+        </pc:spChg>
+        <pc:spChg chg="del mod topLvl">
+          <ac:chgData name="Richard Abrams" userId="6a886bf13071728b" providerId="LiveId" clId="{281ED52B-8A3C-4B34-988A-58BAE969D86D}" dt="2019-11-21T22:21:56.776" v="85" actId="478"/>
+          <ac:spMkLst>
+            <pc:docMk/>
+            <pc:sldMk cId="2823563193" sldId="260"/>
+            <ac:spMk id="5" creationId="{0EC5963C-CF83-4405-B6F3-81292C9D8EFC}"/>
+          </ac:spMkLst>
+        </pc:spChg>
+        <pc:spChg chg="mod topLvl">
+          <ac:chgData name="Richard Abrams" userId="6a886bf13071728b" providerId="LiveId" clId="{281ED52B-8A3C-4B34-988A-58BAE969D86D}" dt="2019-11-21T22:19:39.364" v="54" actId="1076"/>
+          <ac:spMkLst>
+            <pc:docMk/>
+            <pc:sldMk cId="2823563193" sldId="260"/>
+            <ac:spMk id="9" creationId="{0BD93FC7-DE3A-4FB0-8506-AC6DD94426BA}"/>
+          </ac:spMkLst>
+        </pc:spChg>
+        <pc:spChg chg="add mod ord">
+          <ac:chgData name="Richard Abrams" userId="6a886bf13071728b" providerId="LiveId" clId="{281ED52B-8A3C-4B34-988A-58BAE969D86D}" dt="2019-11-21T22:31:31.115" v="290" actId="1076"/>
+          <ac:spMkLst>
+            <pc:docMk/>
+            <pc:sldMk cId="2823563193" sldId="260"/>
+            <ac:spMk id="11" creationId="{B77DF5DA-4E32-4B51-B84B-61B967C73966}"/>
+          </ac:spMkLst>
+        </pc:spChg>
+        <pc:spChg chg="mod topLvl">
+          <ac:chgData name="Richard Abrams" userId="6a886bf13071728b" providerId="LiveId" clId="{281ED52B-8A3C-4B34-988A-58BAE969D86D}" dt="2019-11-21T22:19:39.364" v="54" actId="1076"/>
+          <ac:spMkLst>
+            <pc:docMk/>
+            <pc:sldMk cId="2823563193" sldId="260"/>
+            <ac:spMk id="23" creationId="{42A8F9C3-D7FE-4654-9AEB-5E8BD2854F50}"/>
+          </ac:spMkLst>
+        </pc:spChg>
+        <pc:spChg chg="mod topLvl">
+          <ac:chgData name="Richard Abrams" userId="6a886bf13071728b" providerId="LiveId" clId="{281ED52B-8A3C-4B34-988A-58BAE969D86D}" dt="2019-11-21T22:22:40.109" v="98" actId="1076"/>
+          <ac:spMkLst>
+            <pc:docMk/>
+            <pc:sldMk cId="2823563193" sldId="260"/>
+            <ac:spMk id="24" creationId="{91B91D3B-C7F4-4238-9F4D-CA011FABAC78}"/>
+          </ac:spMkLst>
+        </pc:spChg>
+        <pc:spChg chg="mod topLvl">
+          <ac:chgData name="Richard Abrams" userId="6a886bf13071728b" providerId="LiveId" clId="{281ED52B-8A3C-4B34-988A-58BAE969D86D}" dt="2019-11-21T22:21:45.843" v="82" actId="164"/>
+          <ac:spMkLst>
+            <pc:docMk/>
+            <pc:sldMk cId="2823563193" sldId="260"/>
+            <ac:spMk id="25" creationId="{5EEA9A2A-7115-4260-A74F-E4BF2A39BF83}"/>
+          </ac:spMkLst>
+        </pc:spChg>
+        <pc:spChg chg="mod topLvl">
+          <ac:chgData name="Richard Abrams" userId="6a886bf13071728b" providerId="LiveId" clId="{281ED52B-8A3C-4B34-988A-58BAE969D86D}" dt="2019-11-21T22:21:45.843" v="82" actId="164"/>
+          <ac:spMkLst>
+            <pc:docMk/>
+            <pc:sldMk cId="2823563193" sldId="260"/>
+            <ac:spMk id="26" creationId="{297BE3BF-ABA8-4C1F-99AB-1374269E3762}"/>
+          </ac:spMkLst>
+        </pc:spChg>
+        <pc:spChg chg="mod ord topLvl">
+          <ac:chgData name="Richard Abrams" userId="6a886bf13071728b" providerId="LiveId" clId="{281ED52B-8A3C-4B34-988A-58BAE969D86D}" dt="2019-11-21T22:22:05.283" v="87" actId="167"/>
+          <ac:spMkLst>
+            <pc:docMk/>
+            <pc:sldMk cId="2823563193" sldId="260"/>
+            <ac:spMk id="27" creationId="{D8FB99A2-DBAD-4202-839A-2F3402DBFABF}"/>
+          </ac:spMkLst>
+        </pc:spChg>
+        <pc:spChg chg="mod topLvl">
+          <ac:chgData name="Richard Abrams" userId="6a886bf13071728b" providerId="LiveId" clId="{281ED52B-8A3C-4B34-988A-58BAE969D86D}" dt="2019-11-21T22:18:13.101" v="16" actId="1076"/>
+          <ac:spMkLst>
+            <pc:docMk/>
+            <pc:sldMk cId="2823563193" sldId="260"/>
+            <ac:spMk id="31" creationId="{B28CE5A7-3CEE-4C06-88AC-AFC6F35D9669}"/>
+          </ac:spMkLst>
+        </pc:spChg>
+        <pc:spChg chg="mod">
+          <ac:chgData name="Richard Abrams" userId="6a886bf13071728b" providerId="LiveId" clId="{281ED52B-8A3C-4B34-988A-58BAE969D86D}" dt="2019-11-21T22:34:39.541" v="334" actId="1076"/>
+          <ac:spMkLst>
+            <pc:docMk/>
+            <pc:sldMk cId="2823563193" sldId="260"/>
+            <ac:spMk id="32" creationId="{623F1715-F16A-46ED-AEE1-3580355CF1DB}"/>
+          </ac:spMkLst>
+        </pc:spChg>
+        <pc:spChg chg="mod topLvl">
+          <ac:chgData name="Richard Abrams" userId="6a886bf13071728b" providerId="LiveId" clId="{281ED52B-8A3C-4B34-988A-58BAE969D86D}" dt="2019-11-21T22:19:39.364" v="54" actId="1076"/>
+          <ac:spMkLst>
+            <pc:docMk/>
+            <pc:sldMk cId="2823563193" sldId="260"/>
+            <ac:spMk id="36" creationId="{ACE44229-1DC6-4D0C-B6AD-22AB79282E0C}"/>
+          </ac:spMkLst>
+        </pc:spChg>
+        <pc:spChg chg="mod topLvl">
+          <ac:chgData name="Richard Abrams" userId="6a886bf13071728b" providerId="LiveId" clId="{281ED52B-8A3C-4B34-988A-58BAE969D86D}" dt="2019-11-21T22:19:39.364" v="54" actId="1076"/>
+          <ac:spMkLst>
+            <pc:docMk/>
+            <pc:sldMk cId="2823563193" sldId="260"/>
+            <ac:spMk id="38" creationId="{C086DE60-9ABE-45B3-BC6D-28219C440B75}"/>
+          </ac:spMkLst>
+        </pc:spChg>
+        <pc:spChg chg="add mod ord">
+          <ac:chgData name="Richard Abrams" userId="6a886bf13071728b" providerId="LiveId" clId="{281ED52B-8A3C-4B34-988A-58BAE969D86D}" dt="2019-11-21T22:19:39.364" v="54" actId="1076"/>
+          <ac:spMkLst>
+            <pc:docMk/>
+            <pc:sldMk cId="2823563193" sldId="260"/>
+            <ac:spMk id="58" creationId="{23471E59-C4FF-4E85-9485-B604B2AF67CC}"/>
+          </ac:spMkLst>
+        </pc:spChg>
+        <pc:spChg chg="add mod">
+          <ac:chgData name="Richard Abrams" userId="6a886bf13071728b" providerId="LiveId" clId="{281ED52B-8A3C-4B34-988A-58BAE969D86D}" dt="2019-11-21T22:19:39.364" v="54" actId="1076"/>
+          <ac:spMkLst>
+            <pc:docMk/>
+            <pc:sldMk cId="2823563193" sldId="260"/>
+            <ac:spMk id="61" creationId="{F331678D-00B7-434E-BB0C-CEE29E52F22A}"/>
+          </ac:spMkLst>
+        </pc:spChg>
+        <pc:spChg chg="mod topLvl">
+          <ac:chgData name="Richard Abrams" userId="6a886bf13071728b" providerId="LiveId" clId="{281ED52B-8A3C-4B34-988A-58BAE969D86D}" dt="2019-11-21T22:19:39.364" v="54" actId="1076"/>
+          <ac:spMkLst>
+            <pc:docMk/>
+            <pc:sldMk cId="2823563193" sldId="260"/>
+            <ac:spMk id="69" creationId="{AE4856DA-D47B-4713-9B64-2B861DA505E3}"/>
+          </ac:spMkLst>
+        </pc:spChg>
+        <pc:spChg chg="add mod">
+          <ac:chgData name="Richard Abrams" userId="6a886bf13071728b" providerId="LiveId" clId="{281ED52B-8A3C-4B34-988A-58BAE969D86D}" dt="2019-11-21T22:23:31.272" v="108" actId="20577"/>
+          <ac:spMkLst>
+            <pc:docMk/>
+            <pc:sldMk cId="2823563193" sldId="260"/>
+            <ac:spMk id="75" creationId="{18CA1A12-51FA-43A3-B191-96DF7807C417}"/>
+          </ac:spMkLst>
+        </pc:spChg>
+        <pc:spChg chg="add mod topLvl">
+          <ac:chgData name="Richard Abrams" userId="6a886bf13071728b" providerId="LiveId" clId="{281ED52B-8A3C-4B34-988A-58BAE969D86D}" dt="2019-11-21T22:31:07.087" v="283" actId="164"/>
+          <ac:spMkLst>
+            <pc:docMk/>
+            <pc:sldMk cId="2823563193" sldId="260"/>
+            <ac:spMk id="85" creationId="{6910C2C5-461C-43E4-ADCA-82768941E02A}"/>
+          </ac:spMkLst>
+        </pc:spChg>
+        <pc:spChg chg="add mod topLvl">
+          <ac:chgData name="Richard Abrams" userId="6a886bf13071728b" providerId="LiveId" clId="{281ED52B-8A3C-4B34-988A-58BAE969D86D}" dt="2019-11-21T22:31:51.063" v="294" actId="1076"/>
+          <ac:spMkLst>
+            <pc:docMk/>
+            <pc:sldMk cId="2823563193" sldId="260"/>
+            <ac:spMk id="86" creationId="{CDEACCC5-4605-406B-9401-5AB9ED46ACAF}"/>
+          </ac:spMkLst>
+        </pc:spChg>
+        <pc:spChg chg="add del mod topLvl">
+          <ac:chgData name="Richard Abrams" userId="6a886bf13071728b" providerId="LiveId" clId="{281ED52B-8A3C-4B34-988A-58BAE969D86D}" dt="2019-11-21T22:30:59.408" v="281" actId="478"/>
+          <ac:spMkLst>
+            <pc:docMk/>
+            <pc:sldMk cId="2823563193" sldId="260"/>
+            <ac:spMk id="87" creationId="{C27EFD7C-69BF-4984-9ECB-D385B925F289}"/>
+          </ac:spMkLst>
+        </pc:spChg>
+        <pc:spChg chg="add del mod">
+          <ac:chgData name="Richard Abrams" userId="6a886bf13071728b" providerId="LiveId" clId="{281ED52B-8A3C-4B34-988A-58BAE969D86D}" dt="2019-11-21T22:30:11.975" v="263" actId="478"/>
+          <ac:spMkLst>
+            <pc:docMk/>
+            <pc:sldMk cId="2823563193" sldId="260"/>
+            <ac:spMk id="88" creationId="{496F1E1B-17E6-40C8-9903-01A80F947B40}"/>
+          </ac:spMkLst>
+        </pc:spChg>
+        <pc:spChg chg="add del mod topLvl">
+          <ac:chgData name="Richard Abrams" userId="6a886bf13071728b" providerId="LiveId" clId="{281ED52B-8A3C-4B34-988A-58BAE969D86D}" dt="2019-11-21T22:31:07.087" v="283" actId="164"/>
+          <ac:spMkLst>
+            <pc:docMk/>
+            <pc:sldMk cId="2823563193" sldId="260"/>
+            <ac:spMk id="89" creationId="{172A8572-3605-41A2-8921-45CC15938DB0}"/>
+          </ac:spMkLst>
+        </pc:spChg>
+        <pc:spChg chg="add del mod">
+          <ac:chgData name="Richard Abrams" userId="6a886bf13071728b" providerId="LiveId" clId="{281ED52B-8A3C-4B34-988A-58BAE969D86D}" dt="2019-11-21T22:30:07.248" v="260" actId="478"/>
+          <ac:spMkLst>
+            <pc:docMk/>
+            <pc:sldMk cId="2823563193" sldId="260"/>
+            <ac:spMk id="92" creationId="{A0C8D8F7-AF47-4AD1-9D8A-E759A7E0F047}"/>
+          </ac:spMkLst>
+        </pc:spChg>
+        <pc:spChg chg="add del mod topLvl">
+          <ac:chgData name="Richard Abrams" userId="6a886bf13071728b" providerId="LiveId" clId="{281ED52B-8A3C-4B34-988A-58BAE969D86D}" dt="2019-11-21T22:30:39.473" v="271" actId="478"/>
+          <ac:spMkLst>
+            <pc:docMk/>
+            <pc:sldMk cId="2823563193" sldId="260"/>
+            <ac:spMk id="93" creationId="{05D1A734-2D10-4F77-B71E-E44F965DBB36}"/>
+          </ac:spMkLst>
+        </pc:spChg>
+        <pc:spChg chg="add del mod topLvl">
+          <ac:chgData name="Richard Abrams" userId="6a886bf13071728b" providerId="LiveId" clId="{281ED52B-8A3C-4B34-988A-58BAE969D86D}" dt="2019-11-21T22:30:46.853" v="276" actId="478"/>
+          <ac:spMkLst>
+            <pc:docMk/>
+            <pc:sldMk cId="2823563193" sldId="260"/>
+            <ac:spMk id="98" creationId="{8C46B7C2-5086-4B86-A64A-538E4786796C}"/>
+          </ac:spMkLst>
+        </pc:spChg>
+        <pc:spChg chg="add del mod topLvl">
+          <ac:chgData name="Richard Abrams" userId="6a886bf13071728b" providerId="LiveId" clId="{281ED52B-8A3C-4B34-988A-58BAE969D86D}" dt="2019-11-21T22:30:59.408" v="281" actId="478"/>
+          <ac:spMkLst>
+            <pc:docMk/>
+            <pc:sldMk cId="2823563193" sldId="260"/>
+            <ac:spMk id="100" creationId="{15F622A1-307A-4207-8020-12C8C60DF4E9}"/>
+          </ac:spMkLst>
+        </pc:spChg>
+        <pc:spChg chg="add del mod topLvl">
+          <ac:chgData name="Richard Abrams" userId="6a886bf13071728b" providerId="LiveId" clId="{281ED52B-8A3C-4B34-988A-58BAE969D86D}" dt="2019-11-21T22:30:48.323" v="277" actId="478"/>
+          <ac:spMkLst>
+            <pc:docMk/>
+            <pc:sldMk cId="2823563193" sldId="260"/>
+            <ac:spMk id="102" creationId="{82E2F62B-B8E8-406D-8492-0FE4A4133B8E}"/>
+          </ac:spMkLst>
+        </pc:spChg>
+        <pc:spChg chg="add del mod">
+          <ac:chgData name="Richard Abrams" userId="6a886bf13071728b" providerId="LiveId" clId="{281ED52B-8A3C-4B34-988A-58BAE969D86D}" dt="2019-11-21T22:30:29.243" v="267" actId="478"/>
+          <ac:spMkLst>
+            <pc:docMk/>
+            <pc:sldMk cId="2823563193" sldId="260"/>
+            <ac:spMk id="104" creationId="{126F8A53-6887-4421-B3EE-7C94DBCAFE86}"/>
+          </ac:spMkLst>
+        </pc:spChg>
+        <pc:spChg chg="add del mod">
+          <ac:chgData name="Richard Abrams" userId="6a886bf13071728b" providerId="LiveId" clId="{281ED52B-8A3C-4B34-988A-58BAE969D86D}" dt="2019-11-21T22:30:21.530" v="265" actId="478"/>
+          <ac:spMkLst>
+            <pc:docMk/>
+            <pc:sldMk cId="2823563193" sldId="260"/>
+            <ac:spMk id="105" creationId="{3B6A22CA-3122-4C0C-981B-2AAA5FD7C78A}"/>
+          </ac:spMkLst>
+        </pc:spChg>
+        <pc:spChg chg="add del mod topLvl">
+          <ac:chgData name="Richard Abrams" userId="6a886bf13071728b" providerId="LiveId" clId="{281ED52B-8A3C-4B34-988A-58BAE969D86D}" dt="2019-11-21T22:30:38.567" v="270" actId="478"/>
+          <ac:spMkLst>
+            <pc:docMk/>
+            <pc:sldMk cId="2823563193" sldId="260"/>
+            <ac:spMk id="107" creationId="{CEFDFAF4-F643-49E0-9C71-9197B0466595}"/>
+          </ac:spMkLst>
+        </pc:spChg>
+        <pc:spChg chg="add del mod topLvl">
+          <ac:chgData name="Richard Abrams" userId="6a886bf13071728b" providerId="LiveId" clId="{281ED52B-8A3C-4B34-988A-58BAE969D86D}" dt="2019-11-21T22:30:45.119" v="275" actId="478"/>
+          <ac:spMkLst>
+            <pc:docMk/>
+            <pc:sldMk cId="2823563193" sldId="260"/>
+            <ac:spMk id="109" creationId="{31505863-802B-43C9-87E6-366B0FE73A25}"/>
+          </ac:spMkLst>
+        </pc:spChg>
+        <pc:spChg chg="mod topLvl">
+          <ac:chgData name="Richard Abrams" userId="6a886bf13071728b" providerId="LiveId" clId="{281ED52B-8A3C-4B34-988A-58BAE969D86D}" dt="2019-11-21T22:19:39.364" v="54" actId="1076"/>
+          <ac:spMkLst>
+            <pc:docMk/>
+            <pc:sldMk cId="2823563193" sldId="260"/>
+            <ac:spMk id="130" creationId="{00CBE778-0739-46C1-8CC2-700096BF906F}"/>
+          </ac:spMkLst>
+        </pc:spChg>
+        <pc:spChg chg="mod topLvl">
+          <ac:chgData name="Richard Abrams" userId="6a886bf13071728b" providerId="LiveId" clId="{281ED52B-8A3C-4B34-988A-58BAE969D86D}" dt="2019-11-21T22:23:06.170" v="102" actId="1076"/>
+          <ac:spMkLst>
+            <pc:docMk/>
+            <pc:sldMk cId="2823563193" sldId="260"/>
+            <ac:spMk id="135" creationId="{B6E1E396-979B-4A9E-99B0-C2701A7D8DD7}"/>
+          </ac:spMkLst>
+        </pc:spChg>
+        <pc:spChg chg="mod">
+          <ac:chgData name="Richard Abrams" userId="6a886bf13071728b" providerId="LiveId" clId="{281ED52B-8A3C-4B34-988A-58BAE969D86D}" dt="2019-11-21T22:34:13.647" v="327" actId="2085"/>
+          <ac:spMkLst>
+            <pc:docMk/>
+            <pc:sldMk cId="2823563193" sldId="260"/>
+            <ac:spMk id="153" creationId="{40FF612A-EF94-4330-A3CA-4557BCD0E583}"/>
+          </ac:spMkLst>
+        </pc:spChg>
+        <pc:spChg chg="mod">
+          <ac:chgData name="Richard Abrams" userId="6a886bf13071728b" providerId="LiveId" clId="{281ED52B-8A3C-4B34-988A-58BAE969D86D}" dt="2019-11-21T22:34:13.647" v="327" actId="2085"/>
+          <ac:spMkLst>
+            <pc:docMk/>
+            <pc:sldMk cId="2823563193" sldId="260"/>
+            <ac:spMk id="154" creationId="{A8250858-3DFC-419E-9942-98B80AE0FA57}"/>
+          </ac:spMkLst>
+        </pc:spChg>
+        <pc:spChg chg="mod">
+          <ac:chgData name="Richard Abrams" userId="6a886bf13071728b" providerId="LiveId" clId="{281ED52B-8A3C-4B34-988A-58BAE969D86D}" dt="2019-11-21T22:34:13.647" v="327" actId="2085"/>
+          <ac:spMkLst>
+            <pc:docMk/>
+            <pc:sldMk cId="2823563193" sldId="260"/>
+            <ac:spMk id="155" creationId="{8B286FDB-5E7C-4244-A4AB-2250586F94A8}"/>
+          </ac:spMkLst>
+        </pc:spChg>
+        <pc:spChg chg="mod">
+          <ac:chgData name="Richard Abrams" userId="6a886bf13071728b" providerId="LiveId" clId="{281ED52B-8A3C-4B34-988A-58BAE969D86D}" dt="2019-11-21T22:34:13.647" v="327" actId="2085"/>
+          <ac:spMkLst>
+            <pc:docMk/>
+            <pc:sldMk cId="2823563193" sldId="260"/>
+            <ac:spMk id="157" creationId="{3254EB6E-5CD5-4848-B93A-A61921DCD41C}"/>
+          </ac:spMkLst>
+        </pc:spChg>
+        <pc:spChg chg="mod">
+          <ac:chgData name="Richard Abrams" userId="6a886bf13071728b" providerId="LiveId" clId="{281ED52B-8A3C-4B34-988A-58BAE969D86D}" dt="2019-11-21T22:34:13.647" v="327" actId="2085"/>
+          <ac:spMkLst>
+            <pc:docMk/>
+            <pc:sldMk cId="2823563193" sldId="260"/>
+            <ac:spMk id="158" creationId="{83168965-5F7A-4B94-A8CC-D6B24B1BF525}"/>
+          </ac:spMkLst>
+        </pc:spChg>
+        <pc:spChg chg="mod">
+          <ac:chgData name="Richard Abrams" userId="6a886bf13071728b" providerId="LiveId" clId="{281ED52B-8A3C-4B34-988A-58BAE969D86D}" dt="2019-11-21T22:34:13.647" v="327" actId="2085"/>
+          <ac:spMkLst>
+            <pc:docMk/>
+            <pc:sldMk cId="2823563193" sldId="260"/>
+            <ac:spMk id="159" creationId="{FC7B0C71-D190-4EDE-8D2E-7AECDFBACB62}"/>
+          </ac:spMkLst>
+        </pc:spChg>
+        <pc:spChg chg="del">
+          <ac:chgData name="Richard Abrams" userId="6a886bf13071728b" providerId="LiveId" clId="{281ED52B-8A3C-4B34-988A-58BAE969D86D}" dt="2019-11-21T22:16:51.779" v="1" actId="478"/>
+          <ac:spMkLst>
+            <pc:docMk/>
+            <pc:sldMk cId="2823563193" sldId="260"/>
+            <ac:spMk id="179" creationId="{3FB10172-8474-4719-B4F3-6340315C5D4B}"/>
+          </ac:spMkLst>
+        </pc:spChg>
+        <pc:spChg chg="del">
+          <ac:chgData name="Richard Abrams" userId="6a886bf13071728b" providerId="LiveId" clId="{281ED52B-8A3C-4B34-988A-58BAE969D86D}" dt="2019-11-21T22:16:59.699" v="4" actId="478"/>
+          <ac:spMkLst>
+            <pc:docMk/>
+            <pc:sldMk cId="2823563193" sldId="260"/>
+            <ac:spMk id="209" creationId="{9E483BA9-E1EA-4D23-A362-6BA95CBAA048}"/>
+          </ac:spMkLst>
+        </pc:spChg>
+        <pc:grpChg chg="add mod ord">
+          <ac:chgData name="Richard Abrams" userId="6a886bf13071728b" providerId="LiveId" clId="{281ED52B-8A3C-4B34-988A-58BAE969D86D}" dt="2019-11-21T22:21:52.233" v="84" actId="1076"/>
+          <ac:grpSpMkLst>
+            <pc:docMk/>
+            <pc:sldMk cId="2823563193" sldId="260"/>
+            <ac:grpSpMk id="12" creationId="{A5287150-DB58-4B1E-AC3E-24ECBD0F944F}"/>
+          </ac:grpSpMkLst>
+        </pc:grpChg>
+        <pc:grpChg chg="add del mod">
+          <ac:chgData name="Richard Abrams" userId="6a886bf13071728b" providerId="LiveId" clId="{281ED52B-8A3C-4B34-988A-58BAE969D86D}" dt="2019-11-21T22:30:36.403" v="269" actId="165"/>
+          <ac:grpSpMkLst>
+            <pc:docMk/>
+            <pc:sldMk cId="2823563193" sldId="260"/>
+            <ac:grpSpMk id="19" creationId="{EA5683DC-F0CC-4E14-AD78-19FC24B8CD7B}"/>
+          </ac:grpSpMkLst>
+        </pc:grpChg>
+        <pc:grpChg chg="add mod">
+          <ac:chgData name="Richard Abrams" userId="6a886bf13071728b" providerId="LiveId" clId="{281ED52B-8A3C-4B34-988A-58BAE969D86D}" dt="2019-11-21T22:34:45.466" v="335" actId="164"/>
+          <ac:grpSpMkLst>
+            <pc:docMk/>
+            <pc:sldMk cId="2823563193" sldId="260"/>
+            <ac:grpSpMk id="20" creationId="{75C49D39-447F-42D4-AF85-131461B171D5}"/>
+          </ac:grpSpMkLst>
+        </pc:grpChg>
+        <pc:grpChg chg="del mod">
+          <ac:chgData name="Richard Abrams" userId="6a886bf13071728b" providerId="LiveId" clId="{281ED52B-8A3C-4B34-988A-58BAE969D86D}" dt="2019-11-21T22:17:58.064" v="13" actId="165"/>
+          <ac:grpSpMkLst>
+            <pc:docMk/>
+            <pc:sldMk cId="2823563193" sldId="260"/>
+            <ac:grpSpMk id="22" creationId="{79F5A5C7-CF5A-412C-AD06-BCD345B0FDBE}"/>
+          </ac:grpSpMkLst>
+        </pc:grpChg>
+        <pc:grpChg chg="add mod">
+          <ac:chgData name="Richard Abrams" userId="6a886bf13071728b" providerId="LiveId" clId="{281ED52B-8A3C-4B34-988A-58BAE969D86D}" dt="2019-11-21T22:34:05.770" v="325" actId="164"/>
+          <ac:grpSpMkLst>
+            <pc:docMk/>
+            <pc:sldMk cId="2823563193" sldId="260"/>
+            <ac:grpSpMk id="39" creationId="{891553BE-C164-48F8-A2F8-9A7C18E22F92}"/>
+          </ac:grpSpMkLst>
+        </pc:grpChg>
+        <pc:grpChg chg="add mod">
+          <ac:chgData name="Richard Abrams" userId="6a886bf13071728b" providerId="LiveId" clId="{281ED52B-8A3C-4B34-988A-58BAE969D86D}" dt="2019-11-21T22:34:45.466" v="335" actId="164"/>
+          <ac:grpSpMkLst>
+            <pc:docMk/>
+            <pc:sldMk cId="2823563193" sldId="260"/>
+            <ac:grpSpMk id="40" creationId="{E18F0376-E97C-4498-9AEE-4E4EB059AA0F}"/>
+          </ac:grpSpMkLst>
+        </pc:grpChg>
+        <pc:grpChg chg="add mod">
+          <ac:chgData name="Richard Abrams" userId="6a886bf13071728b" providerId="LiveId" clId="{281ED52B-8A3C-4B34-988A-58BAE969D86D}" dt="2019-11-21T22:34:54.841" v="337" actId="1076"/>
+          <ac:grpSpMkLst>
+            <pc:docMk/>
+            <pc:sldMk cId="2823563193" sldId="260"/>
+            <ac:grpSpMk id="41" creationId="{02B6F10F-93CE-46CC-A9DA-3C0FB119FEF1}"/>
+          </ac:grpSpMkLst>
+        </pc:grpChg>
+        <pc:grpChg chg="add del">
+          <ac:chgData name="Richard Abrams" userId="6a886bf13071728b" providerId="LiveId" clId="{281ED52B-8A3C-4B34-988A-58BAE969D86D}" dt="2019-11-21T22:17:14.329" v="7" actId="165"/>
+          <ac:grpSpMkLst>
+            <pc:docMk/>
+            <pc:sldMk cId="2823563193" sldId="260"/>
+            <ac:grpSpMk id="66" creationId="{00507F31-294F-4C45-965F-DD2C3F2E936F}"/>
+          </ac:grpSpMkLst>
+        </pc:grpChg>
+        <pc:grpChg chg="del mod topLvl">
+          <ac:chgData name="Richard Abrams" userId="6a886bf13071728b" providerId="LiveId" clId="{281ED52B-8A3C-4B34-988A-58BAE969D86D}" dt="2019-11-21T22:17:46.031" v="11" actId="478"/>
+          <ac:grpSpMkLst>
+            <pc:docMk/>
+            <pc:sldMk cId="2823563193" sldId="260"/>
+            <ac:grpSpMk id="73" creationId="{FF738241-A99F-495D-A578-E1D4C6801F8E}"/>
+          </ac:grpSpMkLst>
+        </pc:grpChg>
+        <pc:grpChg chg="add mod topLvl">
+          <ac:chgData name="Richard Abrams" userId="6a886bf13071728b" providerId="LiveId" clId="{281ED52B-8A3C-4B34-988A-58BAE969D86D}" dt="2019-11-21T22:31:07.087" v="283" actId="164"/>
+          <ac:grpSpMkLst>
+            <pc:docMk/>
+            <pc:sldMk cId="2823563193" sldId="260"/>
+            <ac:grpSpMk id="79" creationId="{C011B8E0-5B6C-459F-B86C-92BCFD3EB08D}"/>
+          </ac:grpSpMkLst>
+        </pc:grpChg>
+        <pc:grpChg chg="add del mod">
+          <ac:chgData name="Richard Abrams" userId="6a886bf13071728b" providerId="LiveId" clId="{281ED52B-8A3C-4B34-988A-58BAE969D86D}" dt="2019-11-21T22:31:39.099" v="292" actId="478"/>
+          <ac:grpSpMkLst>
+            <pc:docMk/>
+            <pc:sldMk cId="2823563193" sldId="260"/>
+            <ac:grpSpMk id="110" creationId="{71B562E5-1B22-4D54-8C77-FC3E05FCDE19}"/>
+          </ac:grpSpMkLst>
+        </pc:grpChg>
+        <pc:grpChg chg="mod">
+          <ac:chgData name="Richard Abrams" userId="6a886bf13071728b" providerId="LiveId" clId="{281ED52B-8A3C-4B34-988A-58BAE969D86D}" dt="2019-11-21T22:31:15.078" v="286" actId="571"/>
+          <ac:grpSpMkLst>
+            <pc:docMk/>
+            <pc:sldMk cId="2823563193" sldId="260"/>
+            <ac:grpSpMk id="111" creationId="{946398D5-79F3-48A1-8342-10BF609D0370}"/>
+          </ac:grpSpMkLst>
+        </pc:grpChg>
+        <pc:grpChg chg="add del mod ord">
+          <ac:chgData name="Richard Abrams" userId="6a886bf13071728b" providerId="LiveId" clId="{281ED52B-8A3C-4B34-988A-58BAE969D86D}" dt="2019-11-21T22:34:16.166" v="328" actId="164"/>
+          <ac:grpSpMkLst>
+            <pc:docMk/>
+            <pc:sldMk cId="2823563193" sldId="260"/>
+            <ac:grpSpMk id="119" creationId="{2C8119F4-F7F0-43E0-9F55-0130B9FEB372}"/>
+          </ac:grpSpMkLst>
+        </pc:grpChg>
+        <pc:grpChg chg="mod">
+          <ac:chgData name="Richard Abrams" userId="6a886bf13071728b" providerId="LiveId" clId="{281ED52B-8A3C-4B34-988A-58BAE969D86D}" dt="2019-11-21T22:31:55.375" v="296" actId="571"/>
+          <ac:grpSpMkLst>
+            <pc:docMk/>
+            <pc:sldMk cId="2823563193" sldId="260"/>
+            <ac:grpSpMk id="120" creationId="{EF5CF377-3944-4E08-BDA3-39B9924629B9}"/>
+          </ac:grpSpMkLst>
+        </pc:grpChg>
+        <pc:grpChg chg="del mod topLvl">
+          <ac:chgData name="Richard Abrams" userId="6a886bf13071728b" providerId="LiveId" clId="{281ED52B-8A3C-4B34-988A-58BAE969D86D}" dt="2019-11-21T22:17:40.606" v="9" actId="478"/>
+          <ac:grpSpMkLst>
+            <pc:docMk/>
+            <pc:sldMk cId="2823563193" sldId="260"/>
+            <ac:grpSpMk id="126" creationId="{7BD136A3-84BD-4268-B413-09F69B48DFAF}"/>
+          </ac:grpSpMkLst>
+        </pc:grpChg>
+        <pc:grpChg chg="add mod">
+          <ac:chgData name="Richard Abrams" userId="6a886bf13071728b" providerId="LiveId" clId="{281ED52B-8A3C-4B34-988A-58BAE969D86D}" dt="2019-11-21T22:34:16.166" v="328" actId="164"/>
+          <ac:grpSpMkLst>
+            <pc:docMk/>
+            <pc:sldMk cId="2823563193" sldId="260"/>
+            <ac:grpSpMk id="151" creationId="{CF3895FA-E681-4806-99CC-811C130853D0}"/>
+          </ac:grpSpMkLst>
+        </pc:grpChg>
+        <pc:grpChg chg="mod">
+          <ac:chgData name="Richard Abrams" userId="6a886bf13071728b" providerId="LiveId" clId="{281ED52B-8A3C-4B34-988A-58BAE969D86D}" dt="2019-11-21T22:33:04.910" v="312"/>
+          <ac:grpSpMkLst>
+            <pc:docMk/>
+            <pc:sldMk cId="2823563193" sldId="260"/>
+            <ac:grpSpMk id="152" creationId="{32C7BDEF-D3D7-4BF3-A362-2CA0B7553ED5}"/>
+          </ac:grpSpMkLst>
+        </pc:grpChg>
+        <pc:cxnChg chg="mod topLvl">
+          <ac:chgData name="Richard Abrams" userId="6a886bf13071728b" providerId="LiveId" clId="{281ED52B-8A3C-4B34-988A-58BAE969D86D}" dt="2019-11-21T22:31:36.707" v="291" actId="14100"/>
+          <ac:cxnSpMkLst>
+            <pc:docMk/>
+            <pc:sldMk cId="2823563193" sldId="260"/>
+            <ac:cxnSpMk id="18" creationId="{32580836-6E74-4D10-88B5-66FC220E094D}"/>
+          </ac:cxnSpMkLst>
+        </pc:cxnChg>
+        <pc:cxnChg chg="mod topLvl">
+          <ac:chgData name="Richard Abrams" userId="6a886bf13071728b" providerId="LiveId" clId="{281ED52B-8A3C-4B34-988A-58BAE969D86D}" dt="2019-11-21T22:19:39.364" v="54" actId="1076"/>
+          <ac:cxnSpMkLst>
+            <pc:docMk/>
+            <pc:sldMk cId="2823563193" sldId="260"/>
+            <ac:cxnSpMk id="21" creationId="{61EB756A-C90F-4E5F-A738-C43013CBC0F4}"/>
+          </ac:cxnSpMkLst>
+        </pc:cxnChg>
+        <pc:cxnChg chg="mod topLvl">
+          <ac:chgData name="Richard Abrams" userId="6a886bf13071728b" providerId="LiveId" clId="{281ED52B-8A3C-4B34-988A-58BAE969D86D}" dt="2019-11-21T22:23:03.136" v="101" actId="14100"/>
+          <ac:cxnSpMkLst>
+            <pc:docMk/>
+            <pc:sldMk cId="2823563193" sldId="260"/>
+            <ac:cxnSpMk id="28" creationId="{55E0BDA5-BCE7-41B6-A092-DD6F063CC819}"/>
+          </ac:cxnSpMkLst>
+        </pc:cxnChg>
+        <pc:cxnChg chg="mod topLvl">
+          <ac:chgData name="Richard Abrams" userId="6a886bf13071728b" providerId="LiveId" clId="{281ED52B-8A3C-4B34-988A-58BAE969D86D}" dt="2019-11-21T22:19:39.364" v="54" actId="1076"/>
+          <ac:cxnSpMkLst>
+            <pc:docMk/>
+            <pc:sldMk cId="2823563193" sldId="260"/>
+            <ac:cxnSpMk id="29" creationId="{20821261-C34A-4F15-8984-C8F99E31D7B5}"/>
+          </ac:cxnSpMkLst>
+        </pc:cxnChg>
+        <pc:cxnChg chg="mod topLvl">
+          <ac:chgData name="Richard Abrams" userId="6a886bf13071728b" providerId="LiveId" clId="{281ED52B-8A3C-4B34-988A-58BAE969D86D}" dt="2019-11-21T22:19:39.364" v="54" actId="1076"/>
+          <ac:cxnSpMkLst>
+            <pc:docMk/>
+            <pc:sldMk cId="2823563193" sldId="260"/>
+            <ac:cxnSpMk id="30" creationId="{2A98EC69-902D-4BE2-9DA1-AE8C79E68122}"/>
+          </ac:cxnSpMkLst>
+        </pc:cxnChg>
+        <pc:cxnChg chg="mod topLvl">
+          <ac:chgData name="Richard Abrams" userId="6a886bf13071728b" providerId="LiveId" clId="{281ED52B-8A3C-4B34-988A-58BAE969D86D}" dt="2019-11-21T22:31:31.115" v="290" actId="1076"/>
+          <ac:cxnSpMkLst>
+            <pc:docMk/>
+            <pc:sldMk cId="2823563193" sldId="260"/>
+            <ac:cxnSpMk id="33" creationId="{F644EE52-46CD-4A11-A85B-7A4D2E893854}"/>
+          </ac:cxnSpMkLst>
+        </pc:cxnChg>
+        <pc:cxnChg chg="add mod">
+          <ac:chgData name="Richard Abrams" userId="6a886bf13071728b" providerId="LiveId" clId="{281ED52B-8A3C-4B34-988A-58BAE969D86D}" dt="2019-11-21T22:19:39.364" v="54" actId="1076"/>
+          <ac:cxnSpMkLst>
+            <pc:docMk/>
+            <pc:sldMk cId="2823563193" sldId="260"/>
+            <ac:cxnSpMk id="59" creationId="{A967BCAA-7BDF-410E-B991-9B793383F711}"/>
+          </ac:cxnSpMkLst>
+        </pc:cxnChg>
+        <pc:cxnChg chg="add mod">
+          <ac:chgData name="Richard Abrams" userId="6a886bf13071728b" providerId="LiveId" clId="{281ED52B-8A3C-4B34-988A-58BAE969D86D}" dt="2019-11-21T22:19:21.320" v="50" actId="571"/>
+          <ac:cxnSpMkLst>
+            <pc:docMk/>
+            <pc:sldMk cId="2823563193" sldId="260"/>
+            <ac:cxnSpMk id="62" creationId="{7E70AFE9-995B-4E11-AA67-43D6A535278D}"/>
+          </ac:cxnSpMkLst>
+        </pc:cxnChg>
+        <pc:cxnChg chg="add mod">
+          <ac:chgData name="Richard Abrams" userId="6a886bf13071728b" providerId="LiveId" clId="{281ED52B-8A3C-4B34-988A-58BAE969D86D}" dt="2019-11-21T22:23:21.984" v="105" actId="1076"/>
+          <ac:cxnSpMkLst>
+            <pc:docMk/>
+            <pc:sldMk cId="2823563193" sldId="260"/>
+            <ac:cxnSpMk id="72" creationId="{CB2F3BC5-C165-4ED7-93C9-B50D0F82AF3E}"/>
+          </ac:cxnSpMkLst>
+        </pc:cxnChg>
+        <pc:cxnChg chg="add del mod topLvl">
+          <ac:chgData name="Richard Abrams" userId="6a886bf13071728b" providerId="LiveId" clId="{281ED52B-8A3C-4B34-988A-58BAE969D86D}" dt="2019-11-21T22:30:40.618" v="272" actId="478"/>
+          <ac:cxnSpMkLst>
+            <pc:docMk/>
+            <pc:sldMk cId="2823563193" sldId="260"/>
+            <ac:cxnSpMk id="90" creationId="{F3B733BA-C22B-491A-BBC3-F4563CD2F0CB}"/>
+          </ac:cxnSpMkLst>
+        </pc:cxnChg>
+        <pc:cxnChg chg="add del mod topLvl">
+          <ac:chgData name="Richard Abrams" userId="6a886bf13071728b" providerId="LiveId" clId="{281ED52B-8A3C-4B34-988A-58BAE969D86D}" dt="2019-11-21T22:31:01.085" v="282" actId="478"/>
+          <ac:cxnSpMkLst>
+            <pc:docMk/>
+            <pc:sldMk cId="2823563193" sldId="260"/>
+            <ac:cxnSpMk id="91" creationId="{734BAFE9-3EB6-46FC-B336-B86FBCA6EAC7}"/>
+          </ac:cxnSpMkLst>
+        </pc:cxnChg>
+        <pc:cxnChg chg="add mod topLvl">
+          <ac:chgData name="Richard Abrams" userId="6a886bf13071728b" providerId="LiveId" clId="{281ED52B-8A3C-4B34-988A-58BAE969D86D}" dt="2019-11-21T22:31:07.087" v="283" actId="164"/>
+          <ac:cxnSpMkLst>
+            <pc:docMk/>
+            <pc:sldMk cId="2823563193" sldId="260"/>
+            <ac:cxnSpMk id="94" creationId="{9A541680-882D-49F2-93B2-0436FE4AC3D8}"/>
+          </ac:cxnSpMkLst>
+        </pc:cxnChg>
+        <pc:cxnChg chg="add del mod topLvl">
+          <ac:chgData name="Richard Abrams" userId="6a886bf13071728b" providerId="LiveId" clId="{281ED52B-8A3C-4B34-988A-58BAE969D86D}" dt="2019-11-21T22:30:49.696" v="278" actId="478"/>
+          <ac:cxnSpMkLst>
+            <pc:docMk/>
+            <pc:sldMk cId="2823563193" sldId="260"/>
+            <ac:cxnSpMk id="96" creationId="{DE465629-DDD2-486E-A4B8-CE2D6316AD8D}"/>
+          </ac:cxnSpMkLst>
+        </pc:cxnChg>
+        <pc:cxnChg chg="add del mod topLvl">
+          <ac:chgData name="Richard Abrams" userId="6a886bf13071728b" providerId="LiveId" clId="{281ED52B-8A3C-4B34-988A-58BAE969D86D}" dt="2019-11-21T22:30:59.408" v="281" actId="478"/>
+          <ac:cxnSpMkLst>
+            <pc:docMk/>
+            <pc:sldMk cId="2823563193" sldId="260"/>
+            <ac:cxnSpMk id="97" creationId="{8BD54B21-EAF4-4E85-9496-4DAECE4BF0F4}"/>
+          </ac:cxnSpMkLst>
+        </pc:cxnChg>
+        <pc:cxnChg chg="add del mod topLvl">
+          <ac:chgData name="Richard Abrams" userId="6a886bf13071728b" providerId="LiveId" clId="{281ED52B-8A3C-4B34-988A-58BAE969D86D}" dt="2019-11-21T22:30:59.408" v="281" actId="478"/>
+          <ac:cxnSpMkLst>
+            <pc:docMk/>
+            <pc:sldMk cId="2823563193" sldId="260"/>
+            <ac:cxnSpMk id="99" creationId="{1FBDB491-4982-4505-8392-312DA7CA6C51}"/>
+          </ac:cxnSpMkLst>
+        </pc:cxnChg>
+        <pc:cxnChg chg="add del mod topLvl">
+          <ac:chgData name="Richard Abrams" userId="6a886bf13071728b" providerId="LiveId" clId="{281ED52B-8A3C-4B34-988A-58BAE969D86D}" dt="2019-11-21T22:30:48.323" v="277" actId="478"/>
+          <ac:cxnSpMkLst>
+            <pc:docMk/>
+            <pc:sldMk cId="2823563193" sldId="260"/>
+            <ac:cxnSpMk id="101" creationId="{0EC57A8F-8F08-4C02-BC25-66417522C3F4}"/>
+          </ac:cxnSpMkLst>
+        </pc:cxnChg>
+        <pc:cxnChg chg="add del mod">
+          <ac:chgData name="Richard Abrams" userId="6a886bf13071728b" providerId="LiveId" clId="{281ED52B-8A3C-4B34-988A-58BAE969D86D}" dt="2019-11-21T22:30:32.498" v="268" actId="478"/>
+          <ac:cxnSpMkLst>
+            <pc:docMk/>
+            <pc:sldMk cId="2823563193" sldId="260"/>
+            <ac:cxnSpMk id="103" creationId="{EBC2421B-4F6B-45AE-9198-BBF374D84BA7}"/>
+          </ac:cxnSpMkLst>
+        </pc:cxnChg>
+        <pc:cxnChg chg="add del mod topLvl">
+          <ac:chgData name="Richard Abrams" userId="6a886bf13071728b" providerId="LiveId" clId="{281ED52B-8A3C-4B34-988A-58BAE969D86D}" dt="2019-11-21T22:30:59.408" v="281" actId="478"/>
+          <ac:cxnSpMkLst>
+            <pc:docMk/>
+            <pc:sldMk cId="2823563193" sldId="260"/>
+            <ac:cxnSpMk id="106" creationId="{709E2793-A1DC-4116-8C11-4158142A4175}"/>
+          </ac:cxnSpMkLst>
+        </pc:cxnChg>
+        <pc:cxnChg chg="add del mod topLvl">
+          <ac:chgData name="Richard Abrams" userId="6a886bf13071728b" providerId="LiveId" clId="{281ED52B-8A3C-4B34-988A-58BAE969D86D}" dt="2019-11-21T22:30:59.408" v="281" actId="478"/>
+          <ac:cxnSpMkLst>
+            <pc:docMk/>
+            <pc:sldMk cId="2823563193" sldId="260"/>
+            <ac:cxnSpMk id="108" creationId="{27D25DFC-FEE5-4CE1-AF68-D9144EC3B985}"/>
+          </ac:cxnSpMkLst>
+        </pc:cxnChg>
+        <pc:cxnChg chg="mod">
+          <ac:chgData name="Richard Abrams" userId="6a886bf13071728b" providerId="LiveId" clId="{281ED52B-8A3C-4B34-988A-58BAE969D86D}" dt="2019-11-21T22:31:39.099" v="292" actId="478"/>
+          <ac:cxnSpMkLst>
+            <pc:docMk/>
+            <pc:sldMk cId="2823563193" sldId="260"/>
+            <ac:cxnSpMk id="115" creationId="{3A39A89D-0298-4A62-8B8C-0679390E4CFB}"/>
+          </ac:cxnSpMkLst>
+        </pc:cxnChg>
+        <pc:cxnChg chg="mod topLvl">
+          <ac:chgData name="Richard Abrams" userId="6a886bf13071728b" providerId="LiveId" clId="{281ED52B-8A3C-4B34-988A-58BAE969D86D}" dt="2019-11-21T22:22:19.716" v="93" actId="14100"/>
+          <ac:cxnSpMkLst>
+            <pc:docMk/>
+            <pc:sldMk cId="2823563193" sldId="260"/>
+            <ac:cxnSpMk id="127" creationId="{FA318D41-9802-4DEC-A47A-EA34AD83C70F}"/>
+          </ac:cxnSpMkLst>
+        </pc:cxnChg>
+        <pc:cxnChg chg="mod topLvl">
+          <ac:chgData name="Richard Abrams" userId="6a886bf13071728b" providerId="LiveId" clId="{281ED52B-8A3C-4B34-988A-58BAE969D86D}" dt="2019-11-21T22:19:39.364" v="54" actId="1076"/>
+          <ac:cxnSpMkLst>
+            <pc:docMk/>
+            <pc:sldMk cId="2823563193" sldId="260"/>
+            <ac:cxnSpMk id="133" creationId="{8A41C334-54A5-44A8-B16C-08A32CE1A9CD}"/>
+          </ac:cxnSpMkLst>
+        </pc:cxnChg>
+        <pc:cxnChg chg="mod">
+          <ac:chgData name="Richard Abrams" userId="6a886bf13071728b" providerId="LiveId" clId="{281ED52B-8A3C-4B34-988A-58BAE969D86D}" dt="2019-11-21T22:34:13.647" v="327" actId="2085"/>
+          <ac:cxnSpMkLst>
+            <pc:docMk/>
+            <pc:sldMk cId="2823563193" sldId="260"/>
+            <ac:cxnSpMk id="156" creationId="{07E533FC-5B6E-41AB-A0C2-F1554F05538C}"/>
+          </ac:cxnSpMkLst>
+        </pc:cxnChg>
+      </pc:sldChg>
+    </pc:docChg>
+  </pc:docChgLst>
   <pc:docChgLst>
     <pc:chgData name="Richard Abrams" userId="6a886bf13071728b" providerId="LiveId" clId="{7125DE27-5DC8-4232-8B1C-2E5C79DD6852}"/>
     <pc:docChg chg="undo redo custSel addSld modSld sldOrd">
@@ -1661,7 +2331,7 @@
           <a:p>
             <a:fld id="{F05C0387-5ECE-4FF5-8A55-443BACFAE38F}" type="datetimeFigureOut">
               <a:rPr lang="en-GB" smtClean="0"/>
-              <a:t>16/10/2019</a:t>
+              <a:t>21/11/2019</a:t>
             </a:fld>
             <a:endParaRPr lang="en-GB"/>
           </a:p>
@@ -1861,7 +2531,7 @@
           <a:p>
             <a:fld id="{F05C0387-5ECE-4FF5-8A55-443BACFAE38F}" type="datetimeFigureOut">
               <a:rPr lang="en-GB" smtClean="0"/>
-              <a:t>16/10/2019</a:t>
+              <a:t>21/11/2019</a:t>
             </a:fld>
             <a:endParaRPr lang="en-GB"/>
           </a:p>
@@ -2071,7 +2741,7 @@
           <a:p>
             <a:fld id="{F05C0387-5ECE-4FF5-8A55-443BACFAE38F}" type="datetimeFigureOut">
               <a:rPr lang="en-GB" smtClean="0"/>
-              <a:t>16/10/2019</a:t>
+              <a:t>21/11/2019</a:t>
             </a:fld>
             <a:endParaRPr lang="en-GB"/>
           </a:p>
@@ -2271,7 +2941,7 @@
           <a:p>
             <a:fld id="{F05C0387-5ECE-4FF5-8A55-443BACFAE38F}" type="datetimeFigureOut">
               <a:rPr lang="en-GB" smtClean="0"/>
-              <a:t>16/10/2019</a:t>
+              <a:t>21/11/2019</a:t>
             </a:fld>
             <a:endParaRPr lang="en-GB"/>
           </a:p>
@@ -2547,7 +3217,7 @@
           <a:p>
             <a:fld id="{F05C0387-5ECE-4FF5-8A55-443BACFAE38F}" type="datetimeFigureOut">
               <a:rPr lang="en-GB" smtClean="0"/>
-              <a:t>16/10/2019</a:t>
+              <a:t>21/11/2019</a:t>
             </a:fld>
             <a:endParaRPr lang="en-GB"/>
           </a:p>
@@ -2815,7 +3485,7 @@
           <a:p>
             <a:fld id="{F05C0387-5ECE-4FF5-8A55-443BACFAE38F}" type="datetimeFigureOut">
               <a:rPr lang="en-GB" smtClean="0"/>
-              <a:t>16/10/2019</a:t>
+              <a:t>21/11/2019</a:t>
             </a:fld>
             <a:endParaRPr lang="en-GB"/>
           </a:p>
@@ -3230,7 +3900,7 @@
           <a:p>
             <a:fld id="{F05C0387-5ECE-4FF5-8A55-443BACFAE38F}" type="datetimeFigureOut">
               <a:rPr lang="en-GB" smtClean="0"/>
-              <a:t>16/10/2019</a:t>
+              <a:t>21/11/2019</a:t>
             </a:fld>
             <a:endParaRPr lang="en-GB"/>
           </a:p>
@@ -3372,7 +4042,7 @@
           <a:p>
             <a:fld id="{F05C0387-5ECE-4FF5-8A55-443BACFAE38F}" type="datetimeFigureOut">
               <a:rPr lang="en-GB" smtClean="0"/>
-              <a:t>16/10/2019</a:t>
+              <a:t>21/11/2019</a:t>
             </a:fld>
             <a:endParaRPr lang="en-GB"/>
           </a:p>
@@ -3485,7 +4155,7 @@
           <a:p>
             <a:fld id="{F05C0387-5ECE-4FF5-8A55-443BACFAE38F}" type="datetimeFigureOut">
               <a:rPr lang="en-GB" smtClean="0"/>
-              <a:t>16/10/2019</a:t>
+              <a:t>21/11/2019</a:t>
             </a:fld>
             <a:endParaRPr lang="en-GB"/>
           </a:p>
@@ -3798,7 +4468,7 @@
           <a:p>
             <a:fld id="{F05C0387-5ECE-4FF5-8A55-443BACFAE38F}" type="datetimeFigureOut">
               <a:rPr lang="en-GB" smtClean="0"/>
-              <a:t>16/10/2019</a:t>
+              <a:t>21/11/2019</a:t>
             </a:fld>
             <a:endParaRPr lang="en-GB"/>
           </a:p>
@@ -4087,7 +4757,7 @@
           <a:p>
             <a:fld id="{F05C0387-5ECE-4FF5-8A55-443BACFAE38F}" type="datetimeFigureOut">
               <a:rPr lang="en-GB" smtClean="0"/>
-              <a:t>16/10/2019</a:t>
+              <a:t>21/11/2019</a:t>
             </a:fld>
             <a:endParaRPr lang="en-GB"/>
           </a:p>
@@ -4330,7 +5000,7 @@
           <a:p>
             <a:fld id="{F05C0387-5ECE-4FF5-8A55-443BACFAE38F}" type="datetimeFigureOut">
               <a:rPr lang="en-GB" smtClean="0"/>
-              <a:t>16/10/2019</a:t>
+              <a:t>21/11/2019</a:t>
             </a:fld>
             <a:endParaRPr lang="en-GB"/>
           </a:p>
@@ -7125,8 +7795,8 @@
             </p:grpSp>
           </p:grpSp>
         </p:grpSp>
-        <mc:AlternateContent xmlns:mc="http://schemas.openxmlformats.org/markup-compatibility/2006">
-          <mc:Choice xmlns:a14="http://schemas.microsoft.com/office/drawing/2010/main" Requires="a14">
+        <mc:AlternateContent xmlns:mc="http://schemas.openxmlformats.org/markup-compatibility/2006" xmlns:a14="http://schemas.microsoft.com/office/drawing/2010/main">
+          <mc:Choice Requires="a14">
             <p:sp>
               <p:nvSpPr>
                 <p:cNvPr id="74" name="TextBox 73">
@@ -7365,7 +8035,7 @@
               </p:txBody>
             </p:sp>
           </mc:Choice>
-          <mc:Fallback>
+          <mc:Fallback xmlns="">
             <p:sp>
               <p:nvSpPr>
                 <p:cNvPr id="74" name="TextBox 73">
@@ -8976,8 +9646,8 @@
             </p:grpSp>
           </p:grpSp>
         </p:grpSp>
-        <mc:AlternateContent xmlns:mc="http://schemas.openxmlformats.org/markup-compatibility/2006">
-          <mc:Choice xmlns:a14="http://schemas.microsoft.com/office/drawing/2010/main" Requires="a14">
+        <mc:AlternateContent xmlns:mc="http://schemas.openxmlformats.org/markup-compatibility/2006" xmlns:a14="http://schemas.microsoft.com/office/drawing/2010/main">
+          <mc:Choice Requires="a14">
             <p:sp>
               <p:nvSpPr>
                 <p:cNvPr id="121" name="TextBox 120">
@@ -9210,7 +9880,7 @@
               </p:txBody>
             </p:sp>
           </mc:Choice>
-          <mc:Fallback>
+          <mc:Fallback xmlns="">
             <p:sp>
               <p:nvSpPr>
                 <p:cNvPr id="121" name="TextBox 120">
@@ -9330,8 +10000,8 @@
           <a:chExt cx="0" cy="0"/>
         </a:xfrm>
       </p:grpSpPr>
-      <mc:AlternateContent xmlns:mc="http://schemas.openxmlformats.org/markup-compatibility/2006">
-        <mc:Choice xmlns:a14="http://schemas.microsoft.com/office/drawing/2010/main" Requires="a14">
+      <mc:AlternateContent xmlns:mc="http://schemas.openxmlformats.org/markup-compatibility/2006" xmlns:a14="http://schemas.microsoft.com/office/drawing/2010/main">
+        <mc:Choice Requires="a14">
           <p:sp>
             <p:nvSpPr>
               <p:cNvPr id="131" name="TextBox 130">
@@ -9553,7 +10223,7 @@
             </p:txBody>
           </p:sp>
         </mc:Choice>
-        <mc:Fallback>
+        <mc:Fallback xmlns="">
           <p:sp>
             <p:nvSpPr>
               <p:cNvPr id="131" name="TextBox 130">
@@ -9598,8 +10268,8 @@
           </p:sp>
         </mc:Fallback>
       </mc:AlternateContent>
-      <mc:AlternateContent xmlns:mc="http://schemas.openxmlformats.org/markup-compatibility/2006">
-        <mc:Choice xmlns:a14="http://schemas.microsoft.com/office/drawing/2010/main" Requires="a14">
+      <mc:AlternateContent xmlns:mc="http://schemas.openxmlformats.org/markup-compatibility/2006" xmlns:a14="http://schemas.microsoft.com/office/drawing/2010/main">
+        <mc:Choice Requires="a14">
           <p:sp>
             <p:nvSpPr>
               <p:cNvPr id="132" name="TextBox 131">
@@ -9715,7 +10385,7 @@
             </p:txBody>
           </p:sp>
         </mc:Choice>
-        <mc:Fallback>
+        <mc:Fallback xmlns="">
           <p:sp>
             <p:nvSpPr>
               <p:cNvPr id="132" name="TextBox 131">
@@ -10145,8 +10815,8 @@
             </a:fontRef>
           </p:style>
         </p:cxnSp>
-        <mc:AlternateContent xmlns:mc="http://schemas.openxmlformats.org/markup-compatibility/2006">
-          <mc:Choice xmlns:a14="http://schemas.microsoft.com/office/drawing/2010/main" Requires="a14">
+        <mc:AlternateContent xmlns:mc="http://schemas.openxmlformats.org/markup-compatibility/2006" xmlns:a14="http://schemas.microsoft.com/office/drawing/2010/main">
+          <mc:Choice Requires="a14">
             <p:sp>
               <p:nvSpPr>
                 <p:cNvPr id="203" name="TextBox 202">
@@ -10175,6 +10845,7 @@
                 </a:bodyPr>
                 <a:lstStyle/>
                 <a:p>
+                  <a:pPr/>
                   <a14:m>
                     <m:oMathPara xmlns:m="http://schemas.openxmlformats.org/officeDocument/2006/math">
                       <m:oMathParaPr>
@@ -10214,7 +10885,7 @@
               </p:txBody>
             </p:sp>
           </mc:Choice>
-          <mc:Fallback>
+          <mc:Fallback xmlns="">
             <p:sp>
               <p:nvSpPr>
                 <p:cNvPr id="203" name="TextBox 202">
@@ -10259,8 +10930,8 @@
             </p:sp>
           </mc:Fallback>
         </mc:AlternateContent>
-        <mc:AlternateContent xmlns:mc="http://schemas.openxmlformats.org/markup-compatibility/2006">
-          <mc:Choice xmlns:a14="http://schemas.microsoft.com/office/drawing/2010/main" Requires="a14">
+        <mc:AlternateContent xmlns:mc="http://schemas.openxmlformats.org/markup-compatibility/2006" xmlns:a14="http://schemas.microsoft.com/office/drawing/2010/main">
+          <mc:Choice Requires="a14">
             <p:sp>
               <p:nvSpPr>
                 <p:cNvPr id="204" name="TextBox 203">
@@ -10289,6 +10960,7 @@
                 </a:bodyPr>
                 <a:lstStyle/>
                 <a:p>
+                  <a:pPr/>
                   <a14:m>
                     <m:oMathPara xmlns:m="http://schemas.openxmlformats.org/officeDocument/2006/math">
                       <m:oMathParaPr>
@@ -10328,7 +11000,7 @@
               </p:txBody>
             </p:sp>
           </mc:Choice>
-          <mc:Fallback>
+          <mc:Fallback xmlns="">
             <p:sp>
               <p:nvSpPr>
                 <p:cNvPr id="204" name="TextBox 203">
@@ -10632,8 +11304,8 @@
             </a:fontRef>
           </p:style>
         </p:cxnSp>
-        <mc:AlternateContent xmlns:mc="http://schemas.openxmlformats.org/markup-compatibility/2006">
-          <mc:Choice xmlns:a14="http://schemas.microsoft.com/office/drawing/2010/main" Requires="a14">
+        <mc:AlternateContent xmlns:mc="http://schemas.openxmlformats.org/markup-compatibility/2006" xmlns:a14="http://schemas.microsoft.com/office/drawing/2010/main">
+          <mc:Choice Requires="a14">
             <p:sp>
               <p:nvSpPr>
                 <p:cNvPr id="210" name="TextBox 209">
@@ -10662,6 +11334,7 @@
                 </a:bodyPr>
                 <a:lstStyle/>
                 <a:p>
+                  <a:pPr/>
                   <a14:m>
                     <m:oMathPara xmlns:m="http://schemas.openxmlformats.org/officeDocument/2006/math">
                       <m:oMathParaPr>
@@ -10701,7 +11374,7 @@
               </p:txBody>
             </p:sp>
           </mc:Choice>
-          <mc:Fallback>
+          <mc:Fallback xmlns="">
             <p:sp>
               <p:nvSpPr>
                 <p:cNvPr id="210" name="TextBox 209">
@@ -10791,8 +11464,8 @@
             </a:fontRef>
           </p:style>
         </p:cxnSp>
-        <mc:AlternateContent xmlns:mc="http://schemas.openxmlformats.org/markup-compatibility/2006">
-          <mc:Choice xmlns:a14="http://schemas.microsoft.com/office/drawing/2010/main" Requires="a14">
+        <mc:AlternateContent xmlns:mc="http://schemas.openxmlformats.org/markup-compatibility/2006" xmlns:a14="http://schemas.microsoft.com/office/drawing/2010/main">
+          <mc:Choice Requires="a14">
             <p:sp>
               <p:nvSpPr>
                 <p:cNvPr id="212" name="TextBox 211">
@@ -10821,6 +11494,7 @@
                 </a:bodyPr>
                 <a:lstStyle/>
                 <a:p>
+                  <a:pPr/>
                   <a14:m>
                     <m:oMathPara xmlns:m="http://schemas.openxmlformats.org/officeDocument/2006/math">
                       <m:oMathParaPr>
@@ -10860,7 +11534,7 @@
               </p:txBody>
             </p:sp>
           </mc:Choice>
-          <mc:Fallback>
+          <mc:Fallback xmlns="">
             <p:sp>
               <p:nvSpPr>
                 <p:cNvPr id="212" name="TextBox 211">
@@ -10950,8 +11624,8 @@
             </a:fontRef>
           </p:style>
         </p:cxnSp>
-        <mc:AlternateContent xmlns:mc="http://schemas.openxmlformats.org/markup-compatibility/2006">
-          <mc:Choice xmlns:a14="http://schemas.microsoft.com/office/drawing/2010/main" Requires="a14">
+        <mc:AlternateContent xmlns:mc="http://schemas.openxmlformats.org/markup-compatibility/2006" xmlns:a14="http://schemas.microsoft.com/office/drawing/2010/main">
+          <mc:Choice Requires="a14">
             <p:sp>
               <p:nvSpPr>
                 <p:cNvPr id="214" name="TextBox 213">
@@ -10980,6 +11654,7 @@
                 </a:bodyPr>
                 <a:lstStyle/>
                 <a:p>
+                  <a:pPr/>
                   <a14:m>
                     <m:oMathPara xmlns:m="http://schemas.openxmlformats.org/officeDocument/2006/math">
                       <m:oMathParaPr>
@@ -11019,7 +11694,7 @@
               </p:txBody>
             </p:sp>
           </mc:Choice>
-          <mc:Fallback>
+          <mc:Fallback xmlns="">
             <p:sp>
               <p:nvSpPr>
                 <p:cNvPr id="214" name="TextBox 213">
@@ -11148,8 +11823,8 @@
           <a:chExt cx="0" cy="0"/>
         </a:xfrm>
       </p:grpSpPr>
-      <mc:AlternateContent xmlns:mc="http://schemas.openxmlformats.org/markup-compatibility/2006">
-        <mc:Choice xmlns:a14="http://schemas.microsoft.com/office/drawing/2010/main" Requires="a14">
+      <mc:AlternateContent xmlns:mc="http://schemas.openxmlformats.org/markup-compatibility/2006" xmlns:a14="http://schemas.microsoft.com/office/drawing/2010/main">
+        <mc:Choice Requires="a14">
           <p:sp>
             <p:nvSpPr>
               <p:cNvPr id="32" name="TextBox 31">
@@ -11522,7 +12197,7 @@
             </p:txBody>
           </p:sp>
         </mc:Choice>
-        <mc:Fallback>
+        <mc:Fallback xmlns="">
           <p:sp>
             <p:nvSpPr>
               <p:cNvPr id="32" name="TextBox 31">
@@ -12067,8 +12742,8 @@
             </a:fontRef>
           </p:style>
         </p:cxnSp>
-        <mc:AlternateContent xmlns:mc="http://schemas.openxmlformats.org/markup-compatibility/2006">
-          <mc:Choice xmlns:a14="http://schemas.microsoft.com/office/drawing/2010/main" Requires="a14">
+        <mc:AlternateContent xmlns:mc="http://schemas.openxmlformats.org/markup-compatibility/2006" xmlns:a14="http://schemas.microsoft.com/office/drawing/2010/main">
+          <mc:Choice Requires="a14">
             <p:sp>
               <p:nvSpPr>
                 <p:cNvPr id="23" name="TextBox 22">
@@ -12097,6 +12772,7 @@
                 </a:bodyPr>
                 <a:lstStyle/>
                 <a:p>
+                  <a:pPr/>
                   <a14:m>
                     <m:oMathPara xmlns:m="http://schemas.openxmlformats.org/officeDocument/2006/math">
                       <m:oMathParaPr>
@@ -12136,7 +12812,7 @@
               </p:txBody>
             </p:sp>
           </mc:Choice>
-          <mc:Fallback>
+          <mc:Fallback xmlns="">
             <p:sp>
               <p:nvSpPr>
                 <p:cNvPr id="23" name="TextBox 22">
@@ -12181,8 +12857,8 @@
             </p:sp>
           </mc:Fallback>
         </mc:AlternateContent>
-        <mc:AlternateContent xmlns:mc="http://schemas.openxmlformats.org/markup-compatibility/2006">
-          <mc:Choice xmlns:a14="http://schemas.microsoft.com/office/drawing/2010/main" Requires="a14">
+        <mc:AlternateContent xmlns:mc="http://schemas.openxmlformats.org/markup-compatibility/2006" xmlns:a14="http://schemas.microsoft.com/office/drawing/2010/main">
+          <mc:Choice Requires="a14">
             <p:sp>
               <p:nvSpPr>
                 <p:cNvPr id="24" name="TextBox 23">
@@ -12211,6 +12887,7 @@
                 </a:bodyPr>
                 <a:lstStyle/>
                 <a:p>
+                  <a:pPr/>
                   <a14:m>
                     <m:oMathPara xmlns:m="http://schemas.openxmlformats.org/officeDocument/2006/math">
                       <m:oMathParaPr>
@@ -12250,7 +12927,7 @@
               </p:txBody>
             </p:sp>
           </mc:Choice>
-          <mc:Fallback>
+          <mc:Fallback xmlns="">
             <p:sp>
               <p:nvSpPr>
                 <p:cNvPr id="24" name="TextBox 23">
@@ -12554,8 +13231,8 @@
             </a:fontRef>
           </p:style>
         </p:cxnSp>
-        <mc:AlternateContent xmlns:mc="http://schemas.openxmlformats.org/markup-compatibility/2006">
-          <mc:Choice xmlns:a14="http://schemas.microsoft.com/office/drawing/2010/main" Requires="a14">
+        <mc:AlternateContent xmlns:mc="http://schemas.openxmlformats.org/markup-compatibility/2006" xmlns:a14="http://schemas.microsoft.com/office/drawing/2010/main">
+          <mc:Choice Requires="a14">
             <p:sp>
               <p:nvSpPr>
                 <p:cNvPr id="38" name="TextBox 37">
@@ -12584,6 +13261,7 @@
                 </a:bodyPr>
                 <a:lstStyle/>
                 <a:p>
+                  <a:pPr/>
                   <a14:m>
                     <m:oMathPara xmlns:m="http://schemas.openxmlformats.org/officeDocument/2006/math">
                       <m:oMathParaPr>
@@ -12623,7 +13301,7 @@
               </p:txBody>
             </p:sp>
           </mc:Choice>
-          <mc:Fallback>
+          <mc:Fallback xmlns="">
             <p:sp>
               <p:nvSpPr>
                 <p:cNvPr id="38" name="TextBox 37">
@@ -12713,8 +13391,8 @@
             </a:fontRef>
           </p:style>
         </p:cxnSp>
-        <mc:AlternateContent xmlns:mc="http://schemas.openxmlformats.org/markup-compatibility/2006">
-          <mc:Choice xmlns:a14="http://schemas.microsoft.com/office/drawing/2010/main" Requires="a14">
+        <mc:AlternateContent xmlns:mc="http://schemas.openxmlformats.org/markup-compatibility/2006" xmlns:a14="http://schemas.microsoft.com/office/drawing/2010/main">
+          <mc:Choice Requires="a14">
             <p:sp>
               <p:nvSpPr>
                 <p:cNvPr id="130" name="TextBox 129">
@@ -12743,6 +13421,7 @@
                 </a:bodyPr>
                 <a:lstStyle/>
                 <a:p>
+                  <a:pPr/>
                   <a14:m>
                     <m:oMathPara xmlns:m="http://schemas.openxmlformats.org/officeDocument/2006/math">
                       <m:oMathParaPr>
@@ -12782,7 +13461,7 @@
               </p:txBody>
             </p:sp>
           </mc:Choice>
-          <mc:Fallback>
+          <mc:Fallback xmlns="">
             <p:sp>
               <p:nvSpPr>
                 <p:cNvPr id="130" name="TextBox 129">
@@ -12872,8 +13551,8 @@
             </a:fontRef>
           </p:style>
         </p:cxnSp>
-        <mc:AlternateContent xmlns:mc="http://schemas.openxmlformats.org/markup-compatibility/2006">
-          <mc:Choice xmlns:a14="http://schemas.microsoft.com/office/drawing/2010/main" Requires="a14">
+        <mc:AlternateContent xmlns:mc="http://schemas.openxmlformats.org/markup-compatibility/2006" xmlns:a14="http://schemas.microsoft.com/office/drawing/2010/main">
+          <mc:Choice Requires="a14">
             <p:sp>
               <p:nvSpPr>
                 <p:cNvPr id="135" name="TextBox 134">
@@ -12902,6 +13581,7 @@
                 </a:bodyPr>
                 <a:lstStyle/>
                 <a:p>
+                  <a:pPr/>
                   <a14:m>
                     <m:oMathPara xmlns:m="http://schemas.openxmlformats.org/officeDocument/2006/math">
                       <m:oMathParaPr>
@@ -12941,7 +13621,7 @@
               </p:txBody>
             </p:sp>
           </mc:Choice>
-          <mc:Fallback>
+          <mc:Fallback xmlns="">
             <p:sp>
               <p:nvSpPr>
                 <p:cNvPr id="135" name="TextBox 134">
@@ -13031,8 +13711,8 @@
             </a:fontRef>
           </p:style>
         </p:cxnSp>
-        <mc:AlternateContent xmlns:mc="http://schemas.openxmlformats.org/markup-compatibility/2006">
-          <mc:Choice xmlns:a14="http://schemas.microsoft.com/office/drawing/2010/main" Requires="a14">
+        <mc:AlternateContent xmlns:mc="http://schemas.openxmlformats.org/markup-compatibility/2006" xmlns:a14="http://schemas.microsoft.com/office/drawing/2010/main">
+          <mc:Choice Requires="a14">
             <p:sp>
               <p:nvSpPr>
                 <p:cNvPr id="31" name="TextBox 30">
@@ -13061,6 +13741,7 @@
                 </a:bodyPr>
                 <a:lstStyle/>
                 <a:p>
+                  <a:pPr/>
                   <a14:m>
                     <m:oMathPara xmlns:m="http://schemas.openxmlformats.org/officeDocument/2006/math">
                       <m:oMathParaPr>
@@ -13100,7 +13781,7 @@
               </p:txBody>
             </p:sp>
           </mc:Choice>
-          <mc:Fallback>
+          <mc:Fallback xmlns="">
             <p:sp>
               <p:nvSpPr>
                 <p:cNvPr id="31" name="TextBox 30">
@@ -15050,8 +15731,3785 @@
           <a:chExt cx="0" cy="0"/>
         </a:xfrm>
       </p:grpSpPr>
+      <p:grpSp>
+        <p:nvGrpSpPr>
+          <p:cNvPr id="12" name="Group 11">
+            <a:extLst>
+              <a:ext uri="{FF2B5EF4-FFF2-40B4-BE49-F238E27FC236}">
+                <a16:creationId xmlns:a16="http://schemas.microsoft.com/office/drawing/2014/main" id="{A5287150-DB58-4B1E-AC3E-24ECBD0F944F}"/>
+              </a:ext>
+            </a:extLst>
+          </p:cNvPr>
+          <p:cNvGrpSpPr/>
+          <p:nvPr/>
+        </p:nvGrpSpPr>
+        <p:grpSpPr>
+          <a:xfrm>
+            <a:off x="5709804" y="6088861"/>
+            <a:ext cx="6123126" cy="390698"/>
+            <a:chOff x="5709804" y="5572936"/>
+            <a:chExt cx="6123126" cy="390698"/>
+          </a:xfrm>
+        </p:grpSpPr>
+        <p:sp>
+          <p:nvSpPr>
+            <p:cNvPr id="4" name="Rectangle 3">
+              <a:extLst>
+                <a:ext uri="{FF2B5EF4-FFF2-40B4-BE49-F238E27FC236}">
+                  <a16:creationId xmlns:a16="http://schemas.microsoft.com/office/drawing/2014/main" id="{15E54FF1-2E96-4BEF-9107-E0E1B946F4E6}"/>
+                </a:ext>
+              </a:extLst>
+            </p:cNvPr>
+            <p:cNvSpPr/>
+            <p:nvPr/>
+          </p:nvSpPr>
+          <p:spPr>
+            <a:xfrm>
+              <a:off x="5709804" y="5572936"/>
+              <a:ext cx="6123126" cy="390698"/>
+            </a:xfrm>
+            <a:prstGeom prst="rect">
+              <a:avLst/>
+            </a:prstGeom>
+            <a:noFill/>
+            <a:ln w="38100">
+              <a:solidFill>
+                <a:schemeClr val="tx1"/>
+              </a:solidFill>
+            </a:ln>
+          </p:spPr>
+          <p:style>
+            <a:lnRef idx="2">
+              <a:schemeClr val="accent1">
+                <a:shade val="50000"/>
+              </a:schemeClr>
+            </a:lnRef>
+            <a:fillRef idx="1">
+              <a:schemeClr val="accent1"/>
+            </a:fillRef>
+            <a:effectRef idx="0">
+              <a:schemeClr val="accent1"/>
+            </a:effectRef>
+            <a:fontRef idx="minor">
+              <a:schemeClr val="lt1"/>
+            </a:fontRef>
+          </p:style>
+          <p:txBody>
+            <a:bodyPr rtlCol="0" anchor="ctr"/>
+            <a:lstStyle/>
+            <a:p>
+              <a:pPr algn="ctr"/>
+              <a:endParaRPr lang="en-GB"/>
+            </a:p>
+          </p:txBody>
+        </p:sp>
+        <p:sp>
+          <p:nvSpPr>
+            <p:cNvPr id="25" name="Rectangle 24">
+              <a:extLst>
+                <a:ext uri="{FF2B5EF4-FFF2-40B4-BE49-F238E27FC236}">
+                  <a16:creationId xmlns:a16="http://schemas.microsoft.com/office/drawing/2014/main" id="{5EEA9A2A-7115-4260-A74F-E4BF2A39BF83}"/>
+                </a:ext>
+              </a:extLst>
+            </p:cNvPr>
+            <p:cNvSpPr/>
+            <p:nvPr/>
+          </p:nvSpPr>
+          <p:spPr>
+            <a:xfrm>
+              <a:off x="11311367" y="5572936"/>
+              <a:ext cx="311581" cy="390698"/>
+            </a:xfrm>
+            <a:prstGeom prst="rect">
+              <a:avLst/>
+            </a:prstGeom>
+            <a:pattFill prst="wdUpDiag">
+              <a:fgClr>
+                <a:schemeClr val="bg1">
+                  <a:lumMod val="75000"/>
+                </a:schemeClr>
+              </a:fgClr>
+              <a:bgClr>
+                <a:schemeClr val="bg1"/>
+              </a:bgClr>
+            </a:pattFill>
+            <a:ln w="38100">
+              <a:solidFill>
+                <a:schemeClr val="tx1"/>
+              </a:solidFill>
+              <a:prstDash val="solid"/>
+            </a:ln>
+          </p:spPr>
+          <p:style>
+            <a:lnRef idx="2">
+              <a:schemeClr val="accent1">
+                <a:shade val="50000"/>
+              </a:schemeClr>
+            </a:lnRef>
+            <a:fillRef idx="1">
+              <a:schemeClr val="accent1"/>
+            </a:fillRef>
+            <a:effectRef idx="0">
+              <a:schemeClr val="accent1"/>
+            </a:effectRef>
+            <a:fontRef idx="minor">
+              <a:schemeClr val="lt1"/>
+            </a:fontRef>
+          </p:style>
+          <p:txBody>
+            <a:bodyPr rtlCol="0" anchor="ctr"/>
+            <a:lstStyle/>
+            <a:p>
+              <a:pPr algn="ctr"/>
+              <a:endParaRPr lang="en-GB"/>
+            </a:p>
+          </p:txBody>
+        </p:sp>
+        <p:sp>
+          <p:nvSpPr>
+            <p:cNvPr id="26" name="Rectangle 25">
+              <a:extLst>
+                <a:ext uri="{FF2B5EF4-FFF2-40B4-BE49-F238E27FC236}">
+                  <a16:creationId xmlns:a16="http://schemas.microsoft.com/office/drawing/2014/main" id="{297BE3BF-ABA8-4C1F-99AB-1374269E3762}"/>
+                </a:ext>
+              </a:extLst>
+            </p:cNvPr>
+            <p:cNvSpPr/>
+            <p:nvPr/>
+          </p:nvSpPr>
+          <p:spPr>
+            <a:xfrm>
+              <a:off x="5919786" y="5572936"/>
+              <a:ext cx="311581" cy="390698"/>
+            </a:xfrm>
+            <a:prstGeom prst="rect">
+              <a:avLst/>
+            </a:prstGeom>
+            <a:pattFill prst="wdUpDiag">
+              <a:fgClr>
+                <a:schemeClr val="bg1">
+                  <a:lumMod val="75000"/>
+                </a:schemeClr>
+              </a:fgClr>
+              <a:bgClr>
+                <a:schemeClr val="bg1"/>
+              </a:bgClr>
+            </a:pattFill>
+            <a:ln w="38100">
+              <a:solidFill>
+                <a:schemeClr val="tx1"/>
+              </a:solidFill>
+              <a:prstDash val="solid"/>
+            </a:ln>
+          </p:spPr>
+          <p:style>
+            <a:lnRef idx="2">
+              <a:schemeClr val="accent1">
+                <a:shade val="50000"/>
+              </a:schemeClr>
+            </a:lnRef>
+            <a:fillRef idx="1">
+              <a:schemeClr val="accent1"/>
+            </a:fillRef>
+            <a:effectRef idx="0">
+              <a:schemeClr val="accent1"/>
+            </a:effectRef>
+            <a:fontRef idx="minor">
+              <a:schemeClr val="lt1"/>
+            </a:fontRef>
+          </p:style>
+          <p:txBody>
+            <a:bodyPr rtlCol="0" anchor="ctr"/>
+            <a:lstStyle/>
+            <a:p>
+              <a:pPr algn="ctr"/>
+              <a:endParaRPr lang="en-GB"/>
+            </a:p>
+          </p:txBody>
+        </p:sp>
+      </p:grpSp>
+      <p:sp>
+        <p:nvSpPr>
+          <p:cNvPr id="58" name="Rectangle 57">
+            <a:extLst>
+              <a:ext uri="{FF2B5EF4-FFF2-40B4-BE49-F238E27FC236}">
+                <a16:creationId xmlns:a16="http://schemas.microsoft.com/office/drawing/2014/main" id="{23471E59-C4FF-4E85-9485-B604B2AF67CC}"/>
+              </a:ext>
+            </a:extLst>
+          </p:cNvPr>
+          <p:cNvSpPr/>
+          <p:nvPr/>
+        </p:nvSpPr>
+        <p:spPr>
+          <a:xfrm>
+            <a:off x="8186304" y="3148813"/>
+            <a:ext cx="1166079" cy="1156906"/>
+          </a:xfrm>
+          <a:prstGeom prst="rect">
+            <a:avLst/>
+          </a:prstGeom>
+          <a:noFill/>
+          <a:ln w="38100">
+            <a:solidFill>
+              <a:schemeClr val="tx1"/>
+            </a:solidFill>
+            <a:prstDash val="solid"/>
+          </a:ln>
+        </p:spPr>
+        <p:style>
+          <a:lnRef idx="2">
+            <a:schemeClr val="accent1">
+              <a:shade val="50000"/>
+            </a:schemeClr>
+          </a:lnRef>
+          <a:fillRef idx="1">
+            <a:schemeClr val="accent1"/>
+          </a:fillRef>
+          <a:effectRef idx="0">
+            <a:schemeClr val="accent1"/>
+          </a:effectRef>
+          <a:fontRef idx="minor">
+            <a:schemeClr val="lt1"/>
+          </a:fontRef>
+        </p:style>
+        <p:txBody>
+          <a:bodyPr rtlCol="0" anchor="ctr"/>
+          <a:lstStyle/>
+          <a:p>
+            <a:pPr algn="ctr"/>
+            <a:endParaRPr lang="en-GB" dirty="0"/>
+          </a:p>
+        </p:txBody>
+      </p:sp>
       <mc:AlternateContent xmlns:mc="http://schemas.openxmlformats.org/markup-compatibility/2006">
         <mc:Choice xmlns:a14="http://schemas.microsoft.com/office/drawing/2010/main" Requires="a14">
+          <p:sp>
+            <p:nvSpPr>
+              <p:cNvPr id="32" name="TextBox 31">
+                <a:extLst>
+                  <a:ext uri="{FF2B5EF4-FFF2-40B4-BE49-F238E27FC236}">
+                    <a16:creationId xmlns:a16="http://schemas.microsoft.com/office/drawing/2014/main" id="{623F1715-F16A-46ED-AEE1-3580355CF1DB}"/>
+                  </a:ext>
+                </a:extLst>
+              </p:cNvPr>
+              <p:cNvSpPr txBox="1"/>
+              <p:nvPr/>
+            </p:nvSpPr>
+            <p:spPr>
+              <a:xfrm>
+                <a:off x="514350" y="3905979"/>
+                <a:ext cx="4953000" cy="2585323"/>
+              </a:xfrm>
+              <a:prstGeom prst="rect">
+                <a:avLst/>
+              </a:prstGeom>
+              <a:noFill/>
+            </p:spPr>
+            <p:txBody>
+              <a:bodyPr wrap="square" rtlCol="0">
+                <a:spAutoFit/>
+              </a:bodyPr>
+              <a:lstStyle/>
+              <a:p>
+                <a14:m>
+                  <m:oMath xmlns:m="http://schemas.openxmlformats.org/officeDocument/2006/math">
+                    <m:sSub>
+                      <m:sSubPr>
+                        <m:ctrlPr>
+                          <a:rPr lang="en-GB" b="0" i="1" dirty="0" smtClean="0">
+                            <a:solidFill>
+                              <a:schemeClr val="bg1">
+                                <a:lumMod val="75000"/>
+                              </a:schemeClr>
+                            </a:solidFill>
+                            <a:latin typeface="Cambria Math" panose="02040503050406030204" pitchFamily="18" charset="0"/>
+                          </a:rPr>
+                        </m:ctrlPr>
+                      </m:sSubPr>
+                      <m:e>
+                        <m:r>
+                          <a:rPr lang="en-GB" i="1" dirty="0" smtClean="0">
+                            <a:solidFill>
+                              <a:schemeClr val="bg1">
+                                <a:lumMod val="75000"/>
+                              </a:schemeClr>
+                            </a:solidFill>
+                            <a:latin typeface="Cambria Math" panose="02040503050406030204" pitchFamily="18" charset="0"/>
+                          </a:rPr>
+                          <m:t>𝑟</m:t>
+                        </m:r>
+                      </m:e>
+                      <m:sub>
+                        <m:r>
+                          <a:rPr lang="en-GB" b="0" i="1" dirty="0" smtClean="0">
+                            <a:solidFill>
+                              <a:schemeClr val="bg1">
+                                <a:lumMod val="75000"/>
+                              </a:schemeClr>
+                            </a:solidFill>
+                            <a:latin typeface="Cambria Math" panose="02040503050406030204" pitchFamily="18" charset="0"/>
+                          </a:rPr>
+                          <m:t>2</m:t>
+                        </m:r>
+                      </m:sub>
+                    </m:sSub>
+                  </m:oMath>
+                </a14:m>
+                <a:r>
+                  <a:rPr lang="en-GB" dirty="0">
+                    <a:solidFill>
+                      <a:schemeClr val="bg1">
+                        <a:lumMod val="75000"/>
+                      </a:schemeClr>
+                    </a:solidFill>
+                  </a:rPr>
+                  <a:t> ball radius</a:t>
+                </a:r>
+              </a:p>
+              <a:p>
+                <a14:m>
+                  <m:oMath xmlns:m="http://schemas.openxmlformats.org/officeDocument/2006/math">
+                    <m:sSub>
+                      <m:sSubPr>
+                        <m:ctrlPr>
+                          <a:rPr lang="en-GB" b="0" i="1" smtClean="0">
+                            <a:solidFill>
+                              <a:schemeClr val="bg1">
+                                <a:lumMod val="75000"/>
+                              </a:schemeClr>
+                            </a:solidFill>
+                            <a:latin typeface="Cambria Math" panose="02040503050406030204" pitchFamily="18" charset="0"/>
+                          </a:rPr>
+                        </m:ctrlPr>
+                      </m:sSubPr>
+                      <m:e>
+                        <m:r>
+                          <a:rPr lang="en-GB" b="0" i="1" smtClean="0">
+                            <a:solidFill>
+                              <a:schemeClr val="bg1">
+                                <a:lumMod val="75000"/>
+                              </a:schemeClr>
+                            </a:solidFill>
+                            <a:latin typeface="Cambria Math" panose="02040503050406030204" pitchFamily="18" charset="0"/>
+                          </a:rPr>
+                          <m:t>𝑟</m:t>
+                        </m:r>
+                      </m:e>
+                      <m:sub>
+                        <m:r>
+                          <a:rPr lang="en-GB" b="0" i="1" smtClean="0">
+                            <a:solidFill>
+                              <a:schemeClr val="bg1">
+                                <a:lumMod val="75000"/>
+                              </a:schemeClr>
+                            </a:solidFill>
+                            <a:latin typeface="Cambria Math" panose="02040503050406030204" pitchFamily="18" charset="0"/>
+                          </a:rPr>
+                          <m:t>1</m:t>
+                        </m:r>
+                      </m:sub>
+                    </m:sSub>
+                  </m:oMath>
+                </a14:m>
+                <a:r>
+                  <a:rPr lang="en-GB" dirty="0">
+                    <a:solidFill>
+                      <a:schemeClr val="bg1">
+                        <a:lumMod val="75000"/>
+                      </a:schemeClr>
+                    </a:solidFill>
+                  </a:rPr>
+                  <a:t> socket radius</a:t>
+                </a:r>
+              </a:p>
+              <a:p>
+                <a14:m>
+                  <m:oMath xmlns:m="http://schemas.openxmlformats.org/officeDocument/2006/math">
+                    <m:sSub>
+                      <m:sSubPr>
+                        <m:ctrlPr>
+                          <a:rPr lang="en-GB" b="0" i="1" smtClean="0">
+                            <a:solidFill>
+                              <a:schemeClr val="bg1">
+                                <a:lumMod val="75000"/>
+                              </a:schemeClr>
+                            </a:solidFill>
+                            <a:latin typeface="Cambria Math" panose="02040503050406030204" pitchFamily="18" charset="0"/>
+                          </a:rPr>
+                        </m:ctrlPr>
+                      </m:sSubPr>
+                      <m:e>
+                        <m:r>
+                          <a:rPr lang="en-GB" b="0" i="1" smtClean="0">
+                            <a:solidFill>
+                              <a:schemeClr val="bg1">
+                                <a:lumMod val="75000"/>
+                              </a:schemeClr>
+                            </a:solidFill>
+                            <a:latin typeface="Cambria Math" panose="02040503050406030204" pitchFamily="18" charset="0"/>
+                          </a:rPr>
+                          <m:t>𝑟</m:t>
+                        </m:r>
+                      </m:e>
+                      <m:sub>
+                        <m:r>
+                          <a:rPr lang="en-GB" b="0" i="1" smtClean="0">
+                            <a:solidFill>
+                              <a:schemeClr val="bg1">
+                                <a:lumMod val="75000"/>
+                              </a:schemeClr>
+                            </a:solidFill>
+                            <a:latin typeface="Cambria Math" panose="02040503050406030204" pitchFamily="18" charset="0"/>
+                          </a:rPr>
+                          <m:t>3</m:t>
+                        </m:r>
+                      </m:sub>
+                    </m:sSub>
+                  </m:oMath>
+                </a14:m>
+                <a:r>
+                  <a:rPr lang="en-GB" dirty="0">
+                    <a:solidFill>
+                      <a:schemeClr val="bg1">
+                        <a:lumMod val="75000"/>
+                      </a:schemeClr>
+                    </a:solidFill>
+                  </a:rPr>
+                  <a:t> tendon hole centre radius</a:t>
+                </a:r>
+              </a:p>
+              <a:p>
+                <a14:m>
+                  <m:oMath xmlns:m="http://schemas.openxmlformats.org/officeDocument/2006/math">
+                    <m:sSub>
+                      <m:sSubPr>
+                        <m:ctrlPr>
+                          <a:rPr lang="en-GB" b="0" i="1" smtClean="0">
+                            <a:solidFill>
+                              <a:schemeClr val="bg1">
+                                <a:lumMod val="75000"/>
+                              </a:schemeClr>
+                            </a:solidFill>
+                            <a:latin typeface="Cambria Math" panose="02040503050406030204" pitchFamily="18" charset="0"/>
+                          </a:rPr>
+                        </m:ctrlPr>
+                      </m:sSubPr>
+                      <m:e>
+                        <m:r>
+                          <a:rPr lang="en-GB" b="0" i="1" smtClean="0">
+                            <a:solidFill>
+                              <a:schemeClr val="bg1">
+                                <a:lumMod val="75000"/>
+                              </a:schemeClr>
+                            </a:solidFill>
+                            <a:latin typeface="Cambria Math" panose="02040503050406030204" pitchFamily="18" charset="0"/>
+                          </a:rPr>
+                          <m:t>h</m:t>
+                        </m:r>
+                      </m:e>
+                      <m:sub>
+                        <m:r>
+                          <a:rPr lang="en-GB" b="0" i="1" smtClean="0">
+                            <a:solidFill>
+                              <a:schemeClr val="bg1">
+                                <a:lumMod val="75000"/>
+                              </a:schemeClr>
+                            </a:solidFill>
+                            <a:latin typeface="Cambria Math" panose="02040503050406030204" pitchFamily="18" charset="0"/>
+                          </a:rPr>
+                          <m:t>1</m:t>
+                        </m:r>
+                      </m:sub>
+                    </m:sSub>
+                  </m:oMath>
+                </a14:m>
+                <a:r>
+                  <a:rPr lang="en-GB" dirty="0">
+                    <a:solidFill>
+                      <a:schemeClr val="bg1">
+                        <a:lumMod val="75000"/>
+                      </a:schemeClr>
+                    </a:solidFill>
+                  </a:rPr>
+                  <a:t> ball centre to socket centre height</a:t>
+                </a:r>
+              </a:p>
+              <a:p>
+                <a14:m>
+                  <m:oMath xmlns:m="http://schemas.openxmlformats.org/officeDocument/2006/math">
+                    <m:sSub>
+                      <m:sSubPr>
+                        <m:ctrlPr>
+                          <a:rPr lang="en-GB" b="0" i="1" smtClean="0">
+                            <a:solidFill>
+                              <a:schemeClr val="bg1">
+                                <a:lumMod val="75000"/>
+                              </a:schemeClr>
+                            </a:solidFill>
+                            <a:latin typeface="Cambria Math" panose="02040503050406030204" pitchFamily="18" charset="0"/>
+                          </a:rPr>
+                        </m:ctrlPr>
+                      </m:sSubPr>
+                      <m:e>
+                        <m:r>
+                          <a:rPr lang="en-GB" b="0" i="1" smtClean="0">
+                            <a:solidFill>
+                              <a:schemeClr val="bg1">
+                                <a:lumMod val="75000"/>
+                              </a:schemeClr>
+                            </a:solidFill>
+                            <a:latin typeface="Cambria Math" panose="02040503050406030204" pitchFamily="18" charset="0"/>
+                          </a:rPr>
+                          <m:t>𝑙</m:t>
+                        </m:r>
+                      </m:e>
+                      <m:sub>
+                        <m:r>
+                          <a:rPr lang="en-GB" b="0" i="1" smtClean="0">
+                            <a:solidFill>
+                              <a:schemeClr val="bg1">
+                                <a:lumMod val="75000"/>
+                              </a:schemeClr>
+                            </a:solidFill>
+                            <a:latin typeface="Cambria Math" panose="02040503050406030204" pitchFamily="18" charset="0"/>
+                          </a:rPr>
+                          <m:t>1</m:t>
+                        </m:r>
+                      </m:sub>
+                    </m:sSub>
+                  </m:oMath>
+                </a14:m>
+                <a:r>
+                  <a:rPr lang="en-GB" dirty="0">
+                    <a:solidFill>
+                      <a:schemeClr val="bg1">
+                        <a:lumMod val="75000"/>
+                      </a:schemeClr>
+                    </a:solidFill>
+                  </a:rPr>
+                  <a:t> tendon hole centre to disk edge length</a:t>
+                </a:r>
+              </a:p>
+              <a:p>
+                <a14:m>
+                  <m:oMath xmlns:m="http://schemas.openxmlformats.org/officeDocument/2006/math">
+                    <m:r>
+                      <a:rPr lang="en-GB" b="0" i="1" smtClean="0">
+                        <a:solidFill>
+                          <a:schemeClr val="bg1">
+                            <a:lumMod val="75000"/>
+                          </a:schemeClr>
+                        </a:solidFill>
+                        <a:latin typeface="Cambria Math" panose="02040503050406030204" pitchFamily="18" charset="0"/>
+                      </a:rPr>
+                      <m:t>𝑛</m:t>
+                    </m:r>
+                  </m:oMath>
+                </a14:m>
+                <a:r>
+                  <a:rPr lang="en-GB" dirty="0">
+                    <a:solidFill>
+                      <a:schemeClr val="bg1">
+                        <a:lumMod val="75000"/>
+                      </a:schemeClr>
+                    </a:solidFill>
+                  </a:rPr>
+                  <a:t> vertebrae number</a:t>
+                </a:r>
+              </a:p>
+              <a:p>
+                <a14:m>
+                  <m:oMath xmlns:m="http://schemas.openxmlformats.org/officeDocument/2006/math">
+                    <m:sSub>
+                      <m:sSubPr>
+                        <m:ctrlPr>
+                          <a:rPr lang="en-GB" b="0" i="1" smtClean="0">
+                            <a:solidFill>
+                              <a:schemeClr val="bg1">
+                                <a:lumMod val="75000"/>
+                              </a:schemeClr>
+                            </a:solidFill>
+                            <a:latin typeface="Cambria Math" panose="02040503050406030204" pitchFamily="18" charset="0"/>
+                          </a:rPr>
+                        </m:ctrlPr>
+                      </m:sSubPr>
+                      <m:e>
+                        <m:r>
+                          <a:rPr lang="en-GB" b="0" i="1" smtClean="0">
+                            <a:solidFill>
+                              <a:schemeClr val="bg1">
+                                <a:lumMod val="75000"/>
+                              </a:schemeClr>
+                            </a:solidFill>
+                            <a:latin typeface="Cambria Math" panose="02040503050406030204" pitchFamily="18" charset="0"/>
+                          </a:rPr>
+                          <m:t>𝑟</m:t>
+                        </m:r>
+                      </m:e>
+                      <m:sub>
+                        <m:r>
+                          <a:rPr lang="en-GB" b="0" i="1" smtClean="0">
+                            <a:solidFill>
+                              <a:schemeClr val="bg1">
+                                <a:lumMod val="75000"/>
+                              </a:schemeClr>
+                            </a:solidFill>
+                            <a:latin typeface="Cambria Math" panose="02040503050406030204" pitchFamily="18" charset="0"/>
+                          </a:rPr>
+                          <m:t>4</m:t>
+                        </m:r>
+                      </m:sub>
+                    </m:sSub>
+                  </m:oMath>
+                </a14:m>
+                <a:r>
+                  <a:rPr lang="en-GB" dirty="0">
+                    <a:solidFill>
+                      <a:schemeClr val="bg1">
+                        <a:lumMod val="75000"/>
+                      </a:schemeClr>
+                    </a:solidFill>
+                  </a:rPr>
+                  <a:t> central string hole </a:t>
+                </a:r>
+              </a:p>
+              <a:p>
+                <a14:m>
+                  <m:oMath xmlns:m="http://schemas.openxmlformats.org/officeDocument/2006/math">
+                    <m:sSub>
+                      <m:sSubPr>
+                        <m:ctrlPr>
+                          <a:rPr lang="en-GB" b="0" i="1" smtClean="0">
+                            <a:latin typeface="Cambria Math" panose="02040503050406030204" pitchFamily="18" charset="0"/>
+                          </a:rPr>
+                        </m:ctrlPr>
+                      </m:sSubPr>
+                      <m:e>
+                        <m:r>
+                          <a:rPr lang="en-GB" b="0" i="1" smtClean="0">
+                            <a:latin typeface="Cambria Math" panose="02040503050406030204" pitchFamily="18" charset="0"/>
+                          </a:rPr>
+                          <m:t>𝑟</m:t>
+                        </m:r>
+                      </m:e>
+                      <m:sub>
+                        <m:r>
+                          <a:rPr lang="en-GB" b="0" i="1" smtClean="0">
+                            <a:latin typeface="Cambria Math" panose="02040503050406030204" pitchFamily="18" charset="0"/>
+                          </a:rPr>
+                          <m:t>5</m:t>
+                        </m:r>
+                      </m:sub>
+                    </m:sSub>
+                  </m:oMath>
+                </a14:m>
+                <a:r>
+                  <a:rPr lang="en-GB" dirty="0"/>
+                  <a:t> neck radius</a:t>
+                </a:r>
+              </a:p>
+              <a:p>
+                <a14:m>
+                  <m:oMath xmlns:m="http://schemas.openxmlformats.org/officeDocument/2006/math">
+                    <m:sSub>
+                      <m:sSubPr>
+                        <m:ctrlPr>
+                          <a:rPr lang="en-GB" b="0" i="1" smtClean="0">
+                            <a:latin typeface="Cambria Math" panose="02040503050406030204" pitchFamily="18" charset="0"/>
+                          </a:rPr>
+                        </m:ctrlPr>
+                      </m:sSubPr>
+                      <m:e>
+                        <m:r>
+                          <a:rPr lang="en-GB" b="0" i="1" smtClean="0">
+                            <a:latin typeface="Cambria Math" panose="02040503050406030204" pitchFamily="18" charset="0"/>
+                          </a:rPr>
+                          <m:t>h</m:t>
+                        </m:r>
+                      </m:e>
+                      <m:sub>
+                        <m:r>
+                          <a:rPr lang="en-GB" b="0" i="1" smtClean="0">
+                            <a:latin typeface="Cambria Math" panose="02040503050406030204" pitchFamily="18" charset="0"/>
+                          </a:rPr>
+                          <m:t>2</m:t>
+                        </m:r>
+                      </m:sub>
+                    </m:sSub>
+                  </m:oMath>
+                </a14:m>
+                <a:r>
+                  <a:rPr lang="en-GB" dirty="0"/>
+                  <a:t> base to socket sphere centre height</a:t>
+                </a:r>
+              </a:p>
+            </p:txBody>
+          </p:sp>
+        </mc:Choice>
+        <mc:Fallback>
+          <p:sp>
+            <p:nvSpPr>
+              <p:cNvPr id="32" name="TextBox 31">
+                <a:extLst>
+                  <a:ext uri="{FF2B5EF4-FFF2-40B4-BE49-F238E27FC236}">
+                    <a16:creationId xmlns:a16="http://schemas.microsoft.com/office/drawing/2014/main" id="{623F1715-F16A-46ED-AEE1-3580355CF1DB}"/>
+                  </a:ext>
+                </a:extLst>
+              </p:cNvPr>
+              <p:cNvSpPr txBox="1">
+                <a:spLocks noRot="1" noChangeAspect="1" noMove="1" noResize="1" noEditPoints="1" noAdjustHandles="1" noChangeArrowheads="1" noChangeShapeType="1" noTextEdit="1"/>
+              </p:cNvSpPr>
+              <p:nvPr/>
+            </p:nvSpPr>
+            <p:spPr>
+              <a:xfrm>
+                <a:off x="514350" y="3905979"/>
+                <a:ext cx="4953000" cy="2585323"/>
+              </a:xfrm>
+              <a:prstGeom prst="rect">
+                <a:avLst/>
+              </a:prstGeom>
+              <a:blipFill>
+                <a:blip r:embed="rId2"/>
+                <a:stretch>
+                  <a:fillRect t="-1415" b="-2830"/>
+                </a:stretch>
+              </a:blipFill>
+            </p:spPr>
+            <p:txBody>
+              <a:bodyPr/>
+              <a:lstStyle/>
+              <a:p>
+                <a:r>
+                  <a:rPr lang="en-GB">
+                    <a:noFill/>
+                  </a:rPr>
+                  <a:t> </a:t>
+                </a:r>
+              </a:p>
+            </p:txBody>
+          </p:sp>
+        </mc:Fallback>
+      </mc:AlternateContent>
+      <p:sp>
+        <p:nvSpPr>
+          <p:cNvPr id="9" name="Oval 8">
+            <a:extLst>
+              <a:ext uri="{FF2B5EF4-FFF2-40B4-BE49-F238E27FC236}">
+                <a16:creationId xmlns:a16="http://schemas.microsoft.com/office/drawing/2014/main" id="{0BD93FC7-DE3A-4FB0-8506-AC6DD94426BA}"/>
+              </a:ext>
+            </a:extLst>
+          </p:cNvPr>
+          <p:cNvSpPr/>
+          <p:nvPr/>
+        </p:nvSpPr>
+        <p:spPr>
+          <a:xfrm>
+            <a:off x="7331367" y="363894"/>
+            <a:ext cx="2880000" cy="2880000"/>
+          </a:xfrm>
+          <a:prstGeom prst="ellipse">
+            <a:avLst/>
+          </a:prstGeom>
+          <a:noFill/>
+          <a:ln w="38100">
+            <a:solidFill>
+              <a:schemeClr val="tx1"/>
+            </a:solidFill>
+          </a:ln>
+        </p:spPr>
+        <p:style>
+          <a:lnRef idx="2">
+            <a:schemeClr val="accent1">
+              <a:shade val="50000"/>
+            </a:schemeClr>
+          </a:lnRef>
+          <a:fillRef idx="1">
+            <a:schemeClr val="accent1"/>
+          </a:fillRef>
+          <a:effectRef idx="0">
+            <a:schemeClr val="accent1"/>
+          </a:effectRef>
+          <a:fontRef idx="minor">
+            <a:schemeClr val="lt1"/>
+          </a:fontRef>
+        </p:style>
+        <p:txBody>
+          <a:bodyPr rtlCol="0" anchor="ctr"/>
+          <a:lstStyle/>
+          <a:p>
+            <a:pPr algn="ctr"/>
+            <a:endParaRPr lang="en-GB" dirty="0"/>
+          </a:p>
+        </p:txBody>
+      </p:sp>
+      <p:sp>
+        <p:nvSpPr>
+          <p:cNvPr id="36" name="Rectangle 35">
+            <a:extLst>
+              <a:ext uri="{FF2B5EF4-FFF2-40B4-BE49-F238E27FC236}">
+                <a16:creationId xmlns:a16="http://schemas.microsoft.com/office/drawing/2014/main" id="{ACE44229-1DC6-4D0C-B6AD-22AB79282E0C}"/>
+              </a:ext>
+            </a:extLst>
+          </p:cNvPr>
+          <p:cNvSpPr/>
+          <p:nvPr/>
+        </p:nvSpPr>
+        <p:spPr>
+          <a:xfrm>
+            <a:off x="8310459" y="291140"/>
+            <a:ext cx="926764" cy="284695"/>
+          </a:xfrm>
+          <a:prstGeom prst="rect">
+            <a:avLst/>
+          </a:prstGeom>
+          <a:solidFill>
+            <a:schemeClr val="bg1"/>
+          </a:solidFill>
+          <a:ln w="38100">
+            <a:noFill/>
+            <a:prstDash val="solid"/>
+          </a:ln>
+        </p:spPr>
+        <p:style>
+          <a:lnRef idx="2">
+            <a:schemeClr val="accent1">
+              <a:shade val="50000"/>
+            </a:schemeClr>
+          </a:lnRef>
+          <a:fillRef idx="1">
+            <a:schemeClr val="accent1"/>
+          </a:fillRef>
+          <a:effectRef idx="0">
+            <a:schemeClr val="accent1"/>
+          </a:effectRef>
+          <a:fontRef idx="minor">
+            <a:schemeClr val="lt1"/>
+          </a:fontRef>
+        </p:style>
+        <p:txBody>
+          <a:bodyPr rtlCol="0" anchor="ctr"/>
+          <a:lstStyle/>
+          <a:p>
+            <a:pPr algn="ctr"/>
+            <a:endParaRPr lang="en-GB" dirty="0"/>
+          </a:p>
+        </p:txBody>
+      </p:sp>
+      <p:sp>
+        <p:nvSpPr>
+          <p:cNvPr id="27" name="Rectangle 26">
+            <a:extLst>
+              <a:ext uri="{FF2B5EF4-FFF2-40B4-BE49-F238E27FC236}">
+                <a16:creationId xmlns:a16="http://schemas.microsoft.com/office/drawing/2014/main" id="{D8FB99A2-DBAD-4202-839A-2F3402DBFABF}"/>
+              </a:ext>
+            </a:extLst>
+          </p:cNvPr>
+          <p:cNvSpPr/>
+          <p:nvPr/>
+        </p:nvSpPr>
+        <p:spPr>
+          <a:xfrm>
+            <a:off x="8310457" y="450340"/>
+            <a:ext cx="926768" cy="3887965"/>
+          </a:xfrm>
+          <a:prstGeom prst="rect">
+            <a:avLst/>
+          </a:prstGeom>
+          <a:pattFill prst="wdUpDiag">
+            <a:fgClr>
+              <a:schemeClr val="bg1">
+                <a:lumMod val="75000"/>
+              </a:schemeClr>
+            </a:fgClr>
+            <a:bgClr>
+              <a:schemeClr val="bg1"/>
+            </a:bgClr>
+          </a:pattFill>
+          <a:ln w="38100">
+            <a:solidFill>
+              <a:schemeClr val="tx1"/>
+            </a:solidFill>
+            <a:prstDash val="solid"/>
+          </a:ln>
+        </p:spPr>
+        <p:style>
+          <a:lnRef idx="2">
+            <a:schemeClr val="accent1">
+              <a:shade val="50000"/>
+            </a:schemeClr>
+          </a:lnRef>
+          <a:fillRef idx="1">
+            <a:schemeClr val="accent1"/>
+          </a:fillRef>
+          <a:effectRef idx="0">
+            <a:schemeClr val="accent1"/>
+          </a:effectRef>
+          <a:fontRef idx="minor">
+            <a:schemeClr val="lt1"/>
+          </a:fontRef>
+        </p:style>
+        <p:txBody>
+          <a:bodyPr rtlCol="0" anchor="ctr"/>
+          <a:lstStyle/>
+          <a:p>
+            <a:pPr algn="ctr"/>
+            <a:endParaRPr lang="en-GB" dirty="0"/>
+          </a:p>
+        </p:txBody>
+      </p:sp>
+      <p:sp>
+        <p:nvSpPr>
+          <p:cNvPr id="11" name="Chord 10">
+            <a:extLst>
+              <a:ext uri="{FF2B5EF4-FFF2-40B4-BE49-F238E27FC236}">
+                <a16:creationId xmlns:a16="http://schemas.microsoft.com/office/drawing/2014/main" id="{B77DF5DA-4E32-4B51-B84B-61B967C73966}"/>
+              </a:ext>
+            </a:extLst>
+          </p:cNvPr>
+          <p:cNvSpPr/>
+          <p:nvPr/>
+        </p:nvSpPr>
+        <p:spPr>
+          <a:xfrm>
+            <a:off x="7229481" y="4015481"/>
+            <a:ext cx="3106226" cy="3106226"/>
+          </a:xfrm>
+          <a:prstGeom prst="chord">
+            <a:avLst>
+              <a:gd name="adj1" fmla="val 8701346"/>
+              <a:gd name="adj2" fmla="val 2101555"/>
+            </a:avLst>
+          </a:prstGeom>
+          <a:solidFill>
+            <a:schemeClr val="bg1"/>
+          </a:solidFill>
+          <a:ln w="38100">
+            <a:solidFill>
+              <a:schemeClr val="tx1"/>
+            </a:solidFill>
+          </a:ln>
+        </p:spPr>
+        <p:style>
+          <a:lnRef idx="2">
+            <a:schemeClr val="accent1">
+              <a:shade val="50000"/>
+            </a:schemeClr>
+          </a:lnRef>
+          <a:fillRef idx="1">
+            <a:schemeClr val="accent1"/>
+          </a:fillRef>
+          <a:effectRef idx="0">
+            <a:schemeClr val="accent1"/>
+          </a:effectRef>
+          <a:fontRef idx="minor">
+            <a:schemeClr val="lt1"/>
+          </a:fontRef>
+        </p:style>
+        <p:txBody>
+          <a:bodyPr rtlCol="0" anchor="ctr"/>
+          <a:lstStyle/>
+          <a:p>
+            <a:pPr algn="ctr"/>
+            <a:endParaRPr lang="en-GB"/>
+          </a:p>
+        </p:txBody>
+      </p:sp>
+      <p:cxnSp>
+        <p:nvCxnSpPr>
+          <p:cNvPr id="18" name="Straight Arrow Connector 17">
+            <a:extLst>
+              <a:ext uri="{FF2B5EF4-FFF2-40B4-BE49-F238E27FC236}">
+                <a16:creationId xmlns:a16="http://schemas.microsoft.com/office/drawing/2014/main" id="{32580836-6E74-4D10-88B5-66FC220E094D}"/>
+              </a:ext>
+            </a:extLst>
+          </p:cNvPr>
+          <p:cNvCxnSpPr>
+            <a:cxnSpLocks/>
+          </p:cNvCxnSpPr>
+          <p:nvPr/>
+        </p:nvCxnSpPr>
+        <p:spPr>
+          <a:xfrm flipV="1">
+            <a:off x="8769804" y="4598472"/>
+            <a:ext cx="1220465" cy="1049378"/>
+          </a:xfrm>
+          <a:prstGeom prst="straightConnector1">
+            <a:avLst/>
+          </a:prstGeom>
+          <a:ln w="19050">
+            <a:solidFill>
+              <a:schemeClr val="tx1"/>
+            </a:solidFill>
+            <a:prstDash val="sysDash"/>
+            <a:tailEnd type="triangle"/>
+          </a:ln>
+        </p:spPr>
+        <p:style>
+          <a:lnRef idx="1">
+            <a:schemeClr val="accent1"/>
+          </a:lnRef>
+          <a:fillRef idx="0">
+            <a:schemeClr val="accent1"/>
+          </a:fillRef>
+          <a:effectRef idx="0">
+            <a:schemeClr val="accent1"/>
+          </a:effectRef>
+          <a:fontRef idx="minor">
+            <a:schemeClr val="tx1"/>
+          </a:fontRef>
+        </p:style>
+      </p:cxnSp>
+      <p:cxnSp>
+        <p:nvCxnSpPr>
+          <p:cNvPr id="21" name="Straight Arrow Connector 20">
+            <a:extLst>
+              <a:ext uri="{FF2B5EF4-FFF2-40B4-BE49-F238E27FC236}">
+                <a16:creationId xmlns:a16="http://schemas.microsoft.com/office/drawing/2014/main" id="{61EB756A-C90F-4E5F-A738-C43013CBC0F4}"/>
+              </a:ext>
+            </a:extLst>
+          </p:cNvPr>
+          <p:cNvCxnSpPr>
+            <a:cxnSpLocks/>
+          </p:cNvCxnSpPr>
+          <p:nvPr/>
+        </p:nvCxnSpPr>
+        <p:spPr>
+          <a:xfrm flipV="1">
+            <a:off x="8769803" y="887646"/>
+            <a:ext cx="1065631" cy="916248"/>
+          </a:xfrm>
+          <a:prstGeom prst="straightConnector1">
+            <a:avLst/>
+          </a:prstGeom>
+          <a:ln w="19050">
+            <a:solidFill>
+              <a:schemeClr val="tx1"/>
+            </a:solidFill>
+            <a:prstDash val="sysDash"/>
+            <a:tailEnd type="triangle"/>
+          </a:ln>
+        </p:spPr>
+        <p:style>
+          <a:lnRef idx="1">
+            <a:schemeClr val="accent1"/>
+          </a:lnRef>
+          <a:fillRef idx="0">
+            <a:schemeClr val="accent1"/>
+          </a:fillRef>
+          <a:effectRef idx="0">
+            <a:schemeClr val="accent1"/>
+          </a:effectRef>
+          <a:fontRef idx="minor">
+            <a:schemeClr val="tx1"/>
+          </a:fontRef>
+        </p:style>
+      </p:cxnSp>
+      <mc:AlternateContent xmlns:mc="http://schemas.openxmlformats.org/markup-compatibility/2006">
+        <mc:Choice xmlns:a14="http://schemas.microsoft.com/office/drawing/2010/main" Requires="a14">
+          <p:sp>
+            <p:nvSpPr>
+              <p:cNvPr id="23" name="TextBox 22">
+                <a:extLst>
+                  <a:ext uri="{FF2B5EF4-FFF2-40B4-BE49-F238E27FC236}">
+                    <a16:creationId xmlns:a16="http://schemas.microsoft.com/office/drawing/2014/main" id="{42A8F9C3-D7FE-4654-9AEB-5E8BD2854F50}"/>
+                  </a:ext>
+                </a:extLst>
+              </p:cNvPr>
+              <p:cNvSpPr txBox="1"/>
+              <p:nvPr/>
+            </p:nvSpPr>
+            <p:spPr>
+              <a:xfrm>
+                <a:off x="9041233" y="790042"/>
+                <a:ext cx="622300" cy="369332"/>
+              </a:xfrm>
+              <a:prstGeom prst="rect">
+                <a:avLst/>
+              </a:prstGeom>
+              <a:noFill/>
+            </p:spPr>
+            <p:txBody>
+              <a:bodyPr wrap="square" rtlCol="0">
+                <a:spAutoFit/>
+              </a:bodyPr>
+              <a:lstStyle/>
+              <a:p>
+                <a:pPr/>
+                <a14:m>
+                  <m:oMathPara xmlns:m="http://schemas.openxmlformats.org/officeDocument/2006/math">
+                    <m:oMathParaPr>
+                      <m:jc m:val="centerGroup"/>
+                    </m:oMathParaPr>
+                    <m:oMath xmlns:m="http://schemas.openxmlformats.org/officeDocument/2006/math">
+                      <m:sSub>
+                        <m:sSubPr>
+                          <m:ctrlPr>
+                            <a:rPr lang="en-GB" b="0" i="1" smtClean="0">
+                              <a:latin typeface="Cambria Math" panose="02040503050406030204" pitchFamily="18" charset="0"/>
+                            </a:rPr>
+                          </m:ctrlPr>
+                        </m:sSubPr>
+                        <m:e>
+                          <m:r>
+                            <a:rPr lang="en-GB" b="0" i="1" smtClean="0">
+                              <a:latin typeface="Cambria Math" panose="02040503050406030204" pitchFamily="18" charset="0"/>
+                            </a:rPr>
+                            <m:t>𝑟</m:t>
+                          </m:r>
+                        </m:e>
+                        <m:sub>
+                          <m:r>
+                            <a:rPr lang="en-GB" b="0" i="1" smtClean="0">
+                              <a:latin typeface="Cambria Math" panose="02040503050406030204" pitchFamily="18" charset="0"/>
+                            </a:rPr>
+                            <m:t>2</m:t>
+                          </m:r>
+                        </m:sub>
+                      </m:sSub>
+                    </m:oMath>
+                  </m:oMathPara>
+                </a14:m>
+                <a:endParaRPr lang="en-GB" b="0" dirty="0"/>
+              </a:p>
+            </p:txBody>
+          </p:sp>
+        </mc:Choice>
+        <mc:Fallback>
+          <p:sp>
+            <p:nvSpPr>
+              <p:cNvPr id="23" name="TextBox 22">
+                <a:extLst>
+                  <a:ext uri="{FF2B5EF4-FFF2-40B4-BE49-F238E27FC236}">
+                    <a16:creationId xmlns:a16="http://schemas.microsoft.com/office/drawing/2014/main" id="{42A8F9C3-D7FE-4654-9AEB-5E8BD2854F50}"/>
+                  </a:ext>
+                </a:extLst>
+              </p:cNvPr>
+              <p:cNvSpPr txBox="1">
+                <a:spLocks noRot="1" noChangeAspect="1" noMove="1" noResize="1" noEditPoints="1" noAdjustHandles="1" noChangeArrowheads="1" noChangeShapeType="1" noTextEdit="1"/>
+              </p:cNvSpPr>
+              <p:nvPr/>
+            </p:nvSpPr>
+            <p:spPr>
+              <a:xfrm>
+                <a:off x="9041233" y="790042"/>
+                <a:ext cx="622300" cy="369332"/>
+              </a:xfrm>
+              <a:prstGeom prst="rect">
+                <a:avLst/>
+              </a:prstGeom>
+              <a:blipFill>
+                <a:blip r:embed="rId3"/>
+                <a:stretch>
+                  <a:fillRect/>
+                </a:stretch>
+              </a:blipFill>
+            </p:spPr>
+            <p:txBody>
+              <a:bodyPr/>
+              <a:lstStyle/>
+              <a:p>
+                <a:r>
+                  <a:rPr lang="en-GB">
+                    <a:noFill/>
+                  </a:rPr>
+                  <a:t> </a:t>
+                </a:r>
+              </a:p>
+            </p:txBody>
+          </p:sp>
+        </mc:Fallback>
+      </mc:AlternateContent>
+      <mc:AlternateContent xmlns:mc="http://schemas.openxmlformats.org/markup-compatibility/2006">
+        <mc:Choice xmlns:a14="http://schemas.microsoft.com/office/drawing/2010/main" Requires="a14">
+          <p:sp>
+            <p:nvSpPr>
+              <p:cNvPr id="24" name="TextBox 23">
+                <a:extLst>
+                  <a:ext uri="{FF2B5EF4-FFF2-40B4-BE49-F238E27FC236}">
+                    <a16:creationId xmlns:a16="http://schemas.microsoft.com/office/drawing/2014/main" id="{91B91D3B-C7F4-4238-9F4D-CA011FABAC78}"/>
+                  </a:ext>
+                </a:extLst>
+              </p:cNvPr>
+              <p:cNvSpPr txBox="1"/>
+              <p:nvPr/>
+            </p:nvSpPr>
+            <p:spPr>
+              <a:xfrm>
+                <a:off x="8861246" y="4819895"/>
+                <a:ext cx="622300" cy="369332"/>
+              </a:xfrm>
+              <a:prstGeom prst="rect">
+                <a:avLst/>
+              </a:prstGeom>
+              <a:noFill/>
+            </p:spPr>
+            <p:txBody>
+              <a:bodyPr wrap="square" rtlCol="0">
+                <a:spAutoFit/>
+              </a:bodyPr>
+              <a:lstStyle/>
+              <a:p>
+                <a:pPr/>
+                <a14:m>
+                  <m:oMathPara xmlns:m="http://schemas.openxmlformats.org/officeDocument/2006/math">
+                    <m:oMathParaPr>
+                      <m:jc m:val="centerGroup"/>
+                    </m:oMathParaPr>
+                    <m:oMath xmlns:m="http://schemas.openxmlformats.org/officeDocument/2006/math">
+                      <m:sSub>
+                        <m:sSubPr>
+                          <m:ctrlPr>
+                            <a:rPr lang="en-GB" b="0" i="1" smtClean="0">
+                              <a:latin typeface="Cambria Math" panose="02040503050406030204" pitchFamily="18" charset="0"/>
+                            </a:rPr>
+                          </m:ctrlPr>
+                        </m:sSubPr>
+                        <m:e>
+                          <m:r>
+                            <a:rPr lang="en-GB" b="0" i="1" smtClean="0">
+                              <a:latin typeface="Cambria Math" panose="02040503050406030204" pitchFamily="18" charset="0"/>
+                            </a:rPr>
+                            <m:t>𝑟</m:t>
+                          </m:r>
+                        </m:e>
+                        <m:sub>
+                          <m:r>
+                            <a:rPr lang="en-GB" b="0" i="1" smtClean="0">
+                              <a:latin typeface="Cambria Math" panose="02040503050406030204" pitchFamily="18" charset="0"/>
+                            </a:rPr>
+                            <m:t>1</m:t>
+                          </m:r>
+                        </m:sub>
+                      </m:sSub>
+                    </m:oMath>
+                  </m:oMathPara>
+                </a14:m>
+                <a:endParaRPr lang="en-GB" b="0" dirty="0"/>
+              </a:p>
+            </p:txBody>
+          </p:sp>
+        </mc:Choice>
+        <mc:Fallback>
+          <p:sp>
+            <p:nvSpPr>
+              <p:cNvPr id="24" name="TextBox 23">
+                <a:extLst>
+                  <a:ext uri="{FF2B5EF4-FFF2-40B4-BE49-F238E27FC236}">
+                    <a16:creationId xmlns:a16="http://schemas.microsoft.com/office/drawing/2014/main" id="{91B91D3B-C7F4-4238-9F4D-CA011FABAC78}"/>
+                  </a:ext>
+                </a:extLst>
+              </p:cNvPr>
+              <p:cNvSpPr txBox="1">
+                <a:spLocks noRot="1" noChangeAspect="1" noMove="1" noResize="1" noEditPoints="1" noAdjustHandles="1" noChangeArrowheads="1" noChangeShapeType="1" noTextEdit="1"/>
+              </p:cNvSpPr>
+              <p:nvPr/>
+            </p:nvSpPr>
+            <p:spPr>
+              <a:xfrm>
+                <a:off x="8861246" y="4819895"/>
+                <a:ext cx="622300" cy="369332"/>
+              </a:xfrm>
+              <a:prstGeom prst="rect">
+                <a:avLst/>
+              </a:prstGeom>
+              <a:blipFill>
+                <a:blip r:embed="rId4"/>
+                <a:stretch>
+                  <a:fillRect/>
+                </a:stretch>
+              </a:blipFill>
+            </p:spPr>
+            <p:txBody>
+              <a:bodyPr/>
+              <a:lstStyle/>
+              <a:p>
+                <a:r>
+                  <a:rPr lang="en-GB">
+                    <a:noFill/>
+                  </a:rPr>
+                  <a:t> </a:t>
+                </a:r>
+              </a:p>
+            </p:txBody>
+          </p:sp>
+        </mc:Fallback>
+      </mc:AlternateContent>
+      <p:cxnSp>
+        <p:nvCxnSpPr>
+          <p:cNvPr id="28" name="Straight Connector 27">
+            <a:extLst>
+              <a:ext uri="{FF2B5EF4-FFF2-40B4-BE49-F238E27FC236}">
+                <a16:creationId xmlns:a16="http://schemas.microsoft.com/office/drawing/2014/main" id="{55E0BDA5-BCE7-41B6-A092-DD6F063CC819}"/>
+              </a:ext>
+            </a:extLst>
+          </p:cNvPr>
+          <p:cNvCxnSpPr>
+            <a:cxnSpLocks/>
+            <a:stCxn id="25" idx="2"/>
+            <a:endCxn id="25" idx="0"/>
+          </p:cNvCxnSpPr>
+          <p:nvPr/>
+        </p:nvCxnSpPr>
+        <p:spPr>
+          <a:xfrm flipV="1">
+            <a:off x="11467158" y="6088861"/>
+            <a:ext cx="0" cy="390698"/>
+          </a:xfrm>
+          <a:prstGeom prst="line">
+            <a:avLst/>
+          </a:prstGeom>
+          <a:ln w="19050">
+            <a:solidFill>
+              <a:schemeClr val="tx1"/>
+            </a:solidFill>
+            <a:prstDash val="sysDot"/>
+          </a:ln>
+        </p:spPr>
+        <p:style>
+          <a:lnRef idx="1">
+            <a:schemeClr val="accent1"/>
+          </a:lnRef>
+          <a:fillRef idx="0">
+            <a:schemeClr val="accent1"/>
+          </a:fillRef>
+          <a:effectRef idx="0">
+            <a:schemeClr val="accent1"/>
+          </a:effectRef>
+          <a:fontRef idx="minor">
+            <a:schemeClr val="tx1"/>
+          </a:fontRef>
+        </p:style>
+      </p:cxnSp>
+      <p:cxnSp>
+        <p:nvCxnSpPr>
+          <p:cNvPr id="29" name="Straight Arrow Connector 28">
+            <a:extLst>
+              <a:ext uri="{FF2B5EF4-FFF2-40B4-BE49-F238E27FC236}">
+                <a16:creationId xmlns:a16="http://schemas.microsoft.com/office/drawing/2014/main" id="{20821261-C34A-4F15-8984-C8F99E31D7B5}"/>
+              </a:ext>
+            </a:extLst>
+          </p:cNvPr>
+          <p:cNvCxnSpPr>
+            <a:cxnSpLocks/>
+          </p:cNvCxnSpPr>
+          <p:nvPr/>
+        </p:nvCxnSpPr>
+        <p:spPr>
+          <a:xfrm>
+            <a:off x="8769803" y="6042939"/>
+            <a:ext cx="2704078" cy="0"/>
+          </a:xfrm>
+          <a:prstGeom prst="straightConnector1">
+            <a:avLst/>
+          </a:prstGeom>
+          <a:ln w="19050">
+            <a:solidFill>
+              <a:schemeClr val="tx1"/>
+            </a:solidFill>
+            <a:prstDash val="sysDash"/>
+            <a:tailEnd type="triangle"/>
+          </a:ln>
+        </p:spPr>
+        <p:style>
+          <a:lnRef idx="1">
+            <a:schemeClr val="accent1"/>
+          </a:lnRef>
+          <a:fillRef idx="0">
+            <a:schemeClr val="accent1"/>
+          </a:fillRef>
+          <a:effectRef idx="0">
+            <a:schemeClr val="accent1"/>
+          </a:effectRef>
+          <a:fontRef idx="minor">
+            <a:schemeClr val="tx1"/>
+          </a:fontRef>
+        </p:style>
+      </p:cxnSp>
+      <p:cxnSp>
+        <p:nvCxnSpPr>
+          <p:cNvPr id="33" name="Straight Connector 32">
+            <a:extLst>
+              <a:ext uri="{FF2B5EF4-FFF2-40B4-BE49-F238E27FC236}">
+                <a16:creationId xmlns:a16="http://schemas.microsoft.com/office/drawing/2014/main" id="{F644EE52-46CD-4A11-A85B-7A4D2E893854}"/>
+              </a:ext>
+            </a:extLst>
+          </p:cNvPr>
+          <p:cNvCxnSpPr>
+            <a:cxnSpLocks/>
+            <a:stCxn id="11" idx="2"/>
+            <a:endCxn id="69" idx="0"/>
+          </p:cNvCxnSpPr>
+          <p:nvPr/>
+        </p:nvCxnSpPr>
+        <p:spPr>
+          <a:xfrm flipH="1" flipV="1">
+            <a:off x="8769803" y="363894"/>
+            <a:ext cx="12415" cy="6095568"/>
+          </a:xfrm>
+          <a:prstGeom prst="line">
+            <a:avLst/>
+          </a:prstGeom>
+          <a:ln w="19050">
+            <a:solidFill>
+              <a:schemeClr val="tx1"/>
+            </a:solidFill>
+            <a:prstDash val="sysDot"/>
+          </a:ln>
+        </p:spPr>
+        <p:style>
+          <a:lnRef idx="1">
+            <a:schemeClr val="accent1"/>
+          </a:lnRef>
+          <a:fillRef idx="0">
+            <a:schemeClr val="accent1"/>
+          </a:fillRef>
+          <a:effectRef idx="0">
+            <a:schemeClr val="accent1"/>
+          </a:effectRef>
+          <a:fontRef idx="minor">
+            <a:schemeClr val="tx1"/>
+          </a:fontRef>
+        </p:style>
+      </p:cxnSp>
+      <mc:AlternateContent xmlns:mc="http://schemas.openxmlformats.org/markup-compatibility/2006">
+        <mc:Choice xmlns:a14="http://schemas.microsoft.com/office/drawing/2010/main" Requires="a14">
+          <p:sp>
+            <p:nvSpPr>
+              <p:cNvPr id="38" name="TextBox 37">
+                <a:extLst>
+                  <a:ext uri="{FF2B5EF4-FFF2-40B4-BE49-F238E27FC236}">
+                    <a16:creationId xmlns:a16="http://schemas.microsoft.com/office/drawing/2014/main" id="{C086DE60-9ABE-45B3-BC6D-28219C440B75}"/>
+                  </a:ext>
+                </a:extLst>
+              </p:cNvPr>
+              <p:cNvSpPr txBox="1"/>
+              <p:nvPr/>
+            </p:nvSpPr>
+            <p:spPr>
+              <a:xfrm>
+                <a:off x="9041233" y="6042939"/>
+                <a:ext cx="622300" cy="369332"/>
+              </a:xfrm>
+              <a:prstGeom prst="rect">
+                <a:avLst/>
+              </a:prstGeom>
+              <a:noFill/>
+            </p:spPr>
+            <p:txBody>
+              <a:bodyPr wrap="square" rtlCol="0">
+                <a:spAutoFit/>
+              </a:bodyPr>
+              <a:lstStyle/>
+              <a:p>
+                <a:pPr/>
+                <a14:m>
+                  <m:oMathPara xmlns:m="http://schemas.openxmlformats.org/officeDocument/2006/math">
+                    <m:oMathParaPr>
+                      <m:jc m:val="centerGroup"/>
+                    </m:oMathParaPr>
+                    <m:oMath xmlns:m="http://schemas.openxmlformats.org/officeDocument/2006/math">
+                      <m:sSub>
+                        <m:sSubPr>
+                          <m:ctrlPr>
+                            <a:rPr lang="en-GB" b="0" i="1" smtClean="0">
+                              <a:latin typeface="Cambria Math" panose="02040503050406030204" pitchFamily="18" charset="0"/>
+                            </a:rPr>
+                          </m:ctrlPr>
+                        </m:sSubPr>
+                        <m:e>
+                          <m:r>
+                            <a:rPr lang="en-GB" b="0" i="1" smtClean="0">
+                              <a:latin typeface="Cambria Math" panose="02040503050406030204" pitchFamily="18" charset="0"/>
+                            </a:rPr>
+                            <m:t>𝑟</m:t>
+                          </m:r>
+                        </m:e>
+                        <m:sub>
+                          <m:r>
+                            <a:rPr lang="en-GB" b="0" i="1" smtClean="0">
+                              <a:latin typeface="Cambria Math" panose="02040503050406030204" pitchFamily="18" charset="0"/>
+                            </a:rPr>
+                            <m:t>3</m:t>
+                          </m:r>
+                        </m:sub>
+                      </m:sSub>
+                    </m:oMath>
+                  </m:oMathPara>
+                </a14:m>
+                <a:endParaRPr lang="en-GB" b="0" dirty="0"/>
+              </a:p>
+            </p:txBody>
+          </p:sp>
+        </mc:Choice>
+        <mc:Fallback>
+          <p:sp>
+            <p:nvSpPr>
+              <p:cNvPr id="38" name="TextBox 37">
+                <a:extLst>
+                  <a:ext uri="{FF2B5EF4-FFF2-40B4-BE49-F238E27FC236}">
+                    <a16:creationId xmlns:a16="http://schemas.microsoft.com/office/drawing/2014/main" id="{C086DE60-9ABE-45B3-BC6D-28219C440B75}"/>
+                  </a:ext>
+                </a:extLst>
+              </p:cNvPr>
+              <p:cNvSpPr txBox="1">
+                <a:spLocks noRot="1" noChangeAspect="1" noMove="1" noResize="1" noEditPoints="1" noAdjustHandles="1" noChangeArrowheads="1" noChangeShapeType="1" noTextEdit="1"/>
+              </p:cNvSpPr>
+              <p:nvPr/>
+            </p:nvSpPr>
+            <p:spPr>
+              <a:xfrm>
+                <a:off x="9041233" y="6042939"/>
+                <a:ext cx="622300" cy="369332"/>
+              </a:xfrm>
+              <a:prstGeom prst="rect">
+                <a:avLst/>
+              </a:prstGeom>
+              <a:blipFill>
+                <a:blip r:embed="rId5"/>
+                <a:stretch>
+                  <a:fillRect/>
+                </a:stretch>
+              </a:blipFill>
+            </p:spPr>
+            <p:txBody>
+              <a:bodyPr/>
+              <a:lstStyle/>
+              <a:p>
+                <a:r>
+                  <a:rPr lang="en-GB">
+                    <a:noFill/>
+                  </a:rPr>
+                  <a:t> </a:t>
+                </a:r>
+              </a:p>
+            </p:txBody>
+          </p:sp>
+        </mc:Fallback>
+      </mc:AlternateContent>
+      <p:cxnSp>
+        <p:nvCxnSpPr>
+          <p:cNvPr id="127" name="Straight Arrow Connector 126">
+            <a:extLst>
+              <a:ext uri="{FF2B5EF4-FFF2-40B4-BE49-F238E27FC236}">
+                <a16:creationId xmlns:a16="http://schemas.microsoft.com/office/drawing/2014/main" id="{FA318D41-9802-4DEC-A47A-EA34AD83C70F}"/>
+              </a:ext>
+            </a:extLst>
+          </p:cNvPr>
+          <p:cNvCxnSpPr>
+            <a:cxnSpLocks/>
+          </p:cNvCxnSpPr>
+          <p:nvPr/>
+        </p:nvCxnSpPr>
+        <p:spPr>
+          <a:xfrm flipV="1">
+            <a:off x="8693443" y="1803894"/>
+            <a:ext cx="0" cy="4675665"/>
+          </a:xfrm>
+          <a:prstGeom prst="straightConnector1">
+            <a:avLst/>
+          </a:prstGeom>
+          <a:ln w="19050">
+            <a:solidFill>
+              <a:schemeClr val="tx1"/>
+            </a:solidFill>
+            <a:prstDash val="sysDash"/>
+            <a:tailEnd type="triangle"/>
+          </a:ln>
+        </p:spPr>
+        <p:style>
+          <a:lnRef idx="1">
+            <a:schemeClr val="accent1"/>
+          </a:lnRef>
+          <a:fillRef idx="0">
+            <a:schemeClr val="accent1"/>
+          </a:fillRef>
+          <a:effectRef idx="0">
+            <a:schemeClr val="accent1"/>
+          </a:effectRef>
+          <a:fontRef idx="minor">
+            <a:schemeClr val="tx1"/>
+          </a:fontRef>
+        </p:style>
+      </p:cxnSp>
+      <mc:AlternateContent xmlns:mc="http://schemas.openxmlformats.org/markup-compatibility/2006">
+        <mc:Choice xmlns:a14="http://schemas.microsoft.com/office/drawing/2010/main" Requires="a14">
+          <p:sp>
+            <p:nvSpPr>
+              <p:cNvPr id="130" name="TextBox 129">
+                <a:extLst>
+                  <a:ext uri="{FF2B5EF4-FFF2-40B4-BE49-F238E27FC236}">
+                    <a16:creationId xmlns:a16="http://schemas.microsoft.com/office/drawing/2014/main" id="{00CBE778-0739-46C1-8CC2-700096BF906F}"/>
+                  </a:ext>
+                </a:extLst>
+              </p:cNvPr>
+              <p:cNvSpPr txBox="1"/>
+              <p:nvPr/>
+            </p:nvSpPr>
+            <p:spPr>
+              <a:xfrm>
+                <a:off x="8186304" y="1810938"/>
+                <a:ext cx="622300" cy="369332"/>
+              </a:xfrm>
+              <a:prstGeom prst="rect">
+                <a:avLst/>
+              </a:prstGeom>
+              <a:noFill/>
+            </p:spPr>
+            <p:txBody>
+              <a:bodyPr wrap="square" rtlCol="0">
+                <a:spAutoFit/>
+              </a:bodyPr>
+              <a:lstStyle/>
+              <a:p>
+                <a:pPr/>
+                <a14:m>
+                  <m:oMathPara xmlns:m="http://schemas.openxmlformats.org/officeDocument/2006/math">
+                    <m:oMathParaPr>
+                      <m:jc m:val="centerGroup"/>
+                    </m:oMathParaPr>
+                    <m:oMath xmlns:m="http://schemas.openxmlformats.org/officeDocument/2006/math">
+                      <m:sSub>
+                        <m:sSubPr>
+                          <m:ctrlPr>
+                            <a:rPr lang="en-GB" b="0" i="1" smtClean="0">
+                              <a:latin typeface="Cambria Math" panose="02040503050406030204" pitchFamily="18" charset="0"/>
+                            </a:rPr>
+                          </m:ctrlPr>
+                        </m:sSubPr>
+                        <m:e>
+                          <m:r>
+                            <a:rPr lang="en-GB" b="0" i="1" smtClean="0">
+                              <a:latin typeface="Cambria Math" panose="02040503050406030204" pitchFamily="18" charset="0"/>
+                            </a:rPr>
+                            <m:t>h</m:t>
+                          </m:r>
+                        </m:e>
+                        <m:sub>
+                          <m:r>
+                            <a:rPr lang="en-GB" b="0" i="1" smtClean="0">
+                              <a:latin typeface="Cambria Math" panose="02040503050406030204" pitchFamily="18" charset="0"/>
+                            </a:rPr>
+                            <m:t>1</m:t>
+                          </m:r>
+                        </m:sub>
+                      </m:sSub>
+                    </m:oMath>
+                  </m:oMathPara>
+                </a14:m>
+                <a:endParaRPr lang="en-GB" b="0" dirty="0"/>
+              </a:p>
+            </p:txBody>
+          </p:sp>
+        </mc:Choice>
+        <mc:Fallback>
+          <p:sp>
+            <p:nvSpPr>
+              <p:cNvPr id="130" name="TextBox 129">
+                <a:extLst>
+                  <a:ext uri="{FF2B5EF4-FFF2-40B4-BE49-F238E27FC236}">
+                    <a16:creationId xmlns:a16="http://schemas.microsoft.com/office/drawing/2014/main" id="{00CBE778-0739-46C1-8CC2-700096BF906F}"/>
+                  </a:ext>
+                </a:extLst>
+              </p:cNvPr>
+              <p:cNvSpPr txBox="1">
+                <a:spLocks noRot="1" noChangeAspect="1" noMove="1" noResize="1" noEditPoints="1" noAdjustHandles="1" noChangeArrowheads="1" noChangeShapeType="1" noTextEdit="1"/>
+              </p:cNvSpPr>
+              <p:nvPr/>
+            </p:nvSpPr>
+            <p:spPr>
+              <a:xfrm>
+                <a:off x="8186304" y="1810938"/>
+                <a:ext cx="622300" cy="369332"/>
+              </a:xfrm>
+              <a:prstGeom prst="rect">
+                <a:avLst/>
+              </a:prstGeom>
+              <a:blipFill>
+                <a:blip r:embed="rId6"/>
+                <a:stretch>
+                  <a:fillRect/>
+                </a:stretch>
+              </a:blipFill>
+            </p:spPr>
+            <p:txBody>
+              <a:bodyPr/>
+              <a:lstStyle/>
+              <a:p>
+                <a:r>
+                  <a:rPr lang="en-GB">
+                    <a:noFill/>
+                  </a:rPr>
+                  <a:t> </a:t>
+                </a:r>
+              </a:p>
+            </p:txBody>
+          </p:sp>
+        </mc:Fallback>
+      </mc:AlternateContent>
+      <p:cxnSp>
+        <p:nvCxnSpPr>
+          <p:cNvPr id="133" name="Straight Arrow Connector 132">
+            <a:extLst>
+              <a:ext uri="{FF2B5EF4-FFF2-40B4-BE49-F238E27FC236}">
+                <a16:creationId xmlns:a16="http://schemas.microsoft.com/office/drawing/2014/main" id="{8A41C334-54A5-44A8-B16C-08A32CE1A9CD}"/>
+              </a:ext>
+            </a:extLst>
+          </p:cNvPr>
+          <p:cNvCxnSpPr>
+            <a:cxnSpLocks/>
+          </p:cNvCxnSpPr>
+          <p:nvPr/>
+        </p:nvCxnSpPr>
+        <p:spPr>
+          <a:xfrm>
+            <a:off x="11467158" y="6042939"/>
+            <a:ext cx="365772" cy="0"/>
+          </a:xfrm>
+          <a:prstGeom prst="straightConnector1">
+            <a:avLst/>
+          </a:prstGeom>
+          <a:ln w="19050">
+            <a:solidFill>
+              <a:schemeClr val="tx1"/>
+            </a:solidFill>
+            <a:prstDash val="sysDash"/>
+            <a:tailEnd type="triangle"/>
+          </a:ln>
+        </p:spPr>
+        <p:style>
+          <a:lnRef idx="1">
+            <a:schemeClr val="accent1"/>
+          </a:lnRef>
+          <a:fillRef idx="0">
+            <a:schemeClr val="accent1"/>
+          </a:fillRef>
+          <a:effectRef idx="0">
+            <a:schemeClr val="accent1"/>
+          </a:effectRef>
+          <a:fontRef idx="minor">
+            <a:schemeClr val="tx1"/>
+          </a:fontRef>
+        </p:style>
+      </p:cxnSp>
+      <mc:AlternateContent xmlns:mc="http://schemas.openxmlformats.org/markup-compatibility/2006">
+        <mc:Choice xmlns:a14="http://schemas.microsoft.com/office/drawing/2010/main" Requires="a14">
+          <p:sp>
+            <p:nvSpPr>
+              <p:cNvPr id="135" name="TextBox 134">
+                <a:extLst>
+                  <a:ext uri="{FF2B5EF4-FFF2-40B4-BE49-F238E27FC236}">
+                    <a16:creationId xmlns:a16="http://schemas.microsoft.com/office/drawing/2014/main" id="{B6E1E396-979B-4A9E-99B0-C2701A7D8DD7}"/>
+                  </a:ext>
+                </a:extLst>
+              </p:cNvPr>
+              <p:cNvSpPr txBox="1"/>
+              <p:nvPr/>
+            </p:nvSpPr>
+            <p:spPr>
+              <a:xfrm>
+                <a:off x="11311367" y="5627686"/>
+                <a:ext cx="622300" cy="369332"/>
+              </a:xfrm>
+              <a:prstGeom prst="rect">
+                <a:avLst/>
+              </a:prstGeom>
+              <a:noFill/>
+            </p:spPr>
+            <p:txBody>
+              <a:bodyPr wrap="square" rtlCol="0">
+                <a:spAutoFit/>
+              </a:bodyPr>
+              <a:lstStyle/>
+              <a:p>
+                <a:pPr/>
+                <a14:m>
+                  <m:oMathPara xmlns:m="http://schemas.openxmlformats.org/officeDocument/2006/math">
+                    <m:oMathParaPr>
+                      <m:jc m:val="centerGroup"/>
+                    </m:oMathParaPr>
+                    <m:oMath xmlns:m="http://schemas.openxmlformats.org/officeDocument/2006/math">
+                      <m:sSub>
+                        <m:sSubPr>
+                          <m:ctrlPr>
+                            <a:rPr lang="en-GB" b="0" i="1" smtClean="0">
+                              <a:latin typeface="Cambria Math" panose="02040503050406030204" pitchFamily="18" charset="0"/>
+                            </a:rPr>
+                          </m:ctrlPr>
+                        </m:sSubPr>
+                        <m:e>
+                          <m:r>
+                            <a:rPr lang="en-GB" b="0" i="1" smtClean="0">
+                              <a:latin typeface="Cambria Math" panose="02040503050406030204" pitchFamily="18" charset="0"/>
+                            </a:rPr>
+                            <m:t>𝑙</m:t>
+                          </m:r>
+                        </m:e>
+                        <m:sub>
+                          <m:r>
+                            <a:rPr lang="en-GB" b="0" i="1" smtClean="0">
+                              <a:latin typeface="Cambria Math" panose="02040503050406030204" pitchFamily="18" charset="0"/>
+                            </a:rPr>
+                            <m:t>1</m:t>
+                          </m:r>
+                        </m:sub>
+                      </m:sSub>
+                    </m:oMath>
+                  </m:oMathPara>
+                </a14:m>
+                <a:endParaRPr lang="en-GB" b="0" dirty="0"/>
+              </a:p>
+            </p:txBody>
+          </p:sp>
+        </mc:Choice>
+        <mc:Fallback>
+          <p:sp>
+            <p:nvSpPr>
+              <p:cNvPr id="135" name="TextBox 134">
+                <a:extLst>
+                  <a:ext uri="{FF2B5EF4-FFF2-40B4-BE49-F238E27FC236}">
+                    <a16:creationId xmlns:a16="http://schemas.microsoft.com/office/drawing/2014/main" id="{B6E1E396-979B-4A9E-99B0-C2701A7D8DD7}"/>
+                  </a:ext>
+                </a:extLst>
+              </p:cNvPr>
+              <p:cNvSpPr txBox="1">
+                <a:spLocks noRot="1" noChangeAspect="1" noMove="1" noResize="1" noEditPoints="1" noAdjustHandles="1" noChangeArrowheads="1" noChangeShapeType="1" noTextEdit="1"/>
+              </p:cNvSpPr>
+              <p:nvPr/>
+            </p:nvSpPr>
+            <p:spPr>
+              <a:xfrm>
+                <a:off x="11311367" y="5627686"/>
+                <a:ext cx="622300" cy="369332"/>
+              </a:xfrm>
+              <a:prstGeom prst="rect">
+                <a:avLst/>
+              </a:prstGeom>
+              <a:blipFill>
+                <a:blip r:embed="rId7"/>
+                <a:stretch>
+                  <a:fillRect/>
+                </a:stretch>
+              </a:blipFill>
+            </p:spPr>
+            <p:txBody>
+              <a:bodyPr/>
+              <a:lstStyle/>
+              <a:p>
+                <a:r>
+                  <a:rPr lang="en-GB">
+                    <a:noFill/>
+                  </a:rPr>
+                  <a:t> </a:t>
+                </a:r>
+              </a:p>
+            </p:txBody>
+          </p:sp>
+        </mc:Fallback>
+      </mc:AlternateContent>
+      <p:cxnSp>
+        <p:nvCxnSpPr>
+          <p:cNvPr id="30" name="Straight Arrow Connector 29">
+            <a:extLst>
+              <a:ext uri="{FF2B5EF4-FFF2-40B4-BE49-F238E27FC236}">
+                <a16:creationId xmlns:a16="http://schemas.microsoft.com/office/drawing/2014/main" id="{2A98EC69-902D-4BE2-9DA1-AE8C79E68122}"/>
+              </a:ext>
+            </a:extLst>
+          </p:cNvPr>
+          <p:cNvCxnSpPr>
+            <a:cxnSpLocks/>
+          </p:cNvCxnSpPr>
+          <p:nvPr/>
+        </p:nvCxnSpPr>
+        <p:spPr>
+          <a:xfrm>
+            <a:off x="8769803" y="363894"/>
+            <a:ext cx="467420" cy="0"/>
+          </a:xfrm>
+          <a:prstGeom prst="straightConnector1">
+            <a:avLst/>
+          </a:prstGeom>
+          <a:ln w="19050">
+            <a:solidFill>
+              <a:schemeClr val="tx1"/>
+            </a:solidFill>
+            <a:prstDash val="sysDash"/>
+            <a:tailEnd type="triangle"/>
+          </a:ln>
+        </p:spPr>
+        <p:style>
+          <a:lnRef idx="1">
+            <a:schemeClr val="accent1"/>
+          </a:lnRef>
+          <a:fillRef idx="0">
+            <a:schemeClr val="accent1"/>
+          </a:fillRef>
+          <a:effectRef idx="0">
+            <a:schemeClr val="accent1"/>
+          </a:effectRef>
+          <a:fontRef idx="minor">
+            <a:schemeClr val="tx1"/>
+          </a:fontRef>
+        </p:style>
+      </p:cxnSp>
+      <mc:AlternateContent xmlns:mc="http://schemas.openxmlformats.org/markup-compatibility/2006">
+        <mc:Choice xmlns:a14="http://schemas.microsoft.com/office/drawing/2010/main" Requires="a14">
+          <p:sp>
+            <p:nvSpPr>
+              <p:cNvPr id="31" name="TextBox 30">
+                <a:extLst>
+                  <a:ext uri="{FF2B5EF4-FFF2-40B4-BE49-F238E27FC236}">
+                    <a16:creationId xmlns:a16="http://schemas.microsoft.com/office/drawing/2014/main" id="{B28CE5A7-3CEE-4C06-88AC-AFC6F35D9669}"/>
+                  </a:ext>
+                </a:extLst>
+              </p:cNvPr>
+              <p:cNvSpPr txBox="1"/>
+              <p:nvPr/>
+            </p:nvSpPr>
+            <p:spPr>
+              <a:xfrm>
+                <a:off x="8550096" y="291140"/>
+                <a:ext cx="622300" cy="369332"/>
+              </a:xfrm>
+              <a:prstGeom prst="rect">
+                <a:avLst/>
+              </a:prstGeom>
+              <a:noFill/>
+            </p:spPr>
+            <p:txBody>
+              <a:bodyPr wrap="square" rtlCol="0">
+                <a:spAutoFit/>
+              </a:bodyPr>
+              <a:lstStyle/>
+              <a:p>
+                <a:pPr/>
+                <a14:m>
+                  <m:oMathPara xmlns:m="http://schemas.openxmlformats.org/officeDocument/2006/math">
+                    <m:oMathParaPr>
+                      <m:jc m:val="centerGroup"/>
+                    </m:oMathParaPr>
+                    <m:oMath xmlns:m="http://schemas.openxmlformats.org/officeDocument/2006/math">
+                      <m:sSub>
+                        <m:sSubPr>
+                          <m:ctrlPr>
+                            <a:rPr lang="en-GB" b="0" i="1" smtClean="0">
+                              <a:latin typeface="Cambria Math" panose="02040503050406030204" pitchFamily="18" charset="0"/>
+                            </a:rPr>
+                          </m:ctrlPr>
+                        </m:sSubPr>
+                        <m:e>
+                          <m:r>
+                            <a:rPr lang="en-GB" b="0" i="1" smtClean="0">
+                              <a:latin typeface="Cambria Math" panose="02040503050406030204" pitchFamily="18" charset="0"/>
+                            </a:rPr>
+                            <m:t>𝑟</m:t>
+                          </m:r>
+                        </m:e>
+                        <m:sub>
+                          <m:r>
+                            <a:rPr lang="en-GB" b="0" i="1" smtClean="0">
+                              <a:latin typeface="Cambria Math" panose="02040503050406030204" pitchFamily="18" charset="0"/>
+                            </a:rPr>
+                            <m:t>4</m:t>
+                          </m:r>
+                        </m:sub>
+                      </m:sSub>
+                    </m:oMath>
+                  </m:oMathPara>
+                </a14:m>
+                <a:endParaRPr lang="en-GB" b="0" dirty="0"/>
+              </a:p>
+            </p:txBody>
+          </p:sp>
+        </mc:Choice>
+        <mc:Fallback>
+          <p:sp>
+            <p:nvSpPr>
+              <p:cNvPr id="31" name="TextBox 30">
+                <a:extLst>
+                  <a:ext uri="{FF2B5EF4-FFF2-40B4-BE49-F238E27FC236}">
+                    <a16:creationId xmlns:a16="http://schemas.microsoft.com/office/drawing/2014/main" id="{B28CE5A7-3CEE-4C06-88AC-AFC6F35D9669}"/>
+                  </a:ext>
+                </a:extLst>
+              </p:cNvPr>
+              <p:cNvSpPr txBox="1">
+                <a:spLocks noRot="1" noChangeAspect="1" noMove="1" noResize="1" noEditPoints="1" noAdjustHandles="1" noChangeArrowheads="1" noChangeShapeType="1" noTextEdit="1"/>
+              </p:cNvSpPr>
+              <p:nvPr/>
+            </p:nvSpPr>
+            <p:spPr>
+              <a:xfrm>
+                <a:off x="8550096" y="291140"/>
+                <a:ext cx="622300" cy="369332"/>
+              </a:xfrm>
+              <a:prstGeom prst="rect">
+                <a:avLst/>
+              </a:prstGeom>
+              <a:blipFill>
+                <a:blip r:embed="rId8"/>
+                <a:stretch>
+                  <a:fillRect/>
+                </a:stretch>
+              </a:blipFill>
+            </p:spPr>
+            <p:txBody>
+              <a:bodyPr/>
+              <a:lstStyle/>
+              <a:p>
+                <a:r>
+                  <a:rPr lang="en-GB">
+                    <a:noFill/>
+                  </a:rPr>
+                  <a:t> </a:t>
+                </a:r>
+              </a:p>
+            </p:txBody>
+          </p:sp>
+        </mc:Fallback>
+      </mc:AlternateContent>
+      <p:sp>
+        <p:nvSpPr>
+          <p:cNvPr id="69" name="Oval 68">
+            <a:extLst>
+              <a:ext uri="{FF2B5EF4-FFF2-40B4-BE49-F238E27FC236}">
+                <a16:creationId xmlns:a16="http://schemas.microsoft.com/office/drawing/2014/main" id="{AE4856DA-D47B-4713-9B64-2B861DA505E3}"/>
+              </a:ext>
+            </a:extLst>
+          </p:cNvPr>
+          <p:cNvSpPr/>
+          <p:nvPr/>
+        </p:nvSpPr>
+        <p:spPr>
+          <a:xfrm>
+            <a:off x="7329803" y="363894"/>
+            <a:ext cx="2880000" cy="2880000"/>
+          </a:xfrm>
+          <a:prstGeom prst="ellipse">
+            <a:avLst/>
+          </a:prstGeom>
+          <a:noFill/>
+          <a:ln w="19050">
+            <a:solidFill>
+              <a:schemeClr val="tx1"/>
+            </a:solidFill>
+            <a:prstDash val="sysDot"/>
+          </a:ln>
+        </p:spPr>
+        <p:style>
+          <a:lnRef idx="2">
+            <a:schemeClr val="accent1">
+              <a:shade val="50000"/>
+            </a:schemeClr>
+          </a:lnRef>
+          <a:fillRef idx="1">
+            <a:schemeClr val="accent1"/>
+          </a:fillRef>
+          <a:effectRef idx="0">
+            <a:schemeClr val="accent1"/>
+          </a:effectRef>
+          <a:fontRef idx="minor">
+            <a:schemeClr val="lt1"/>
+          </a:fontRef>
+        </p:style>
+        <p:txBody>
+          <a:bodyPr rtlCol="0" anchor="ctr"/>
+          <a:lstStyle/>
+          <a:p>
+            <a:pPr algn="ctr"/>
+            <a:endParaRPr lang="en-GB" dirty="0"/>
+          </a:p>
+        </p:txBody>
+      </p:sp>
+      <p:cxnSp>
+        <p:nvCxnSpPr>
+          <p:cNvPr id="59" name="Straight Arrow Connector 58">
+            <a:extLst>
+              <a:ext uri="{FF2B5EF4-FFF2-40B4-BE49-F238E27FC236}">
+                <a16:creationId xmlns:a16="http://schemas.microsoft.com/office/drawing/2014/main" id="{A967BCAA-7BDF-410E-B991-9B793383F711}"/>
+              </a:ext>
+            </a:extLst>
+          </p:cNvPr>
+          <p:cNvCxnSpPr>
+            <a:cxnSpLocks/>
+          </p:cNvCxnSpPr>
+          <p:nvPr/>
+        </p:nvCxnSpPr>
+        <p:spPr>
+          <a:xfrm>
+            <a:off x="8769803" y="3705611"/>
+            <a:ext cx="582580" cy="0"/>
+          </a:xfrm>
+          <a:prstGeom prst="straightConnector1">
+            <a:avLst/>
+          </a:prstGeom>
+          <a:ln w="19050">
+            <a:solidFill>
+              <a:schemeClr val="tx1"/>
+            </a:solidFill>
+            <a:prstDash val="sysDash"/>
+            <a:tailEnd type="triangle"/>
+          </a:ln>
+        </p:spPr>
+        <p:style>
+          <a:lnRef idx="1">
+            <a:schemeClr val="accent1"/>
+          </a:lnRef>
+          <a:fillRef idx="0">
+            <a:schemeClr val="accent1"/>
+          </a:fillRef>
+          <a:effectRef idx="0">
+            <a:schemeClr val="accent1"/>
+          </a:effectRef>
+          <a:fontRef idx="minor">
+            <a:schemeClr val="tx1"/>
+          </a:fontRef>
+        </p:style>
+      </p:cxnSp>
+      <mc:AlternateContent xmlns:mc="http://schemas.openxmlformats.org/markup-compatibility/2006">
+        <mc:Choice xmlns:a14="http://schemas.microsoft.com/office/drawing/2010/main" Requires="a14">
+          <p:sp>
+            <p:nvSpPr>
+              <p:cNvPr id="61" name="TextBox 60">
+                <a:extLst>
+                  <a:ext uri="{FF2B5EF4-FFF2-40B4-BE49-F238E27FC236}">
+                    <a16:creationId xmlns:a16="http://schemas.microsoft.com/office/drawing/2014/main" id="{F331678D-00B7-434E-BB0C-CEE29E52F22A}"/>
+                  </a:ext>
+                </a:extLst>
+              </p:cNvPr>
+              <p:cNvSpPr txBox="1"/>
+              <p:nvPr/>
+            </p:nvSpPr>
+            <p:spPr>
+              <a:xfrm>
+                <a:off x="9340338" y="3536647"/>
+                <a:ext cx="622300" cy="369332"/>
+              </a:xfrm>
+              <a:prstGeom prst="rect">
+                <a:avLst/>
+              </a:prstGeom>
+              <a:noFill/>
+            </p:spPr>
+            <p:txBody>
+              <a:bodyPr wrap="square" rtlCol="0">
+                <a:spAutoFit/>
+              </a:bodyPr>
+              <a:lstStyle/>
+              <a:p>
+                <a:pPr/>
+                <a14:m>
+                  <m:oMathPara xmlns:m="http://schemas.openxmlformats.org/officeDocument/2006/math">
+                    <m:oMathParaPr>
+                      <m:jc m:val="centerGroup"/>
+                    </m:oMathParaPr>
+                    <m:oMath xmlns:m="http://schemas.openxmlformats.org/officeDocument/2006/math">
+                      <m:sSub>
+                        <m:sSubPr>
+                          <m:ctrlPr>
+                            <a:rPr lang="en-GB" b="0" i="1" smtClean="0">
+                              <a:latin typeface="Cambria Math" panose="02040503050406030204" pitchFamily="18" charset="0"/>
+                            </a:rPr>
+                          </m:ctrlPr>
+                        </m:sSubPr>
+                        <m:e>
+                          <m:r>
+                            <a:rPr lang="en-GB" b="0" i="1" smtClean="0">
+                              <a:latin typeface="Cambria Math" panose="02040503050406030204" pitchFamily="18" charset="0"/>
+                            </a:rPr>
+                            <m:t>𝑟</m:t>
+                          </m:r>
+                        </m:e>
+                        <m:sub>
+                          <m:r>
+                            <a:rPr lang="en-GB" b="0" i="1" smtClean="0">
+                              <a:latin typeface="Cambria Math" panose="02040503050406030204" pitchFamily="18" charset="0"/>
+                            </a:rPr>
+                            <m:t>5</m:t>
+                          </m:r>
+                        </m:sub>
+                      </m:sSub>
+                    </m:oMath>
+                  </m:oMathPara>
+                </a14:m>
+                <a:endParaRPr lang="en-GB" b="0" dirty="0"/>
+              </a:p>
+            </p:txBody>
+          </p:sp>
+        </mc:Choice>
+        <mc:Fallback>
+          <p:sp>
+            <p:nvSpPr>
+              <p:cNvPr id="61" name="TextBox 60">
+                <a:extLst>
+                  <a:ext uri="{FF2B5EF4-FFF2-40B4-BE49-F238E27FC236}">
+                    <a16:creationId xmlns:a16="http://schemas.microsoft.com/office/drawing/2014/main" id="{F331678D-00B7-434E-BB0C-CEE29E52F22A}"/>
+                  </a:ext>
+                </a:extLst>
+              </p:cNvPr>
+              <p:cNvSpPr txBox="1">
+                <a:spLocks noRot="1" noChangeAspect="1" noMove="1" noResize="1" noEditPoints="1" noAdjustHandles="1" noChangeArrowheads="1" noChangeShapeType="1" noTextEdit="1"/>
+              </p:cNvSpPr>
+              <p:nvPr/>
+            </p:nvSpPr>
+            <p:spPr>
+              <a:xfrm>
+                <a:off x="9340338" y="3536647"/>
+                <a:ext cx="622300" cy="369332"/>
+              </a:xfrm>
+              <a:prstGeom prst="rect">
+                <a:avLst/>
+              </a:prstGeom>
+              <a:blipFill>
+                <a:blip r:embed="rId9"/>
+                <a:stretch>
+                  <a:fillRect/>
+                </a:stretch>
+              </a:blipFill>
+            </p:spPr>
+            <p:txBody>
+              <a:bodyPr/>
+              <a:lstStyle/>
+              <a:p>
+                <a:r>
+                  <a:rPr lang="en-GB">
+                    <a:noFill/>
+                  </a:rPr>
+                  <a:t> </a:t>
+                </a:r>
+              </a:p>
+            </p:txBody>
+          </p:sp>
+        </mc:Fallback>
+      </mc:AlternateContent>
+      <p:cxnSp>
+        <p:nvCxnSpPr>
+          <p:cNvPr id="62" name="Straight Arrow Connector 61">
+            <a:extLst>
+              <a:ext uri="{FF2B5EF4-FFF2-40B4-BE49-F238E27FC236}">
+                <a16:creationId xmlns:a16="http://schemas.microsoft.com/office/drawing/2014/main" id="{7E70AFE9-995B-4E11-AA67-43D6A535278D}"/>
+              </a:ext>
+            </a:extLst>
+          </p:cNvPr>
+          <p:cNvCxnSpPr>
+            <a:cxnSpLocks/>
+          </p:cNvCxnSpPr>
+          <p:nvPr/>
+        </p:nvCxnSpPr>
+        <p:spPr>
+          <a:xfrm>
+            <a:off x="9670620" y="7695254"/>
+            <a:ext cx="582580" cy="0"/>
+          </a:xfrm>
+          <a:prstGeom prst="straightConnector1">
+            <a:avLst/>
+          </a:prstGeom>
+          <a:ln w="19050">
+            <a:solidFill>
+              <a:schemeClr val="tx1"/>
+            </a:solidFill>
+            <a:prstDash val="sysDash"/>
+            <a:tailEnd type="triangle"/>
+          </a:ln>
+        </p:spPr>
+        <p:style>
+          <a:lnRef idx="1">
+            <a:schemeClr val="accent1"/>
+          </a:lnRef>
+          <a:fillRef idx="0">
+            <a:schemeClr val="accent1"/>
+          </a:fillRef>
+          <a:effectRef idx="0">
+            <a:schemeClr val="accent1"/>
+          </a:effectRef>
+          <a:fontRef idx="minor">
+            <a:schemeClr val="tx1"/>
+          </a:fontRef>
+        </p:style>
+      </p:cxnSp>
+      <p:cxnSp>
+        <p:nvCxnSpPr>
+          <p:cNvPr id="72" name="Straight Arrow Connector 71">
+            <a:extLst>
+              <a:ext uri="{FF2B5EF4-FFF2-40B4-BE49-F238E27FC236}">
+                <a16:creationId xmlns:a16="http://schemas.microsoft.com/office/drawing/2014/main" id="{CB2F3BC5-C165-4ED7-93C9-B50D0F82AF3E}"/>
+              </a:ext>
+            </a:extLst>
+          </p:cNvPr>
+          <p:cNvCxnSpPr>
+            <a:cxnSpLocks/>
+          </p:cNvCxnSpPr>
+          <p:nvPr/>
+        </p:nvCxnSpPr>
+        <p:spPr>
+          <a:xfrm flipV="1">
+            <a:off x="8864189" y="5627686"/>
+            <a:ext cx="0" cy="851874"/>
+          </a:xfrm>
+          <a:prstGeom prst="straightConnector1">
+            <a:avLst/>
+          </a:prstGeom>
+          <a:ln w="19050">
+            <a:solidFill>
+              <a:schemeClr val="tx1"/>
+            </a:solidFill>
+            <a:prstDash val="sysDash"/>
+            <a:tailEnd type="triangle"/>
+          </a:ln>
+        </p:spPr>
+        <p:style>
+          <a:lnRef idx="1">
+            <a:schemeClr val="accent1"/>
+          </a:lnRef>
+          <a:fillRef idx="0">
+            <a:schemeClr val="accent1"/>
+          </a:fillRef>
+          <a:effectRef idx="0">
+            <a:schemeClr val="accent1"/>
+          </a:effectRef>
+          <a:fontRef idx="minor">
+            <a:schemeClr val="tx1"/>
+          </a:fontRef>
+        </p:style>
+      </p:cxnSp>
+      <mc:AlternateContent xmlns:mc="http://schemas.openxmlformats.org/markup-compatibility/2006">
+        <mc:Choice xmlns:a14="http://schemas.microsoft.com/office/drawing/2010/main" Requires="a14">
+          <p:sp>
+            <p:nvSpPr>
+              <p:cNvPr id="75" name="TextBox 74">
+                <a:extLst>
+                  <a:ext uri="{FF2B5EF4-FFF2-40B4-BE49-F238E27FC236}">
+                    <a16:creationId xmlns:a16="http://schemas.microsoft.com/office/drawing/2014/main" id="{18CA1A12-51FA-43A3-B191-96DF7807C417}"/>
+                  </a:ext>
+                </a:extLst>
+              </p:cNvPr>
+              <p:cNvSpPr txBox="1"/>
+              <p:nvPr/>
+            </p:nvSpPr>
+            <p:spPr>
+              <a:xfrm>
+                <a:off x="8926680" y="5568594"/>
+                <a:ext cx="622300" cy="369332"/>
+              </a:xfrm>
+              <a:prstGeom prst="rect">
+                <a:avLst/>
+              </a:prstGeom>
+              <a:noFill/>
+            </p:spPr>
+            <p:txBody>
+              <a:bodyPr wrap="square" rtlCol="0">
+                <a:spAutoFit/>
+              </a:bodyPr>
+              <a:lstStyle/>
+              <a:p>
+                <a:pPr/>
+                <a14:m>
+                  <m:oMathPara xmlns:m="http://schemas.openxmlformats.org/officeDocument/2006/math">
+                    <m:oMathParaPr>
+                      <m:jc m:val="centerGroup"/>
+                    </m:oMathParaPr>
+                    <m:oMath xmlns:m="http://schemas.openxmlformats.org/officeDocument/2006/math">
+                      <m:sSub>
+                        <m:sSubPr>
+                          <m:ctrlPr>
+                            <a:rPr lang="en-GB" b="0" i="1" smtClean="0">
+                              <a:latin typeface="Cambria Math" panose="02040503050406030204" pitchFamily="18" charset="0"/>
+                            </a:rPr>
+                          </m:ctrlPr>
+                        </m:sSubPr>
+                        <m:e>
+                          <m:r>
+                            <a:rPr lang="en-GB" b="0" i="1" smtClean="0">
+                              <a:latin typeface="Cambria Math" panose="02040503050406030204" pitchFamily="18" charset="0"/>
+                            </a:rPr>
+                            <m:t>h</m:t>
+                          </m:r>
+                        </m:e>
+                        <m:sub>
+                          <m:r>
+                            <a:rPr lang="en-GB" b="0" i="1" smtClean="0">
+                              <a:latin typeface="Cambria Math" panose="02040503050406030204" pitchFamily="18" charset="0"/>
+                            </a:rPr>
+                            <m:t>2</m:t>
+                          </m:r>
+                        </m:sub>
+                      </m:sSub>
+                    </m:oMath>
+                  </m:oMathPara>
+                </a14:m>
+                <a:endParaRPr lang="en-GB" b="0" dirty="0"/>
+              </a:p>
+            </p:txBody>
+          </p:sp>
+        </mc:Choice>
+        <mc:Fallback>
+          <p:sp>
+            <p:nvSpPr>
+              <p:cNvPr id="75" name="TextBox 74">
+                <a:extLst>
+                  <a:ext uri="{FF2B5EF4-FFF2-40B4-BE49-F238E27FC236}">
+                    <a16:creationId xmlns:a16="http://schemas.microsoft.com/office/drawing/2014/main" id="{18CA1A12-51FA-43A3-B191-96DF7807C417}"/>
+                  </a:ext>
+                </a:extLst>
+              </p:cNvPr>
+              <p:cNvSpPr txBox="1">
+                <a:spLocks noRot="1" noChangeAspect="1" noMove="1" noResize="1" noEditPoints="1" noAdjustHandles="1" noChangeArrowheads="1" noChangeShapeType="1" noTextEdit="1"/>
+              </p:cNvSpPr>
+              <p:nvPr/>
+            </p:nvSpPr>
+            <p:spPr>
+              <a:xfrm>
+                <a:off x="8926680" y="5568594"/>
+                <a:ext cx="622300" cy="369332"/>
+              </a:xfrm>
+              <a:prstGeom prst="rect">
+                <a:avLst/>
+              </a:prstGeom>
+              <a:blipFill>
+                <a:blip r:embed="rId10"/>
+                <a:stretch>
+                  <a:fillRect/>
+                </a:stretch>
+              </a:blipFill>
+            </p:spPr>
+            <p:txBody>
+              <a:bodyPr/>
+              <a:lstStyle/>
+              <a:p>
+                <a:r>
+                  <a:rPr lang="en-GB">
+                    <a:noFill/>
+                  </a:rPr>
+                  <a:t> </a:t>
+                </a:r>
+              </a:p>
+            </p:txBody>
+          </p:sp>
+        </mc:Fallback>
+      </mc:AlternateContent>
+      <p:grpSp>
+        <p:nvGrpSpPr>
+          <p:cNvPr id="41" name="Group 40">
+            <a:extLst>
+              <a:ext uri="{FF2B5EF4-FFF2-40B4-BE49-F238E27FC236}">
+                <a16:creationId xmlns:a16="http://schemas.microsoft.com/office/drawing/2014/main" id="{02B6F10F-93CE-46CC-A9DA-3C0FB119FEF1}"/>
+              </a:ext>
+            </a:extLst>
+          </p:cNvPr>
+          <p:cNvGrpSpPr/>
+          <p:nvPr/>
+        </p:nvGrpSpPr>
+        <p:grpSpPr>
+          <a:xfrm>
+            <a:off x="1595361" y="856881"/>
+            <a:ext cx="1866212" cy="3049098"/>
+            <a:chOff x="635419" y="-726194"/>
+            <a:chExt cx="2902159" cy="4741675"/>
+          </a:xfrm>
+        </p:grpSpPr>
+        <p:grpSp>
+          <p:nvGrpSpPr>
+            <p:cNvPr id="20" name="Group 19">
+              <a:extLst>
+                <a:ext uri="{FF2B5EF4-FFF2-40B4-BE49-F238E27FC236}">
+                  <a16:creationId xmlns:a16="http://schemas.microsoft.com/office/drawing/2014/main" id="{75C49D39-447F-42D4-AF85-131461B171D5}"/>
+                </a:ext>
+              </a:extLst>
+            </p:cNvPr>
+            <p:cNvGrpSpPr/>
+            <p:nvPr/>
+          </p:nvGrpSpPr>
+          <p:grpSpPr>
+            <a:xfrm>
+              <a:off x="642292" y="994889"/>
+              <a:ext cx="2895286" cy="3020592"/>
+              <a:chOff x="909813" y="-1799319"/>
+              <a:chExt cx="6123126" cy="6388132"/>
+            </a:xfrm>
+          </p:grpSpPr>
+          <p:grpSp>
+            <p:nvGrpSpPr>
+              <p:cNvPr id="79" name="Group 78">
+                <a:extLst>
+                  <a:ext uri="{FF2B5EF4-FFF2-40B4-BE49-F238E27FC236}">
+                    <a16:creationId xmlns:a16="http://schemas.microsoft.com/office/drawing/2014/main" id="{C011B8E0-5B6C-459F-B86C-92BCFD3EB08D}"/>
+                  </a:ext>
+                </a:extLst>
+              </p:cNvPr>
+              <p:cNvGrpSpPr/>
+              <p:nvPr/>
+            </p:nvGrpSpPr>
+            <p:grpSpPr>
+              <a:xfrm>
+                <a:off x="909813" y="3589825"/>
+                <a:ext cx="6123126" cy="390698"/>
+                <a:chOff x="5709804" y="5572936"/>
+                <a:chExt cx="6123126" cy="390698"/>
+              </a:xfrm>
+            </p:grpSpPr>
+            <p:sp>
+              <p:nvSpPr>
+                <p:cNvPr id="80" name="Rectangle 79">
+                  <a:extLst>
+                    <a:ext uri="{FF2B5EF4-FFF2-40B4-BE49-F238E27FC236}">
+                      <a16:creationId xmlns:a16="http://schemas.microsoft.com/office/drawing/2014/main" id="{ACF3A1EB-DEB4-4DC9-A3A1-08955EEA3B1D}"/>
+                    </a:ext>
+                  </a:extLst>
+                </p:cNvPr>
+                <p:cNvSpPr/>
+                <p:nvPr/>
+              </p:nvSpPr>
+              <p:spPr>
+                <a:xfrm>
+                  <a:off x="5709804" y="5572936"/>
+                  <a:ext cx="6123126" cy="390698"/>
+                </a:xfrm>
+                <a:prstGeom prst="rect">
+                  <a:avLst/>
+                </a:prstGeom>
+                <a:noFill/>
+                <a:ln w="38100">
+                  <a:solidFill>
+                    <a:schemeClr val="tx1"/>
+                  </a:solidFill>
+                </a:ln>
+              </p:spPr>
+              <p:style>
+                <a:lnRef idx="2">
+                  <a:schemeClr val="accent1">
+                    <a:shade val="50000"/>
+                  </a:schemeClr>
+                </a:lnRef>
+                <a:fillRef idx="1">
+                  <a:schemeClr val="accent1"/>
+                </a:fillRef>
+                <a:effectRef idx="0">
+                  <a:schemeClr val="accent1"/>
+                </a:effectRef>
+                <a:fontRef idx="minor">
+                  <a:schemeClr val="lt1"/>
+                </a:fontRef>
+              </p:style>
+              <p:txBody>
+                <a:bodyPr rtlCol="0" anchor="ctr"/>
+                <a:lstStyle/>
+                <a:p>
+                  <a:pPr algn="ctr"/>
+                  <a:endParaRPr lang="en-GB"/>
+                </a:p>
+              </p:txBody>
+            </p:sp>
+            <p:sp>
+              <p:nvSpPr>
+                <p:cNvPr id="81" name="Rectangle 80">
+                  <a:extLst>
+                    <a:ext uri="{FF2B5EF4-FFF2-40B4-BE49-F238E27FC236}">
+                      <a16:creationId xmlns:a16="http://schemas.microsoft.com/office/drawing/2014/main" id="{4490BF17-FDDC-4462-9638-A20DB8336CB9}"/>
+                    </a:ext>
+                  </a:extLst>
+                </p:cNvPr>
+                <p:cNvSpPr/>
+                <p:nvPr/>
+              </p:nvSpPr>
+              <p:spPr>
+                <a:xfrm>
+                  <a:off x="11311367" y="5572936"/>
+                  <a:ext cx="311581" cy="390698"/>
+                </a:xfrm>
+                <a:prstGeom prst="rect">
+                  <a:avLst/>
+                </a:prstGeom>
+                <a:pattFill prst="wdUpDiag">
+                  <a:fgClr>
+                    <a:schemeClr val="bg1">
+                      <a:lumMod val="75000"/>
+                    </a:schemeClr>
+                  </a:fgClr>
+                  <a:bgClr>
+                    <a:schemeClr val="bg1"/>
+                  </a:bgClr>
+                </a:pattFill>
+                <a:ln w="38100">
+                  <a:solidFill>
+                    <a:schemeClr val="tx1"/>
+                  </a:solidFill>
+                  <a:prstDash val="solid"/>
+                </a:ln>
+              </p:spPr>
+              <p:style>
+                <a:lnRef idx="2">
+                  <a:schemeClr val="accent1">
+                    <a:shade val="50000"/>
+                  </a:schemeClr>
+                </a:lnRef>
+                <a:fillRef idx="1">
+                  <a:schemeClr val="accent1"/>
+                </a:fillRef>
+                <a:effectRef idx="0">
+                  <a:schemeClr val="accent1"/>
+                </a:effectRef>
+                <a:fontRef idx="minor">
+                  <a:schemeClr val="lt1"/>
+                </a:fontRef>
+              </p:style>
+              <p:txBody>
+                <a:bodyPr rtlCol="0" anchor="ctr"/>
+                <a:lstStyle/>
+                <a:p>
+                  <a:pPr algn="ctr"/>
+                  <a:endParaRPr lang="en-GB"/>
+                </a:p>
+              </p:txBody>
+            </p:sp>
+            <p:sp>
+              <p:nvSpPr>
+                <p:cNvPr id="82" name="Rectangle 81">
+                  <a:extLst>
+                    <a:ext uri="{FF2B5EF4-FFF2-40B4-BE49-F238E27FC236}">
+                      <a16:creationId xmlns:a16="http://schemas.microsoft.com/office/drawing/2014/main" id="{E91396E4-9306-4472-913A-BB674A4B4130}"/>
+                    </a:ext>
+                  </a:extLst>
+                </p:cNvPr>
+                <p:cNvSpPr/>
+                <p:nvPr/>
+              </p:nvSpPr>
+              <p:spPr>
+                <a:xfrm>
+                  <a:off x="5919786" y="5572936"/>
+                  <a:ext cx="311581" cy="390698"/>
+                </a:xfrm>
+                <a:prstGeom prst="rect">
+                  <a:avLst/>
+                </a:prstGeom>
+                <a:pattFill prst="wdUpDiag">
+                  <a:fgClr>
+                    <a:schemeClr val="bg1">
+                      <a:lumMod val="75000"/>
+                    </a:schemeClr>
+                  </a:fgClr>
+                  <a:bgClr>
+                    <a:schemeClr val="bg1"/>
+                  </a:bgClr>
+                </a:pattFill>
+                <a:ln w="38100">
+                  <a:solidFill>
+                    <a:schemeClr val="tx1"/>
+                  </a:solidFill>
+                  <a:prstDash val="solid"/>
+                </a:ln>
+              </p:spPr>
+              <p:style>
+                <a:lnRef idx="2">
+                  <a:schemeClr val="accent1">
+                    <a:shade val="50000"/>
+                  </a:schemeClr>
+                </a:lnRef>
+                <a:fillRef idx="1">
+                  <a:schemeClr val="accent1"/>
+                </a:fillRef>
+                <a:effectRef idx="0">
+                  <a:schemeClr val="accent1"/>
+                </a:effectRef>
+                <a:fontRef idx="minor">
+                  <a:schemeClr val="lt1"/>
+                </a:fontRef>
+              </p:style>
+              <p:txBody>
+                <a:bodyPr rtlCol="0" anchor="ctr"/>
+                <a:lstStyle/>
+                <a:p>
+                  <a:pPr algn="ctr"/>
+                  <a:endParaRPr lang="en-GB"/>
+                </a:p>
+              </p:txBody>
+            </p:sp>
+          </p:grpSp>
+          <p:sp>
+            <p:nvSpPr>
+              <p:cNvPr id="85" name="Rectangle 84">
+                <a:extLst>
+                  <a:ext uri="{FF2B5EF4-FFF2-40B4-BE49-F238E27FC236}">
+                    <a16:creationId xmlns:a16="http://schemas.microsoft.com/office/drawing/2014/main" id="{6910C2C5-461C-43E4-ADCA-82768941E02A}"/>
+                  </a:ext>
+                </a:extLst>
+              </p:cNvPr>
+              <p:cNvSpPr/>
+              <p:nvPr/>
+            </p:nvSpPr>
+            <p:spPr>
+              <a:xfrm>
+                <a:off x="3386313" y="649777"/>
+                <a:ext cx="1166079" cy="1156906"/>
+              </a:xfrm>
+              <a:prstGeom prst="rect">
+                <a:avLst/>
+              </a:prstGeom>
+              <a:noFill/>
+              <a:ln w="38100">
+                <a:solidFill>
+                  <a:schemeClr val="tx1"/>
+                </a:solidFill>
+                <a:prstDash val="solid"/>
+              </a:ln>
+            </p:spPr>
+            <p:style>
+              <a:lnRef idx="2">
+                <a:schemeClr val="accent1">
+                  <a:shade val="50000"/>
+                </a:schemeClr>
+              </a:lnRef>
+              <a:fillRef idx="1">
+                <a:schemeClr val="accent1"/>
+              </a:fillRef>
+              <a:effectRef idx="0">
+                <a:schemeClr val="accent1"/>
+              </a:effectRef>
+              <a:fontRef idx="minor">
+                <a:schemeClr val="lt1"/>
+              </a:fontRef>
+            </p:style>
+            <p:txBody>
+              <a:bodyPr rtlCol="0" anchor="ctr"/>
+              <a:lstStyle/>
+              <a:p>
+                <a:pPr algn="ctr"/>
+                <a:endParaRPr lang="en-GB" dirty="0"/>
+              </a:p>
+            </p:txBody>
+          </p:sp>
+          <p:sp>
+            <p:nvSpPr>
+              <p:cNvPr id="86" name="Oval 85">
+                <a:extLst>
+                  <a:ext uri="{FF2B5EF4-FFF2-40B4-BE49-F238E27FC236}">
+                    <a16:creationId xmlns:a16="http://schemas.microsoft.com/office/drawing/2014/main" id="{CDEACCC5-4605-406B-9401-5AB9ED46ACAF}"/>
+                  </a:ext>
+                </a:extLst>
+              </p:cNvPr>
+              <p:cNvSpPr/>
+              <p:nvPr/>
+            </p:nvSpPr>
+            <p:spPr>
+              <a:xfrm>
+                <a:off x="2663096" y="-1799319"/>
+                <a:ext cx="2616560" cy="2616561"/>
+              </a:xfrm>
+              <a:prstGeom prst="ellipse">
+                <a:avLst/>
+              </a:prstGeom>
+              <a:solidFill>
+                <a:schemeClr val="bg1"/>
+              </a:solidFill>
+              <a:ln w="38100">
+                <a:solidFill>
+                  <a:schemeClr val="tx1"/>
+                </a:solidFill>
+              </a:ln>
+            </p:spPr>
+            <p:style>
+              <a:lnRef idx="2">
+                <a:schemeClr val="accent1">
+                  <a:shade val="50000"/>
+                </a:schemeClr>
+              </a:lnRef>
+              <a:fillRef idx="1">
+                <a:schemeClr val="accent1"/>
+              </a:fillRef>
+              <a:effectRef idx="0">
+                <a:schemeClr val="accent1"/>
+              </a:effectRef>
+              <a:fontRef idx="minor">
+                <a:schemeClr val="lt1"/>
+              </a:fontRef>
+            </p:style>
+            <p:txBody>
+              <a:bodyPr rtlCol="0" anchor="ctr"/>
+              <a:lstStyle/>
+              <a:p>
+                <a:pPr algn="ctr"/>
+                <a:endParaRPr lang="en-GB" dirty="0"/>
+              </a:p>
+            </p:txBody>
+          </p:sp>
+          <p:sp>
+            <p:nvSpPr>
+              <p:cNvPr id="89" name="Chord 88">
+                <a:extLst>
+                  <a:ext uri="{FF2B5EF4-FFF2-40B4-BE49-F238E27FC236}">
+                    <a16:creationId xmlns:a16="http://schemas.microsoft.com/office/drawing/2014/main" id="{172A8572-3605-41A2-8921-45CC15938DB0}"/>
+                  </a:ext>
+                </a:extLst>
+              </p:cNvPr>
+              <p:cNvSpPr/>
+              <p:nvPr/>
+            </p:nvSpPr>
+            <p:spPr>
+              <a:xfrm>
+                <a:off x="2542603" y="1708813"/>
+                <a:ext cx="2880000" cy="2880000"/>
+              </a:xfrm>
+              <a:prstGeom prst="chord">
+                <a:avLst>
+                  <a:gd name="adj1" fmla="val 8701346"/>
+                  <a:gd name="adj2" fmla="val 2101555"/>
+                </a:avLst>
+              </a:prstGeom>
+              <a:solidFill>
+                <a:schemeClr val="bg1"/>
+              </a:solidFill>
+              <a:ln w="38100">
+                <a:solidFill>
+                  <a:schemeClr val="tx1"/>
+                </a:solidFill>
+              </a:ln>
+            </p:spPr>
+            <p:style>
+              <a:lnRef idx="2">
+                <a:schemeClr val="accent1">
+                  <a:shade val="50000"/>
+                </a:schemeClr>
+              </a:lnRef>
+              <a:fillRef idx="1">
+                <a:schemeClr val="accent1"/>
+              </a:fillRef>
+              <a:effectRef idx="0">
+                <a:schemeClr val="accent1"/>
+              </a:effectRef>
+              <a:fontRef idx="minor">
+                <a:schemeClr val="lt1"/>
+              </a:fontRef>
+            </p:style>
+            <p:txBody>
+              <a:bodyPr rtlCol="0" anchor="ctr"/>
+              <a:lstStyle/>
+              <a:p>
+                <a:pPr algn="ctr"/>
+                <a:endParaRPr lang="en-GB"/>
+              </a:p>
+            </p:txBody>
+          </p:sp>
+          <p:cxnSp>
+            <p:nvCxnSpPr>
+              <p:cNvPr id="94" name="Straight Connector 93">
+                <a:extLst>
+                  <a:ext uri="{FF2B5EF4-FFF2-40B4-BE49-F238E27FC236}">
+                    <a16:creationId xmlns:a16="http://schemas.microsoft.com/office/drawing/2014/main" id="{9A541680-882D-49F2-93B2-0436FE4AC3D8}"/>
+                  </a:ext>
+                </a:extLst>
+              </p:cNvPr>
+              <p:cNvCxnSpPr>
+                <a:cxnSpLocks/>
+                <a:stCxn id="81" idx="2"/>
+                <a:endCxn id="81" idx="0"/>
+              </p:cNvCxnSpPr>
+              <p:nvPr/>
+            </p:nvCxnSpPr>
+            <p:spPr>
+              <a:xfrm flipV="1">
+                <a:off x="6667167" y="3589825"/>
+                <a:ext cx="0" cy="390698"/>
+              </a:xfrm>
+              <a:prstGeom prst="line">
+                <a:avLst/>
+              </a:prstGeom>
+              <a:ln w="19050">
+                <a:solidFill>
+                  <a:schemeClr val="tx1"/>
+                </a:solidFill>
+                <a:prstDash val="sysDot"/>
+              </a:ln>
+            </p:spPr>
+            <p:style>
+              <a:lnRef idx="1">
+                <a:schemeClr val="accent1"/>
+              </a:lnRef>
+              <a:fillRef idx="0">
+                <a:schemeClr val="accent1"/>
+              </a:fillRef>
+              <a:effectRef idx="0">
+                <a:schemeClr val="accent1"/>
+              </a:effectRef>
+              <a:fontRef idx="minor">
+                <a:schemeClr val="tx1"/>
+              </a:fontRef>
+            </p:style>
+          </p:cxnSp>
+        </p:grpSp>
+        <p:grpSp>
+          <p:nvGrpSpPr>
+            <p:cNvPr id="40" name="Group 39">
+              <a:extLst>
+                <a:ext uri="{FF2B5EF4-FFF2-40B4-BE49-F238E27FC236}">
+                  <a16:creationId xmlns:a16="http://schemas.microsoft.com/office/drawing/2014/main" id="{E18F0376-E97C-4498-9AEE-4E4EB059AA0F}"/>
+                </a:ext>
+              </a:extLst>
+            </p:cNvPr>
+            <p:cNvGrpSpPr/>
+            <p:nvPr/>
+          </p:nvGrpSpPr>
+          <p:grpSpPr>
+            <a:xfrm rot="1449567">
+              <a:off x="635419" y="-726194"/>
+              <a:ext cx="2902159" cy="4679392"/>
+              <a:chOff x="3385011" y="-741756"/>
+              <a:chExt cx="2902159" cy="4679392"/>
+            </a:xfrm>
+          </p:grpSpPr>
+          <p:grpSp>
+            <p:nvGrpSpPr>
+              <p:cNvPr id="119" name="Group 118">
+                <a:extLst>
+                  <a:ext uri="{FF2B5EF4-FFF2-40B4-BE49-F238E27FC236}">
+                    <a16:creationId xmlns:a16="http://schemas.microsoft.com/office/drawing/2014/main" id="{2C8119F4-F7F0-43E0-9F55-0130B9FEB372}"/>
+                  </a:ext>
+                </a:extLst>
+              </p:cNvPr>
+              <p:cNvGrpSpPr/>
+              <p:nvPr/>
+            </p:nvGrpSpPr>
+            <p:grpSpPr>
+              <a:xfrm>
+                <a:off x="3385011" y="-741756"/>
+                <a:ext cx="2895286" cy="3020592"/>
+                <a:chOff x="909813" y="-1799319"/>
+                <a:chExt cx="6123126" cy="6388132"/>
+              </a:xfrm>
+            </p:grpSpPr>
+            <p:grpSp>
+              <p:nvGrpSpPr>
+                <p:cNvPr id="120" name="Group 119">
+                  <a:extLst>
+                    <a:ext uri="{FF2B5EF4-FFF2-40B4-BE49-F238E27FC236}">
+                      <a16:creationId xmlns:a16="http://schemas.microsoft.com/office/drawing/2014/main" id="{EF5CF377-3944-4E08-BDA3-39B9924629B9}"/>
+                    </a:ext>
+                  </a:extLst>
+                </p:cNvPr>
+                <p:cNvGrpSpPr/>
+                <p:nvPr/>
+              </p:nvGrpSpPr>
+              <p:grpSpPr>
+                <a:xfrm>
+                  <a:off x="909813" y="3589825"/>
+                  <a:ext cx="6123126" cy="390698"/>
+                  <a:chOff x="5709804" y="5572936"/>
+                  <a:chExt cx="6123126" cy="390698"/>
+                </a:xfrm>
+              </p:grpSpPr>
+              <p:sp>
+                <p:nvSpPr>
+                  <p:cNvPr id="125" name="Rectangle 124">
+                    <a:extLst>
+                      <a:ext uri="{FF2B5EF4-FFF2-40B4-BE49-F238E27FC236}">
+                        <a16:creationId xmlns:a16="http://schemas.microsoft.com/office/drawing/2014/main" id="{456EAD23-8C24-4BC8-B61D-548E2BCE563C}"/>
+                      </a:ext>
+                    </a:extLst>
+                  </p:cNvPr>
+                  <p:cNvSpPr/>
+                  <p:nvPr/>
+                </p:nvSpPr>
+                <p:spPr>
+                  <a:xfrm>
+                    <a:off x="5709804" y="5572936"/>
+                    <a:ext cx="6123126" cy="390698"/>
+                  </a:xfrm>
+                  <a:prstGeom prst="rect">
+                    <a:avLst/>
+                  </a:prstGeom>
+                  <a:noFill/>
+                  <a:ln w="38100">
+                    <a:solidFill>
+                      <a:schemeClr val="tx1"/>
+                    </a:solidFill>
+                  </a:ln>
+                </p:spPr>
+                <p:style>
+                  <a:lnRef idx="2">
+                    <a:schemeClr val="accent1">
+                      <a:shade val="50000"/>
+                    </a:schemeClr>
+                  </a:lnRef>
+                  <a:fillRef idx="1">
+                    <a:schemeClr val="accent1"/>
+                  </a:fillRef>
+                  <a:effectRef idx="0">
+                    <a:schemeClr val="accent1"/>
+                  </a:effectRef>
+                  <a:fontRef idx="minor">
+                    <a:schemeClr val="lt1"/>
+                  </a:fontRef>
+                </p:style>
+                <p:txBody>
+                  <a:bodyPr rtlCol="0" anchor="ctr"/>
+                  <a:lstStyle/>
+                  <a:p>
+                    <a:pPr algn="ctr"/>
+                    <a:endParaRPr lang="en-GB"/>
+                  </a:p>
+                </p:txBody>
+              </p:sp>
+              <p:sp>
+                <p:nvSpPr>
+                  <p:cNvPr id="131" name="Rectangle 130">
+                    <a:extLst>
+                      <a:ext uri="{FF2B5EF4-FFF2-40B4-BE49-F238E27FC236}">
+                        <a16:creationId xmlns:a16="http://schemas.microsoft.com/office/drawing/2014/main" id="{74DFD221-D2ED-41C7-9668-6229D4D62BAE}"/>
+                      </a:ext>
+                    </a:extLst>
+                  </p:cNvPr>
+                  <p:cNvSpPr/>
+                  <p:nvPr/>
+                </p:nvSpPr>
+                <p:spPr>
+                  <a:xfrm>
+                    <a:off x="11311367" y="5572936"/>
+                    <a:ext cx="311581" cy="390698"/>
+                  </a:xfrm>
+                  <a:prstGeom prst="rect">
+                    <a:avLst/>
+                  </a:prstGeom>
+                  <a:pattFill prst="wdUpDiag">
+                    <a:fgClr>
+                      <a:schemeClr val="bg1">
+                        <a:lumMod val="75000"/>
+                      </a:schemeClr>
+                    </a:fgClr>
+                    <a:bgClr>
+                      <a:schemeClr val="bg1"/>
+                    </a:bgClr>
+                  </a:pattFill>
+                  <a:ln w="38100">
+                    <a:solidFill>
+                      <a:schemeClr val="tx1"/>
+                    </a:solidFill>
+                    <a:prstDash val="solid"/>
+                  </a:ln>
+                </p:spPr>
+                <p:style>
+                  <a:lnRef idx="2">
+                    <a:schemeClr val="accent1">
+                      <a:shade val="50000"/>
+                    </a:schemeClr>
+                  </a:lnRef>
+                  <a:fillRef idx="1">
+                    <a:schemeClr val="accent1"/>
+                  </a:fillRef>
+                  <a:effectRef idx="0">
+                    <a:schemeClr val="accent1"/>
+                  </a:effectRef>
+                  <a:fontRef idx="minor">
+                    <a:schemeClr val="lt1"/>
+                  </a:fontRef>
+                </p:style>
+                <p:txBody>
+                  <a:bodyPr rtlCol="0" anchor="ctr"/>
+                  <a:lstStyle/>
+                  <a:p>
+                    <a:pPr algn="ctr"/>
+                    <a:endParaRPr lang="en-GB"/>
+                  </a:p>
+                </p:txBody>
+              </p:sp>
+              <p:sp>
+                <p:nvSpPr>
+                  <p:cNvPr id="132" name="Rectangle 131">
+                    <a:extLst>
+                      <a:ext uri="{FF2B5EF4-FFF2-40B4-BE49-F238E27FC236}">
+                        <a16:creationId xmlns:a16="http://schemas.microsoft.com/office/drawing/2014/main" id="{8930DF6F-A309-47D2-B5F9-E4E6E6CF598A}"/>
+                      </a:ext>
+                    </a:extLst>
+                  </p:cNvPr>
+                  <p:cNvSpPr/>
+                  <p:nvPr/>
+                </p:nvSpPr>
+                <p:spPr>
+                  <a:xfrm>
+                    <a:off x="5919786" y="5572936"/>
+                    <a:ext cx="311581" cy="390698"/>
+                  </a:xfrm>
+                  <a:prstGeom prst="rect">
+                    <a:avLst/>
+                  </a:prstGeom>
+                  <a:pattFill prst="wdUpDiag">
+                    <a:fgClr>
+                      <a:schemeClr val="bg1">
+                        <a:lumMod val="75000"/>
+                      </a:schemeClr>
+                    </a:fgClr>
+                    <a:bgClr>
+                      <a:schemeClr val="bg1"/>
+                    </a:bgClr>
+                  </a:pattFill>
+                  <a:ln w="38100">
+                    <a:solidFill>
+                      <a:schemeClr val="tx1"/>
+                    </a:solidFill>
+                    <a:prstDash val="solid"/>
+                  </a:ln>
+                </p:spPr>
+                <p:style>
+                  <a:lnRef idx="2">
+                    <a:schemeClr val="accent1">
+                      <a:shade val="50000"/>
+                    </a:schemeClr>
+                  </a:lnRef>
+                  <a:fillRef idx="1">
+                    <a:schemeClr val="accent1"/>
+                  </a:fillRef>
+                  <a:effectRef idx="0">
+                    <a:schemeClr val="accent1"/>
+                  </a:effectRef>
+                  <a:fontRef idx="minor">
+                    <a:schemeClr val="lt1"/>
+                  </a:fontRef>
+                </p:style>
+                <p:txBody>
+                  <a:bodyPr rtlCol="0" anchor="ctr"/>
+                  <a:lstStyle/>
+                  <a:p>
+                    <a:pPr algn="ctr"/>
+                    <a:endParaRPr lang="en-GB"/>
+                  </a:p>
+                </p:txBody>
+              </p:sp>
+            </p:grpSp>
+            <p:sp>
+              <p:nvSpPr>
+                <p:cNvPr id="121" name="Rectangle 120">
+                  <a:extLst>
+                    <a:ext uri="{FF2B5EF4-FFF2-40B4-BE49-F238E27FC236}">
+                      <a16:creationId xmlns:a16="http://schemas.microsoft.com/office/drawing/2014/main" id="{7E75C9EF-A5F2-4DD9-AE2B-B857C299410B}"/>
+                    </a:ext>
+                  </a:extLst>
+                </p:cNvPr>
+                <p:cNvSpPr/>
+                <p:nvPr/>
+              </p:nvSpPr>
+              <p:spPr>
+                <a:xfrm>
+                  <a:off x="3386313" y="649777"/>
+                  <a:ext cx="1166079" cy="1156906"/>
+                </a:xfrm>
+                <a:prstGeom prst="rect">
+                  <a:avLst/>
+                </a:prstGeom>
+                <a:noFill/>
+                <a:ln w="38100">
+                  <a:solidFill>
+                    <a:schemeClr val="tx1"/>
+                  </a:solidFill>
+                  <a:prstDash val="solid"/>
+                </a:ln>
+              </p:spPr>
+              <p:style>
+                <a:lnRef idx="2">
+                  <a:schemeClr val="accent1">
+                    <a:shade val="50000"/>
+                  </a:schemeClr>
+                </a:lnRef>
+                <a:fillRef idx="1">
+                  <a:schemeClr val="accent1"/>
+                </a:fillRef>
+                <a:effectRef idx="0">
+                  <a:schemeClr val="accent1"/>
+                </a:effectRef>
+                <a:fontRef idx="minor">
+                  <a:schemeClr val="lt1"/>
+                </a:fontRef>
+              </p:style>
+              <p:txBody>
+                <a:bodyPr rtlCol="0" anchor="ctr"/>
+                <a:lstStyle/>
+                <a:p>
+                  <a:pPr algn="ctr"/>
+                  <a:endParaRPr lang="en-GB" dirty="0"/>
+                </a:p>
+              </p:txBody>
+            </p:sp>
+            <p:sp>
+              <p:nvSpPr>
+                <p:cNvPr id="122" name="Oval 121">
+                  <a:extLst>
+                    <a:ext uri="{FF2B5EF4-FFF2-40B4-BE49-F238E27FC236}">
+                      <a16:creationId xmlns:a16="http://schemas.microsoft.com/office/drawing/2014/main" id="{9B2D6861-95C4-4C7A-BB12-6DCC83E03202}"/>
+                    </a:ext>
+                  </a:extLst>
+                </p:cNvPr>
+                <p:cNvSpPr/>
+                <p:nvPr/>
+              </p:nvSpPr>
+              <p:spPr>
+                <a:xfrm>
+                  <a:off x="2663096" y="-1799319"/>
+                  <a:ext cx="2616560" cy="2616561"/>
+                </a:xfrm>
+                <a:prstGeom prst="ellipse">
+                  <a:avLst/>
+                </a:prstGeom>
+                <a:solidFill>
+                  <a:schemeClr val="bg1"/>
+                </a:solidFill>
+                <a:ln w="38100">
+                  <a:solidFill>
+                    <a:schemeClr val="tx1"/>
+                  </a:solidFill>
+                </a:ln>
+              </p:spPr>
+              <p:style>
+                <a:lnRef idx="2">
+                  <a:schemeClr val="accent1">
+                    <a:shade val="50000"/>
+                  </a:schemeClr>
+                </a:lnRef>
+                <a:fillRef idx="1">
+                  <a:schemeClr val="accent1"/>
+                </a:fillRef>
+                <a:effectRef idx="0">
+                  <a:schemeClr val="accent1"/>
+                </a:effectRef>
+                <a:fontRef idx="minor">
+                  <a:schemeClr val="lt1"/>
+                </a:fontRef>
+              </p:style>
+              <p:txBody>
+                <a:bodyPr rtlCol="0" anchor="ctr"/>
+                <a:lstStyle/>
+                <a:p>
+                  <a:pPr algn="ctr"/>
+                  <a:endParaRPr lang="en-GB" dirty="0"/>
+                </a:p>
+              </p:txBody>
+            </p:sp>
+            <p:sp>
+              <p:nvSpPr>
+                <p:cNvPr id="123" name="Chord 122">
+                  <a:extLst>
+                    <a:ext uri="{FF2B5EF4-FFF2-40B4-BE49-F238E27FC236}">
+                      <a16:creationId xmlns:a16="http://schemas.microsoft.com/office/drawing/2014/main" id="{2EA29B9C-DC0B-4724-8D61-5A3C24FB6B37}"/>
+                    </a:ext>
+                  </a:extLst>
+                </p:cNvPr>
+                <p:cNvSpPr/>
+                <p:nvPr/>
+              </p:nvSpPr>
+              <p:spPr>
+                <a:xfrm>
+                  <a:off x="2542603" y="1708813"/>
+                  <a:ext cx="2880000" cy="2880000"/>
+                </a:xfrm>
+                <a:prstGeom prst="chord">
+                  <a:avLst>
+                    <a:gd name="adj1" fmla="val 8701346"/>
+                    <a:gd name="adj2" fmla="val 2101555"/>
+                  </a:avLst>
+                </a:prstGeom>
+                <a:solidFill>
+                  <a:schemeClr val="bg1"/>
+                </a:solidFill>
+                <a:ln w="38100">
+                  <a:solidFill>
+                    <a:schemeClr val="tx1"/>
+                  </a:solidFill>
+                </a:ln>
+              </p:spPr>
+              <p:style>
+                <a:lnRef idx="2">
+                  <a:schemeClr val="accent1">
+                    <a:shade val="50000"/>
+                  </a:schemeClr>
+                </a:lnRef>
+                <a:fillRef idx="1">
+                  <a:schemeClr val="accent1"/>
+                </a:fillRef>
+                <a:effectRef idx="0">
+                  <a:schemeClr val="accent1"/>
+                </a:effectRef>
+                <a:fontRef idx="minor">
+                  <a:schemeClr val="lt1"/>
+                </a:fontRef>
+              </p:style>
+              <p:txBody>
+                <a:bodyPr rtlCol="0" anchor="ctr"/>
+                <a:lstStyle/>
+                <a:p>
+                  <a:pPr algn="ctr"/>
+                  <a:endParaRPr lang="en-GB"/>
+                </a:p>
+              </p:txBody>
+            </p:sp>
+            <p:cxnSp>
+              <p:nvCxnSpPr>
+                <p:cNvPr id="124" name="Straight Connector 123">
+                  <a:extLst>
+                    <a:ext uri="{FF2B5EF4-FFF2-40B4-BE49-F238E27FC236}">
+                      <a16:creationId xmlns:a16="http://schemas.microsoft.com/office/drawing/2014/main" id="{B0C5F2EB-C857-463B-BEAF-BC806B1DB354}"/>
+                    </a:ext>
+                  </a:extLst>
+                </p:cNvPr>
+                <p:cNvCxnSpPr>
+                  <a:cxnSpLocks/>
+                  <a:stCxn id="131" idx="2"/>
+                  <a:endCxn id="131" idx="0"/>
+                </p:cNvCxnSpPr>
+                <p:nvPr/>
+              </p:nvCxnSpPr>
+              <p:spPr>
+                <a:xfrm flipV="1">
+                  <a:off x="6667167" y="3589825"/>
+                  <a:ext cx="0" cy="390698"/>
+                </a:xfrm>
+                <a:prstGeom prst="line">
+                  <a:avLst/>
+                </a:prstGeom>
+                <a:ln w="19050">
+                  <a:solidFill>
+                    <a:schemeClr val="tx1"/>
+                  </a:solidFill>
+                  <a:prstDash val="sysDot"/>
+                </a:ln>
+              </p:spPr>
+              <p:style>
+                <a:lnRef idx="1">
+                  <a:schemeClr val="accent1"/>
+                </a:lnRef>
+                <a:fillRef idx="0">
+                  <a:schemeClr val="accent1"/>
+                </a:fillRef>
+                <a:effectRef idx="0">
+                  <a:schemeClr val="accent1"/>
+                </a:effectRef>
+                <a:fontRef idx="minor">
+                  <a:schemeClr val="tx1"/>
+                </a:fontRef>
+              </p:style>
+            </p:cxnSp>
+          </p:grpSp>
+          <p:grpSp>
+            <p:nvGrpSpPr>
+              <p:cNvPr id="151" name="Group 150">
+                <a:extLst>
+                  <a:ext uri="{FF2B5EF4-FFF2-40B4-BE49-F238E27FC236}">
+                    <a16:creationId xmlns:a16="http://schemas.microsoft.com/office/drawing/2014/main" id="{CF3895FA-E681-4806-99CC-811C130853D0}"/>
+                  </a:ext>
+                </a:extLst>
+              </p:cNvPr>
+              <p:cNvGrpSpPr/>
+              <p:nvPr/>
+            </p:nvGrpSpPr>
+            <p:grpSpPr>
+              <a:xfrm rot="10800000">
+                <a:off x="3391884" y="917044"/>
+                <a:ext cx="2895286" cy="3020592"/>
+                <a:chOff x="909813" y="-1799319"/>
+                <a:chExt cx="6123126" cy="6388132"/>
+              </a:xfrm>
+              <a:noFill/>
+            </p:grpSpPr>
+            <p:grpSp>
+              <p:nvGrpSpPr>
+                <p:cNvPr id="152" name="Group 151">
+                  <a:extLst>
+                    <a:ext uri="{FF2B5EF4-FFF2-40B4-BE49-F238E27FC236}">
+                      <a16:creationId xmlns:a16="http://schemas.microsoft.com/office/drawing/2014/main" id="{32C7BDEF-D3D7-4BF3-A362-2CA0B7553ED5}"/>
+                    </a:ext>
+                  </a:extLst>
+                </p:cNvPr>
+                <p:cNvGrpSpPr/>
+                <p:nvPr/>
+              </p:nvGrpSpPr>
+              <p:grpSpPr>
+                <a:xfrm>
+                  <a:off x="909813" y="3589825"/>
+                  <a:ext cx="6123126" cy="390698"/>
+                  <a:chOff x="5709804" y="5572936"/>
+                  <a:chExt cx="6123126" cy="390698"/>
+                </a:xfrm>
+                <a:grpFill/>
+              </p:grpSpPr>
+              <p:sp>
+                <p:nvSpPr>
+                  <p:cNvPr id="157" name="Rectangle 156">
+                    <a:extLst>
+                      <a:ext uri="{FF2B5EF4-FFF2-40B4-BE49-F238E27FC236}">
+                        <a16:creationId xmlns:a16="http://schemas.microsoft.com/office/drawing/2014/main" id="{3254EB6E-5CD5-4848-B93A-A61921DCD41C}"/>
+                      </a:ext>
+                    </a:extLst>
+                  </p:cNvPr>
+                  <p:cNvSpPr/>
+                  <p:nvPr/>
+                </p:nvSpPr>
+                <p:spPr>
+                  <a:xfrm>
+                    <a:off x="5709804" y="5572936"/>
+                    <a:ext cx="6123126" cy="390698"/>
+                  </a:xfrm>
+                  <a:prstGeom prst="rect">
+                    <a:avLst/>
+                  </a:prstGeom>
+                  <a:grpFill/>
+                  <a:ln w="38100">
+                    <a:noFill/>
+                  </a:ln>
+                </p:spPr>
+                <p:style>
+                  <a:lnRef idx="2">
+                    <a:schemeClr val="accent1">
+                      <a:shade val="50000"/>
+                    </a:schemeClr>
+                  </a:lnRef>
+                  <a:fillRef idx="1">
+                    <a:schemeClr val="accent1"/>
+                  </a:fillRef>
+                  <a:effectRef idx="0">
+                    <a:schemeClr val="accent1"/>
+                  </a:effectRef>
+                  <a:fontRef idx="minor">
+                    <a:schemeClr val="lt1"/>
+                  </a:fontRef>
+                </p:style>
+                <p:txBody>
+                  <a:bodyPr rtlCol="0" anchor="ctr"/>
+                  <a:lstStyle/>
+                  <a:p>
+                    <a:pPr algn="ctr"/>
+                    <a:endParaRPr lang="en-GB"/>
+                  </a:p>
+                </p:txBody>
+              </p:sp>
+              <p:sp>
+                <p:nvSpPr>
+                  <p:cNvPr id="158" name="Rectangle 157">
+                    <a:extLst>
+                      <a:ext uri="{FF2B5EF4-FFF2-40B4-BE49-F238E27FC236}">
+                        <a16:creationId xmlns:a16="http://schemas.microsoft.com/office/drawing/2014/main" id="{83168965-5F7A-4B94-A8CC-D6B24B1BF525}"/>
+                      </a:ext>
+                    </a:extLst>
+                  </p:cNvPr>
+                  <p:cNvSpPr/>
+                  <p:nvPr/>
+                </p:nvSpPr>
+                <p:spPr>
+                  <a:xfrm>
+                    <a:off x="11311367" y="5572936"/>
+                    <a:ext cx="311581" cy="390698"/>
+                  </a:xfrm>
+                  <a:prstGeom prst="rect">
+                    <a:avLst/>
+                  </a:prstGeom>
+                  <a:grpFill/>
+                  <a:ln w="38100">
+                    <a:noFill/>
+                    <a:prstDash val="solid"/>
+                  </a:ln>
+                </p:spPr>
+                <p:style>
+                  <a:lnRef idx="2">
+                    <a:schemeClr val="accent1">
+                      <a:shade val="50000"/>
+                    </a:schemeClr>
+                  </a:lnRef>
+                  <a:fillRef idx="1">
+                    <a:schemeClr val="accent1"/>
+                  </a:fillRef>
+                  <a:effectRef idx="0">
+                    <a:schemeClr val="accent1"/>
+                  </a:effectRef>
+                  <a:fontRef idx="minor">
+                    <a:schemeClr val="lt1"/>
+                  </a:fontRef>
+                </p:style>
+                <p:txBody>
+                  <a:bodyPr rtlCol="0" anchor="ctr"/>
+                  <a:lstStyle/>
+                  <a:p>
+                    <a:pPr algn="ctr"/>
+                    <a:endParaRPr lang="en-GB"/>
+                  </a:p>
+                </p:txBody>
+              </p:sp>
+              <p:sp>
+                <p:nvSpPr>
+                  <p:cNvPr id="159" name="Rectangle 158">
+                    <a:extLst>
+                      <a:ext uri="{FF2B5EF4-FFF2-40B4-BE49-F238E27FC236}">
+                        <a16:creationId xmlns:a16="http://schemas.microsoft.com/office/drawing/2014/main" id="{FC7B0C71-D190-4EDE-8D2E-7AECDFBACB62}"/>
+                      </a:ext>
+                    </a:extLst>
+                  </p:cNvPr>
+                  <p:cNvSpPr/>
+                  <p:nvPr/>
+                </p:nvSpPr>
+                <p:spPr>
+                  <a:xfrm>
+                    <a:off x="5919786" y="5572936"/>
+                    <a:ext cx="311581" cy="390698"/>
+                  </a:xfrm>
+                  <a:prstGeom prst="rect">
+                    <a:avLst/>
+                  </a:prstGeom>
+                  <a:grpFill/>
+                  <a:ln w="38100">
+                    <a:noFill/>
+                    <a:prstDash val="solid"/>
+                  </a:ln>
+                </p:spPr>
+                <p:style>
+                  <a:lnRef idx="2">
+                    <a:schemeClr val="accent1">
+                      <a:shade val="50000"/>
+                    </a:schemeClr>
+                  </a:lnRef>
+                  <a:fillRef idx="1">
+                    <a:schemeClr val="accent1"/>
+                  </a:fillRef>
+                  <a:effectRef idx="0">
+                    <a:schemeClr val="accent1"/>
+                  </a:effectRef>
+                  <a:fontRef idx="minor">
+                    <a:schemeClr val="lt1"/>
+                  </a:fontRef>
+                </p:style>
+                <p:txBody>
+                  <a:bodyPr rtlCol="0" anchor="ctr"/>
+                  <a:lstStyle/>
+                  <a:p>
+                    <a:pPr algn="ctr"/>
+                    <a:endParaRPr lang="en-GB"/>
+                  </a:p>
+                </p:txBody>
+              </p:sp>
+            </p:grpSp>
+            <p:sp>
+              <p:nvSpPr>
+                <p:cNvPr id="153" name="Rectangle 152">
+                  <a:extLst>
+                    <a:ext uri="{FF2B5EF4-FFF2-40B4-BE49-F238E27FC236}">
+                      <a16:creationId xmlns:a16="http://schemas.microsoft.com/office/drawing/2014/main" id="{40FF612A-EF94-4330-A3CA-4557BCD0E583}"/>
+                    </a:ext>
+                  </a:extLst>
+                </p:cNvPr>
+                <p:cNvSpPr/>
+                <p:nvPr/>
+              </p:nvSpPr>
+              <p:spPr>
+                <a:xfrm>
+                  <a:off x="3386313" y="649777"/>
+                  <a:ext cx="1166079" cy="1156906"/>
+                </a:xfrm>
+                <a:prstGeom prst="rect">
+                  <a:avLst/>
+                </a:prstGeom>
+                <a:grpFill/>
+                <a:ln w="38100">
+                  <a:noFill/>
+                  <a:prstDash val="solid"/>
+                </a:ln>
+              </p:spPr>
+              <p:style>
+                <a:lnRef idx="2">
+                  <a:schemeClr val="accent1">
+                    <a:shade val="50000"/>
+                  </a:schemeClr>
+                </a:lnRef>
+                <a:fillRef idx="1">
+                  <a:schemeClr val="accent1"/>
+                </a:fillRef>
+                <a:effectRef idx="0">
+                  <a:schemeClr val="accent1"/>
+                </a:effectRef>
+                <a:fontRef idx="minor">
+                  <a:schemeClr val="lt1"/>
+                </a:fontRef>
+              </p:style>
+              <p:txBody>
+                <a:bodyPr rtlCol="0" anchor="ctr"/>
+                <a:lstStyle/>
+                <a:p>
+                  <a:pPr algn="ctr"/>
+                  <a:endParaRPr lang="en-GB" dirty="0"/>
+                </a:p>
+              </p:txBody>
+            </p:sp>
+            <p:sp>
+              <p:nvSpPr>
+                <p:cNvPr id="154" name="Oval 153">
+                  <a:extLst>
+                    <a:ext uri="{FF2B5EF4-FFF2-40B4-BE49-F238E27FC236}">
+                      <a16:creationId xmlns:a16="http://schemas.microsoft.com/office/drawing/2014/main" id="{A8250858-3DFC-419E-9942-98B80AE0FA57}"/>
+                    </a:ext>
+                  </a:extLst>
+                </p:cNvPr>
+                <p:cNvSpPr/>
+                <p:nvPr/>
+              </p:nvSpPr>
+              <p:spPr>
+                <a:xfrm>
+                  <a:off x="2663096" y="-1799319"/>
+                  <a:ext cx="2616560" cy="2616561"/>
+                </a:xfrm>
+                <a:prstGeom prst="ellipse">
+                  <a:avLst/>
+                </a:prstGeom>
+                <a:grpFill/>
+                <a:ln w="38100">
+                  <a:noFill/>
+                </a:ln>
+              </p:spPr>
+              <p:style>
+                <a:lnRef idx="2">
+                  <a:schemeClr val="accent1">
+                    <a:shade val="50000"/>
+                  </a:schemeClr>
+                </a:lnRef>
+                <a:fillRef idx="1">
+                  <a:schemeClr val="accent1"/>
+                </a:fillRef>
+                <a:effectRef idx="0">
+                  <a:schemeClr val="accent1"/>
+                </a:effectRef>
+                <a:fontRef idx="minor">
+                  <a:schemeClr val="lt1"/>
+                </a:fontRef>
+              </p:style>
+              <p:txBody>
+                <a:bodyPr rtlCol="0" anchor="ctr"/>
+                <a:lstStyle/>
+                <a:p>
+                  <a:pPr algn="ctr"/>
+                  <a:endParaRPr lang="en-GB" dirty="0"/>
+                </a:p>
+              </p:txBody>
+            </p:sp>
+            <p:sp>
+              <p:nvSpPr>
+                <p:cNvPr id="155" name="Chord 154">
+                  <a:extLst>
+                    <a:ext uri="{FF2B5EF4-FFF2-40B4-BE49-F238E27FC236}">
+                      <a16:creationId xmlns:a16="http://schemas.microsoft.com/office/drawing/2014/main" id="{8B286FDB-5E7C-4244-A4AB-2250586F94A8}"/>
+                    </a:ext>
+                  </a:extLst>
+                </p:cNvPr>
+                <p:cNvSpPr/>
+                <p:nvPr/>
+              </p:nvSpPr>
+              <p:spPr>
+                <a:xfrm>
+                  <a:off x="2542603" y="1708813"/>
+                  <a:ext cx="2880000" cy="2880000"/>
+                </a:xfrm>
+                <a:prstGeom prst="chord">
+                  <a:avLst>
+                    <a:gd name="adj1" fmla="val 8701346"/>
+                    <a:gd name="adj2" fmla="val 2101555"/>
+                  </a:avLst>
+                </a:prstGeom>
+                <a:grpFill/>
+                <a:ln w="38100">
+                  <a:noFill/>
+                </a:ln>
+              </p:spPr>
+              <p:style>
+                <a:lnRef idx="2">
+                  <a:schemeClr val="accent1">
+                    <a:shade val="50000"/>
+                  </a:schemeClr>
+                </a:lnRef>
+                <a:fillRef idx="1">
+                  <a:schemeClr val="accent1"/>
+                </a:fillRef>
+                <a:effectRef idx="0">
+                  <a:schemeClr val="accent1"/>
+                </a:effectRef>
+                <a:fontRef idx="minor">
+                  <a:schemeClr val="lt1"/>
+                </a:fontRef>
+              </p:style>
+              <p:txBody>
+                <a:bodyPr rtlCol="0" anchor="ctr"/>
+                <a:lstStyle/>
+                <a:p>
+                  <a:pPr algn="ctr"/>
+                  <a:endParaRPr lang="en-GB"/>
+                </a:p>
+              </p:txBody>
+            </p:sp>
+            <p:cxnSp>
+              <p:nvCxnSpPr>
+                <p:cNvPr id="156" name="Straight Connector 155">
+                  <a:extLst>
+                    <a:ext uri="{FF2B5EF4-FFF2-40B4-BE49-F238E27FC236}">
+                      <a16:creationId xmlns:a16="http://schemas.microsoft.com/office/drawing/2014/main" id="{07E533FC-5B6E-41AB-A0C2-F1554F05538C}"/>
+                    </a:ext>
+                  </a:extLst>
+                </p:cNvPr>
+                <p:cNvCxnSpPr>
+                  <a:cxnSpLocks/>
+                  <a:stCxn id="158" idx="2"/>
+                  <a:endCxn id="158" idx="0"/>
+                </p:cNvCxnSpPr>
+                <p:nvPr/>
+              </p:nvCxnSpPr>
+              <p:spPr>
+                <a:xfrm flipV="1">
+                  <a:off x="6667167" y="3589825"/>
+                  <a:ext cx="0" cy="390698"/>
+                </a:xfrm>
+                <a:prstGeom prst="line">
+                  <a:avLst/>
+                </a:prstGeom>
+                <a:grpFill/>
+                <a:ln w="19050">
+                  <a:noFill/>
+                  <a:prstDash val="sysDot"/>
+                </a:ln>
+              </p:spPr>
+              <p:style>
+                <a:lnRef idx="1">
+                  <a:schemeClr val="accent1"/>
+                </a:lnRef>
+                <a:fillRef idx="0">
+                  <a:schemeClr val="accent1"/>
+                </a:fillRef>
+                <a:effectRef idx="0">
+                  <a:schemeClr val="accent1"/>
+                </a:effectRef>
+                <a:fontRef idx="minor">
+                  <a:schemeClr val="tx1"/>
+                </a:fontRef>
+              </p:style>
+            </p:cxnSp>
+          </p:grpSp>
+        </p:grpSp>
+      </p:grpSp>
+    </p:spTree>
+    <p:extLst>
+      <p:ext uri="{BB962C8B-B14F-4D97-AF65-F5344CB8AC3E}">
+        <p14:creationId xmlns:p14="http://schemas.microsoft.com/office/powerpoint/2010/main" val="2823563193"/>
+      </p:ext>
+    </p:extLst>
+  </p:cSld>
+  <p:clrMapOvr>
+    <a:masterClrMapping/>
+  </p:clrMapOvr>
+</p:sld>
+</file>
+
+<file path=ppt/slides/slide5.xml><?xml version="1.0" encoding="utf-8"?>
+<p:sld xmlns:a="http://schemas.openxmlformats.org/drawingml/2006/main" xmlns:r="http://schemas.openxmlformats.org/officeDocument/2006/relationships" xmlns:p="http://schemas.openxmlformats.org/presentationml/2006/main">
+  <p:cSld>
+    <p:spTree>
+      <p:nvGrpSpPr>
+        <p:cNvPr id="1" name=""/>
+        <p:cNvGrpSpPr/>
+        <p:nvPr/>
+      </p:nvGrpSpPr>
+      <p:grpSpPr>
+        <a:xfrm>
+          <a:off x="0" y="0"/>
+          <a:ext cx="0" cy="0"/>
+          <a:chOff x="0" y="0"/>
+          <a:chExt cx="0" cy="0"/>
+        </a:xfrm>
+      </p:grpSpPr>
+      <mc:AlternateContent xmlns:mc="http://schemas.openxmlformats.org/markup-compatibility/2006" xmlns:a14="http://schemas.microsoft.com/office/drawing/2010/main">
+        <mc:Choice Requires="a14">
           <p:sp>
             <p:nvSpPr>
               <p:cNvPr id="32" name="TextBox 31">
@@ -15445,7 +19903,7 @@
             </p:txBody>
           </p:sp>
         </mc:Choice>
-        <mc:Fallback>
+        <mc:Fallback xmlns="">
           <p:sp>
             <p:nvSpPr>
               <p:cNvPr id="32" name="TextBox 31">
@@ -15490,8 +19948,8 @@
           </p:sp>
         </mc:Fallback>
       </mc:AlternateContent>
-      <mc:AlternateContent xmlns:mc="http://schemas.openxmlformats.org/markup-compatibility/2006">
-        <mc:Choice xmlns:a14="http://schemas.microsoft.com/office/drawing/2010/main" Requires="a14">
+      <mc:AlternateContent xmlns:mc="http://schemas.openxmlformats.org/markup-compatibility/2006" xmlns:a14="http://schemas.microsoft.com/office/drawing/2010/main">
+        <mc:Choice Requires="a14">
           <p:sp>
             <p:nvSpPr>
               <p:cNvPr id="121" name="TextBox 120">
@@ -15711,7 +20169,7 @@
             </p:txBody>
           </p:sp>
         </mc:Choice>
-        <mc:Fallback>
+        <mc:Fallback xmlns="">
           <p:sp>
             <p:nvSpPr>
               <p:cNvPr id="121" name="TextBox 120">
@@ -15756,8 +20214,8 @@
           </p:sp>
         </mc:Fallback>
       </mc:AlternateContent>
-      <mc:AlternateContent xmlns:mc="http://schemas.openxmlformats.org/markup-compatibility/2006">
-        <mc:Choice xmlns:a14="http://schemas.microsoft.com/office/drawing/2010/main" Requires="a14">
+      <mc:AlternateContent xmlns:mc="http://schemas.openxmlformats.org/markup-compatibility/2006" xmlns:a14="http://schemas.microsoft.com/office/drawing/2010/main">
+        <mc:Choice Requires="a14">
           <p:sp>
             <p:nvSpPr>
               <p:cNvPr id="3" name="Rectangle 2">
@@ -15880,7 +20338,7 @@
             </p:txBody>
           </p:sp>
         </mc:Choice>
-        <mc:Fallback>
+        <mc:Fallback xmlns="">
           <p:sp>
             <p:nvSpPr>
               <p:cNvPr id="3" name="Rectangle 2">
@@ -18249,8 +22707,8 @@
           </a:fontRef>
         </p:style>
       </p:cxnSp>
-      <mc:AlternateContent xmlns:mc="http://schemas.openxmlformats.org/markup-compatibility/2006">
-        <mc:Choice xmlns:a14="http://schemas.microsoft.com/office/drawing/2010/main" Requires="a14">
+      <mc:AlternateContent xmlns:mc="http://schemas.openxmlformats.org/markup-compatibility/2006" xmlns:a14="http://schemas.microsoft.com/office/drawing/2010/main">
+        <mc:Choice Requires="a14">
           <p:sp>
             <p:nvSpPr>
               <p:cNvPr id="19" name="Rectangle 18">
@@ -18278,6 +22736,7 @@
               </a:bodyPr>
               <a:lstStyle/>
               <a:p>
+                <a:pPr/>
                 <a14:m>
                   <m:oMathPara xmlns:m="http://schemas.openxmlformats.org/officeDocument/2006/math">
                     <m:oMathParaPr>
@@ -18323,7 +22782,7 @@
             </p:txBody>
           </p:sp>
         </mc:Choice>
-        <mc:Fallback>
+        <mc:Fallback xmlns="">
           <p:sp>
             <p:nvSpPr>
               <p:cNvPr id="19" name="Rectangle 18">
@@ -18368,8 +22827,8 @@
           </p:sp>
         </mc:Fallback>
       </mc:AlternateContent>
-      <mc:AlternateContent xmlns:mc="http://schemas.openxmlformats.org/markup-compatibility/2006">
-        <mc:Choice xmlns:a14="http://schemas.microsoft.com/office/drawing/2010/main" Requires="a14">
+      <mc:AlternateContent xmlns:mc="http://schemas.openxmlformats.org/markup-compatibility/2006" xmlns:a14="http://schemas.microsoft.com/office/drawing/2010/main">
+        <mc:Choice Requires="a14">
           <p:sp>
             <p:nvSpPr>
               <p:cNvPr id="268" name="Rectangle 267">
@@ -18397,6 +22856,7 @@
               </a:bodyPr>
               <a:lstStyle/>
               <a:p>
+                <a:pPr/>
                 <a14:m>
                   <m:oMathPara xmlns:m="http://schemas.openxmlformats.org/officeDocument/2006/math">
                     <m:oMathParaPr>
@@ -18442,7 +22902,7 @@
             </p:txBody>
           </p:sp>
         </mc:Choice>
-        <mc:Fallback>
+        <mc:Fallback xmlns="">
           <p:sp>
             <p:nvSpPr>
               <p:cNvPr id="268" name="Rectangle 267">
@@ -18487,8 +22947,8 @@
           </p:sp>
         </mc:Fallback>
       </mc:AlternateContent>
-      <mc:AlternateContent xmlns:mc="http://schemas.openxmlformats.org/markup-compatibility/2006">
-        <mc:Choice xmlns:a14="http://schemas.microsoft.com/office/drawing/2010/main" Requires="a14">
+      <mc:AlternateContent xmlns:mc="http://schemas.openxmlformats.org/markup-compatibility/2006" xmlns:a14="http://schemas.microsoft.com/office/drawing/2010/main">
+        <mc:Choice Requires="a14">
           <p:sp>
             <p:nvSpPr>
               <p:cNvPr id="269" name="Rectangle 268">
@@ -18516,6 +22976,7 @@
               </a:bodyPr>
               <a:lstStyle/>
               <a:p>
+                <a:pPr/>
                 <a14:m>
                   <m:oMathPara xmlns:m="http://schemas.openxmlformats.org/officeDocument/2006/math">
                     <m:oMathParaPr>
@@ -18561,7 +23022,7 @@
             </p:txBody>
           </p:sp>
         </mc:Choice>
-        <mc:Fallback>
+        <mc:Fallback xmlns="">
           <p:sp>
             <p:nvSpPr>
               <p:cNvPr id="269" name="Rectangle 268">
@@ -18652,8 +23113,8 @@
           </a:fontRef>
         </p:style>
       </p:cxnSp>
-      <mc:AlternateContent xmlns:mc="http://schemas.openxmlformats.org/markup-compatibility/2006">
-        <mc:Choice xmlns:a14="http://schemas.microsoft.com/office/drawing/2010/main" Requires="a14">
+      <mc:AlternateContent xmlns:mc="http://schemas.openxmlformats.org/markup-compatibility/2006" xmlns:a14="http://schemas.microsoft.com/office/drawing/2010/main">
+        <mc:Choice Requires="a14">
           <p:sp>
             <p:nvSpPr>
               <p:cNvPr id="271" name="Rectangle 270">
@@ -18681,6 +23142,7 @@
               </a:bodyPr>
               <a:lstStyle/>
               <a:p>
+                <a:pPr/>
                 <a14:m>
                   <m:oMathPara xmlns:m="http://schemas.openxmlformats.org/officeDocument/2006/math">
                     <m:oMathParaPr>
@@ -18726,7 +23188,7 @@
             </p:txBody>
           </p:sp>
         </mc:Choice>
-        <mc:Fallback>
+        <mc:Fallback xmlns="">
           <p:sp>
             <p:nvSpPr>
               <p:cNvPr id="271" name="Rectangle 270">
@@ -18771,8 +23233,8 @@
           </p:sp>
         </mc:Fallback>
       </mc:AlternateContent>
-      <mc:AlternateContent xmlns:mc="http://schemas.openxmlformats.org/markup-compatibility/2006">
-        <mc:Choice xmlns:a14="http://schemas.microsoft.com/office/drawing/2010/main" Requires="a14">
+      <mc:AlternateContent xmlns:mc="http://schemas.openxmlformats.org/markup-compatibility/2006" xmlns:a14="http://schemas.microsoft.com/office/drawing/2010/main">
+        <mc:Choice Requires="a14">
           <p:sp>
             <p:nvSpPr>
               <p:cNvPr id="272" name="Rectangle 271">
@@ -18800,6 +23262,7 @@
               </a:bodyPr>
               <a:lstStyle/>
               <a:p>
+                <a:pPr/>
                 <a14:m>
                   <m:oMathPara xmlns:m="http://schemas.openxmlformats.org/officeDocument/2006/math">
                     <m:oMathParaPr>
@@ -18845,7 +23308,7 @@
             </p:txBody>
           </p:sp>
         </mc:Choice>
-        <mc:Fallback>
+        <mc:Fallback xmlns="">
           <p:sp>
             <p:nvSpPr>
               <p:cNvPr id="272" name="Rectangle 271">
@@ -18890,8 +23353,8 @@
           </p:sp>
         </mc:Fallback>
       </mc:AlternateContent>
-      <mc:AlternateContent xmlns:mc="http://schemas.openxmlformats.org/markup-compatibility/2006">
-        <mc:Choice xmlns:a14="http://schemas.microsoft.com/office/drawing/2010/main" Requires="a14">
+      <mc:AlternateContent xmlns:mc="http://schemas.openxmlformats.org/markup-compatibility/2006" xmlns:a14="http://schemas.microsoft.com/office/drawing/2010/main">
+        <mc:Choice Requires="a14">
           <p:sp>
             <p:nvSpPr>
               <p:cNvPr id="273" name="Rectangle 272">
@@ -18919,6 +23382,7 @@
               </a:bodyPr>
               <a:lstStyle/>
               <a:p>
+                <a:pPr/>
                 <a14:m>
                   <m:oMathPara xmlns:m="http://schemas.openxmlformats.org/officeDocument/2006/math">
                     <m:oMathParaPr>
@@ -18964,7 +23428,7 @@
             </p:txBody>
           </p:sp>
         </mc:Choice>
-        <mc:Fallback>
+        <mc:Fallback xmlns="">
           <p:sp>
             <p:nvSpPr>
               <p:cNvPr id="273" name="Rectangle 272">
